--- a/PNPJ.pptx
+++ b/PNPJ.pptx
@@ -7,6 +7,8 @@
   <p:sldIdLst>
     <p:sldId id="257" r:id="rId2"/>
     <p:sldId id="258" r:id="rId3"/>
+    <p:sldId id="259" r:id="rId4"/>
+    <p:sldId id="260" r:id="rId5"/>
   </p:sldIdLst>
   <p:sldSz cx="12192000" cy="6858000"/>
   <p:notesSz cx="6858000" cy="9144000"/>
@@ -276,7 +278,7 @@
           <a:p>
             <a:fld id="{C65BE62A-A831-4D6A-9088-AC2AF82C5408}" type="datetimeFigureOut">
               <a:rPr lang="en-IN" smtClean="0"/>
-              <a:t>10-05-2023</a:t>
+              <a:t>25-05-2023</a:t>
             </a:fld>
             <a:endParaRPr lang="en-IN"/>
           </a:p>
@@ -446,7 +448,7 @@
           <a:p>
             <a:fld id="{C65BE62A-A831-4D6A-9088-AC2AF82C5408}" type="datetimeFigureOut">
               <a:rPr lang="en-IN" smtClean="0"/>
-              <a:t>10-05-2023</a:t>
+              <a:t>25-05-2023</a:t>
             </a:fld>
             <a:endParaRPr lang="en-IN"/>
           </a:p>
@@ -626,7 +628,7 @@
           <a:p>
             <a:fld id="{C65BE62A-A831-4D6A-9088-AC2AF82C5408}" type="datetimeFigureOut">
               <a:rPr lang="en-IN" smtClean="0"/>
-              <a:t>10-05-2023</a:t>
+              <a:t>25-05-2023</a:t>
             </a:fld>
             <a:endParaRPr lang="en-IN"/>
           </a:p>
@@ -796,7 +798,7 @@
           <a:p>
             <a:fld id="{C65BE62A-A831-4D6A-9088-AC2AF82C5408}" type="datetimeFigureOut">
               <a:rPr lang="en-IN" smtClean="0"/>
-              <a:t>10-05-2023</a:t>
+              <a:t>25-05-2023</a:t>
             </a:fld>
             <a:endParaRPr lang="en-IN"/>
           </a:p>
@@ -1064,7 +1066,7 @@
           <a:p>
             <a:fld id="{C65BE62A-A831-4D6A-9088-AC2AF82C5408}" type="datetimeFigureOut">
               <a:rPr lang="en-IN" smtClean="0"/>
-              <a:t>10-05-2023</a:t>
+              <a:t>25-05-2023</a:t>
             </a:fld>
             <a:endParaRPr lang="en-IN"/>
           </a:p>
@@ -1296,7 +1298,7 @@
           <a:p>
             <a:fld id="{C65BE62A-A831-4D6A-9088-AC2AF82C5408}" type="datetimeFigureOut">
               <a:rPr lang="en-IN" smtClean="0"/>
-              <a:t>10-05-2023</a:t>
+              <a:t>25-05-2023</a:t>
             </a:fld>
             <a:endParaRPr lang="en-IN"/>
           </a:p>
@@ -1655,7 +1657,7 @@
           <a:p>
             <a:fld id="{C65BE62A-A831-4D6A-9088-AC2AF82C5408}" type="datetimeFigureOut">
               <a:rPr lang="en-IN" smtClean="0"/>
-              <a:t>10-05-2023</a:t>
+              <a:t>25-05-2023</a:t>
             </a:fld>
             <a:endParaRPr lang="en-IN"/>
           </a:p>
@@ -1796,7 +1798,7 @@
           <a:p>
             <a:fld id="{C65BE62A-A831-4D6A-9088-AC2AF82C5408}" type="datetimeFigureOut">
               <a:rPr lang="en-IN" smtClean="0"/>
-              <a:t>10-05-2023</a:t>
+              <a:t>25-05-2023</a:t>
             </a:fld>
             <a:endParaRPr lang="en-IN"/>
           </a:p>
@@ -1891,7 +1893,7 @@
           <a:p>
             <a:fld id="{C65BE62A-A831-4D6A-9088-AC2AF82C5408}" type="datetimeFigureOut">
               <a:rPr lang="en-IN" smtClean="0"/>
-              <a:t>10-05-2023</a:t>
+              <a:t>25-05-2023</a:t>
             </a:fld>
             <a:endParaRPr lang="en-IN"/>
           </a:p>
@@ -2248,7 +2250,7 @@
           <a:p>
             <a:fld id="{C65BE62A-A831-4D6A-9088-AC2AF82C5408}" type="datetimeFigureOut">
               <a:rPr lang="en-IN" smtClean="0"/>
-              <a:t>10-05-2023</a:t>
+              <a:t>25-05-2023</a:t>
             </a:fld>
             <a:endParaRPr lang="en-IN"/>
           </a:p>
@@ -2605,7 +2607,7 @@
           <a:p>
             <a:fld id="{C65BE62A-A831-4D6A-9088-AC2AF82C5408}" type="datetimeFigureOut">
               <a:rPr lang="en-IN" smtClean="0"/>
-              <a:t>10-05-2023</a:t>
+              <a:t>25-05-2023</a:t>
             </a:fld>
             <a:endParaRPr lang="en-IN"/>
           </a:p>
@@ -2847,7 +2849,7 @@
           <a:p>
             <a:fld id="{C65BE62A-A831-4D6A-9088-AC2AF82C5408}" type="datetimeFigureOut">
               <a:rPr lang="en-IN" smtClean="0"/>
-              <a:t>10-05-2023</a:t>
+              <a:t>25-05-2023</a:t>
             </a:fld>
             <a:endParaRPr lang="en-IN"/>
           </a:p>
@@ -3810,6 +3812,237 @@
 </p:sld>
 </file>
 
+<file path=ppt/slides/slide3.xml><?xml version="1.0" encoding="utf-8"?>
+<p:sld xmlns:a="http://schemas.openxmlformats.org/drawingml/2006/main" xmlns:r="http://schemas.openxmlformats.org/officeDocument/2006/relationships" xmlns:p="http://schemas.openxmlformats.org/presentationml/2006/main">
+  <p:cSld>
+    <p:spTree>
+      <p:nvGrpSpPr>
+        <p:cNvPr id="1" name=""/>
+        <p:cNvGrpSpPr/>
+        <p:nvPr/>
+      </p:nvGrpSpPr>
+      <p:grpSpPr>
+        <a:xfrm>
+          <a:off x="0" y="0"/>
+          <a:ext cx="0" cy="0"/>
+          <a:chOff x="0" y="0"/>
+          <a:chExt cx="0" cy="0"/>
+        </a:xfrm>
+      </p:grpSpPr>
+      <p:sp>
+        <p:nvSpPr>
+          <p:cNvPr id="2" name="TextBox 1">
+            <a:extLst>
+              <a:ext uri="{FF2B5EF4-FFF2-40B4-BE49-F238E27FC236}">
+                <a16:creationId xmlns:a16="http://schemas.microsoft.com/office/drawing/2014/main" id="{2A00A80B-4E66-82E7-3B9B-ED2D3B3FB578}"/>
+              </a:ext>
+            </a:extLst>
+          </p:cNvPr>
+          <p:cNvSpPr txBox="1"/>
+          <p:nvPr/>
+        </p:nvSpPr>
+        <p:spPr>
+          <a:xfrm>
+            <a:off x="609600" y="904875"/>
+            <a:ext cx="11449050" cy="4216539"/>
+          </a:xfrm>
+          <a:prstGeom prst="rect">
+            <a:avLst/>
+          </a:prstGeom>
+          <a:noFill/>
+        </p:spPr>
+        <p:txBody>
+          <a:bodyPr wrap="square" rtlCol="0">
+            <a:spAutoFit/>
+          </a:bodyPr>
+          <a:lstStyle/>
+          <a:p>
+            <a:pPr algn="ctr"/>
+            <a:r>
+              <a:rPr lang="en-US" sz="2800" dirty="0"/>
+              <a:t>INTRODUCTION</a:t>
+            </a:r>
+          </a:p>
+          <a:p>
+            <a:endParaRPr lang="en-US" sz="2400" dirty="0"/>
+          </a:p>
+          <a:p>
+            <a:r>
+              <a:rPr lang="en-US" sz="2400" dirty="0"/>
+              <a:t>AI/ML is emerging drastically each day and due to its emergence, data is increasing day by </a:t>
+            </a:r>
+          </a:p>
+          <a:p>
+            <a:endParaRPr lang="en-US" sz="2400" dirty="0"/>
+          </a:p>
+          <a:p>
+            <a:r>
+              <a:rPr lang="en-US" sz="2400" dirty="0"/>
+              <a:t>Day. The collection of huge datasets is known as Big Data. Due to huge data, a normal </a:t>
+            </a:r>
+          </a:p>
+          <a:p>
+            <a:endParaRPr lang="en-US" sz="2400" dirty="0"/>
+          </a:p>
+          <a:p>
+            <a:r>
+              <a:rPr lang="en-US" sz="2400" dirty="0"/>
+              <a:t>Humans are not able to detect the abnormal </a:t>
+            </a:r>
+            <a:r>
+              <a:rPr lang="en-US" sz="2400" dirty="0" err="1"/>
+              <a:t>behaviour</a:t>
+            </a:r>
+            <a:r>
+              <a:rPr lang="en-US" sz="2400" dirty="0"/>
+              <a:t> in symmetry or pattern in big data. </a:t>
+            </a:r>
+          </a:p>
+          <a:p>
+            <a:endParaRPr lang="en-US" sz="2400" dirty="0"/>
+          </a:p>
+          <a:p>
+            <a:r>
+              <a:rPr lang="en-US" sz="2400" dirty="0"/>
+              <a:t>Here, the idea of big data and AI ,ML come into picture. AI/ML helps to detect abnormal </a:t>
+            </a:r>
+          </a:p>
+          <a:p>
+            <a:endParaRPr lang="en-US" sz="2400" dirty="0"/>
+          </a:p>
+          <a:p>
+            <a:r>
+              <a:rPr lang="en-US" sz="2400" dirty="0" err="1"/>
+              <a:t>Behaviour</a:t>
+            </a:r>
+            <a:r>
+              <a:rPr lang="en-US" sz="2400" dirty="0"/>
+              <a:t> and Pattern detection in big data in very less time.</a:t>
+            </a:r>
+          </a:p>
+        </p:txBody>
+      </p:sp>
+    </p:spTree>
+    <p:extLst>
+      <p:ext uri="{BB962C8B-B14F-4D97-AF65-F5344CB8AC3E}">
+        <p14:creationId xmlns:p14="http://schemas.microsoft.com/office/powerpoint/2010/main" val="92803457"/>
+      </p:ext>
+    </p:extLst>
+  </p:cSld>
+  <p:clrMapOvr>
+    <a:masterClrMapping/>
+  </p:clrMapOvr>
+</p:sld>
+</file>
+
+<file path=ppt/slides/slide4.xml><?xml version="1.0" encoding="utf-8"?>
+<p:sld xmlns:a="http://schemas.openxmlformats.org/drawingml/2006/main" xmlns:r="http://schemas.openxmlformats.org/officeDocument/2006/relationships" xmlns:p="http://schemas.openxmlformats.org/presentationml/2006/main">
+  <p:cSld>
+    <p:spTree>
+      <p:nvGrpSpPr>
+        <p:cNvPr id="1" name=""/>
+        <p:cNvGrpSpPr/>
+        <p:nvPr/>
+      </p:nvGrpSpPr>
+      <p:grpSpPr>
+        <a:xfrm>
+          <a:off x="0" y="0"/>
+          <a:ext cx="0" cy="0"/>
+          <a:chOff x="0" y="0"/>
+          <a:chExt cx="0" cy="0"/>
+        </a:xfrm>
+      </p:grpSpPr>
+      <p:sp>
+        <p:nvSpPr>
+          <p:cNvPr id="2" name="TextBox 1">
+            <a:extLst>
+              <a:ext uri="{FF2B5EF4-FFF2-40B4-BE49-F238E27FC236}">
+                <a16:creationId xmlns:a16="http://schemas.microsoft.com/office/drawing/2014/main" id="{AC98408D-FA29-0DF1-70EB-E174DC81F6FF}"/>
+              </a:ext>
+            </a:extLst>
+          </p:cNvPr>
+          <p:cNvSpPr txBox="1"/>
+          <p:nvPr/>
+        </p:nvSpPr>
+        <p:spPr>
+          <a:xfrm>
+            <a:off x="733425" y="1238250"/>
+            <a:ext cx="11277600" cy="3970318"/>
+          </a:xfrm>
+          <a:prstGeom prst="rect">
+            <a:avLst/>
+          </a:prstGeom>
+          <a:noFill/>
+        </p:spPr>
+        <p:txBody>
+          <a:bodyPr wrap="square" rtlCol="0">
+            <a:spAutoFit/>
+          </a:bodyPr>
+          <a:lstStyle/>
+          <a:p>
+            <a:pPr algn="ctr"/>
+            <a:r>
+              <a:rPr lang="en-US" sz="2800" dirty="0"/>
+              <a:t>OUR SOLUTION</a:t>
+            </a:r>
+          </a:p>
+          <a:p>
+            <a:pPr algn="ctr"/>
+            <a:endParaRPr lang="en-IN" sz="2800" dirty="0"/>
+          </a:p>
+          <a:p>
+            <a:r>
+              <a:rPr lang="en-IN" sz="2800" dirty="0"/>
+              <a:t>We used Python Framework Isolation Forest to detect anomalies and </a:t>
+            </a:r>
+          </a:p>
+          <a:p>
+            <a:endParaRPr lang="en-IN" sz="2800" dirty="0"/>
+          </a:p>
+          <a:p>
+            <a:r>
+              <a:rPr lang="en-IN" sz="2800" dirty="0"/>
+              <a:t>Pattern in big data. Isolation Forest is a built in framework in Scikit Learn </a:t>
+            </a:r>
+          </a:p>
+          <a:p>
+            <a:endParaRPr lang="en-IN" sz="2800" dirty="0"/>
+          </a:p>
+          <a:p>
+            <a:r>
+              <a:rPr lang="en-IN" sz="2800" dirty="0"/>
+              <a:t>Ensemble Library of Python. If there is any abnormal behaviour detected in</a:t>
+            </a:r>
+          </a:p>
+          <a:p>
+            <a:endParaRPr lang="en-IN" sz="2800" dirty="0"/>
+          </a:p>
+          <a:p>
+            <a:r>
+              <a:rPr lang="en-IN" sz="2800" dirty="0" err="1"/>
+              <a:t>Dataframing</a:t>
+            </a:r>
+            <a:r>
+              <a:rPr lang="en-IN" sz="2800" dirty="0"/>
+              <a:t> then it will mark -1 to that data.</a:t>
+            </a:r>
+            <a:endParaRPr lang="en-US" sz="2800" dirty="0"/>
+          </a:p>
+        </p:txBody>
+      </p:sp>
+    </p:spTree>
+    <p:extLst>
+      <p:ext uri="{BB962C8B-B14F-4D97-AF65-F5344CB8AC3E}">
+        <p14:creationId xmlns:p14="http://schemas.microsoft.com/office/powerpoint/2010/main" val="4016506704"/>
+      </p:ext>
+    </p:extLst>
+  </p:cSld>
+  <p:clrMapOvr>
+    <a:masterClrMapping/>
+  </p:clrMapOvr>
+</p:sld>
+</file>
+
 <file path=ppt/theme/theme1.xml><?xml version="1.0" encoding="utf-8"?>
 <a:theme xmlns:a="http://schemas.openxmlformats.org/drawingml/2006/main" name="Parcel">
   <a:themeElements>

--- a/PNPJ.pptx
+++ b/PNPJ.pptx
@@ -2,13 +2,14 @@
 <file path=ppt/presentation.xml><?xml version="1.0" encoding="utf-8"?>
 <p:presentation xmlns:a="http://schemas.openxmlformats.org/drawingml/2006/main" xmlns:r="http://schemas.openxmlformats.org/officeDocument/2006/relationships" xmlns:p="http://schemas.openxmlformats.org/presentationml/2006/main" saveSubsetFonts="1">
   <p:sldMasterIdLst>
-    <p:sldMasterId id="2147483660" r:id="rId1"/>
+    <p:sldMasterId id="2147483684" r:id="rId1"/>
   </p:sldMasterIdLst>
   <p:sldIdLst>
     <p:sldId id="257" r:id="rId2"/>
     <p:sldId id="258" r:id="rId3"/>
     <p:sldId id="259" r:id="rId4"/>
     <p:sldId id="260" r:id="rId5"/>
+    <p:sldId id="261" r:id="rId6"/>
   </p:sldIdLst>
   <p:sldSz cx="12192000" cy="6858000"/>
   <p:notesSz cx="6858000" cy="9144000"/>
@@ -118,14 +119,6 @@
 <file path=ppt/slideLayouts/slideLayout1.xml><?xml version="1.0" encoding="utf-8"?>
 <p:sldLayout xmlns:a="http://schemas.openxmlformats.org/drawingml/2006/main" xmlns:r="http://schemas.openxmlformats.org/officeDocument/2006/relationships" xmlns:p="http://schemas.openxmlformats.org/presentationml/2006/main" type="title" preserve="1">
   <p:cSld name="Title Slide">
-    <p:bg>
-      <p:bgPr>
-        <a:solidFill>
-          <a:schemeClr val="accent2"/>
-        </a:solidFill>
-        <a:effectLst/>
-      </p:bgPr>
-    </p:bg>
     <p:spTree>
       <p:nvGrpSpPr>
         <p:cNvPr id="1" name=""/>
@@ -150,31 +143,19 @@
             <p:ph type="ctrTitle"/>
           </p:nvPr>
         </p:nvSpPr>
-        <p:spPr bwMode="blackWhite">
+        <p:spPr>
           <a:xfrm>
-            <a:off x="1600200" y="2386744"/>
-            <a:ext cx="8991600" cy="1645920"/>
+            <a:off x="1595269" y="1122363"/>
+            <a:ext cx="9001462" cy="2387600"/>
           </a:xfrm>
-          <a:solidFill>
-            <a:srgbClr val="FFFFFF"/>
-          </a:solidFill>
-          <a:ln w="38100">
-            <a:solidFill>
-              <a:srgbClr val="404040"/>
-            </a:solidFill>
-          </a:ln>
         </p:spPr>
         <p:txBody>
-          <a:bodyPr lIns="274320" rIns="274320" anchor="ctr" anchorCtr="1">
+          <a:bodyPr anchor="b">
             <a:normAutofit/>
           </a:bodyPr>
           <a:lstStyle>
             <a:lvl1pPr algn="ctr">
-              <a:defRPr sz="3800">
-                <a:solidFill>
-                  <a:srgbClr val="262626"/>
-                </a:solidFill>
-              </a:defRPr>
+              <a:defRPr sz="4800"/>
             </a:lvl1pPr>
           </a:lstStyle>
           <a:p>
@@ -198,10 +179,294 @@
         </p:nvSpPr>
         <p:spPr>
           <a:xfrm>
-            <a:off x="2695194" y="4352544"/>
-            <a:ext cx="6801612" cy="1239894"/>
+            <a:off x="1595269" y="3602038"/>
+            <a:ext cx="9001462" cy="1655762"/>
+          </a:xfrm>
+        </p:spPr>
+        <p:txBody>
+          <a:bodyPr/>
+          <a:lstStyle>
+            <a:lvl1pPr marL="0" indent="0" algn="ctr">
+              <a:buNone/>
+              <a:defRPr sz="2400"/>
+            </a:lvl1pPr>
+            <a:lvl2pPr marL="457200" indent="0" algn="ctr">
+              <a:buNone/>
+              <a:defRPr sz="2000"/>
+            </a:lvl2pPr>
+            <a:lvl3pPr marL="914400" indent="0" algn="ctr">
+              <a:buNone/>
+              <a:defRPr sz="1800"/>
+            </a:lvl3pPr>
+            <a:lvl4pPr marL="1371600" indent="0" algn="ctr">
+              <a:buNone/>
+              <a:defRPr sz="1600"/>
+            </a:lvl4pPr>
+            <a:lvl5pPr marL="1828800" indent="0" algn="ctr">
+              <a:buNone/>
+              <a:defRPr sz="1600"/>
+            </a:lvl5pPr>
+            <a:lvl6pPr marL="2286000" indent="0" algn="ctr">
+              <a:buNone/>
+              <a:defRPr sz="1600"/>
+            </a:lvl6pPr>
+            <a:lvl7pPr marL="2743200" indent="0" algn="ctr">
+              <a:buNone/>
+              <a:defRPr sz="1600"/>
+            </a:lvl7pPr>
+            <a:lvl8pPr marL="3200400" indent="0" algn="ctr">
+              <a:buNone/>
+              <a:defRPr sz="1600"/>
+            </a:lvl8pPr>
+            <a:lvl9pPr marL="3657600" indent="0" algn="ctr">
+              <a:buNone/>
+              <a:defRPr sz="1600"/>
+            </a:lvl9pPr>
+          </a:lstStyle>
+          <a:p>
+            <a:r>
+              <a:rPr lang="en-US"/>
+              <a:t>Click to edit Master subtitle style</a:t>
+            </a:r>
+            <a:endParaRPr lang="en-US" dirty="0"/>
+          </a:p>
+        </p:txBody>
+      </p:sp>
+      <p:sp>
+        <p:nvSpPr>
+          <p:cNvPr id="4" name="Date Placeholder 3"/>
+          <p:cNvSpPr>
+            <a:spLocks noGrp="1"/>
+          </p:cNvSpPr>
+          <p:nvPr>
+            <p:ph type="dt" sz="half" idx="10"/>
+          </p:nvPr>
+        </p:nvSpPr>
+        <p:spPr/>
+        <p:txBody>
+          <a:bodyPr/>
+          <a:lstStyle/>
+          <a:p>
+            <a:fld id="{C65BE62A-A831-4D6A-9088-AC2AF82C5408}" type="datetimeFigureOut">
+              <a:rPr lang="en-IN" smtClean="0"/>
+              <a:t>25-05-2023</a:t>
+            </a:fld>
+            <a:endParaRPr lang="en-IN"/>
+          </a:p>
+        </p:txBody>
+      </p:sp>
+      <p:sp>
+        <p:nvSpPr>
+          <p:cNvPr id="5" name="Footer Placeholder 4"/>
+          <p:cNvSpPr>
+            <a:spLocks noGrp="1"/>
+          </p:cNvSpPr>
+          <p:nvPr>
+            <p:ph type="ftr" sz="quarter" idx="11"/>
+          </p:nvPr>
+        </p:nvSpPr>
+        <p:spPr/>
+        <p:txBody>
+          <a:bodyPr/>
+          <a:lstStyle/>
+          <a:p>
+            <a:endParaRPr lang="en-IN"/>
+          </a:p>
+        </p:txBody>
+      </p:sp>
+      <p:sp>
+        <p:nvSpPr>
+          <p:cNvPr id="6" name="Slide Number Placeholder 5"/>
+          <p:cNvSpPr>
+            <a:spLocks noGrp="1"/>
+          </p:cNvSpPr>
+          <p:nvPr>
+            <p:ph type="sldNum" sz="quarter" idx="12"/>
+          </p:nvPr>
+        </p:nvSpPr>
+        <p:spPr/>
+        <p:txBody>
+          <a:bodyPr/>
+          <a:lstStyle/>
+          <a:p>
+            <a:fld id="{462CCE7B-2A7F-444C-B226-ACCDD8AAA8C9}" type="slidenum">
+              <a:rPr lang="en-IN" smtClean="0"/>
+              <a:t>‹#›</a:t>
+            </a:fld>
+            <a:endParaRPr lang="en-IN"/>
+          </a:p>
+        </p:txBody>
+      </p:sp>
+    </p:spTree>
+    <p:extLst>
+      <p:ext uri="{BB962C8B-B14F-4D97-AF65-F5344CB8AC3E}">
+        <p14:creationId xmlns:p14="http://schemas.microsoft.com/office/powerpoint/2010/main" val="1835870457"/>
+      </p:ext>
+    </p:extLst>
+  </p:cSld>
+  <p:clrMapOvr>
+    <a:masterClrMapping/>
+  </p:clrMapOvr>
+</p:sldLayout>
+</file>
+
+<file path=ppt/slideLayouts/slideLayout10.xml><?xml version="1.0" encoding="utf-8"?>
+<p:sldLayout xmlns:a="http://schemas.openxmlformats.org/drawingml/2006/main" xmlns:r="http://schemas.openxmlformats.org/officeDocument/2006/relationships" xmlns:p="http://schemas.openxmlformats.org/presentationml/2006/main" preserve="1">
+  <p:cSld name="Panoramic Picture with Caption">
+    <p:spTree>
+      <p:nvGrpSpPr>
+        <p:cNvPr id="1" name=""/>
+        <p:cNvGrpSpPr/>
+        <p:nvPr/>
+      </p:nvGrpSpPr>
+      <p:grpSpPr>
+        <a:xfrm>
+          <a:off x="0" y="0"/>
+          <a:ext cx="0" cy="0"/>
+          <a:chOff x="0" y="0"/>
+          <a:chExt cx="0" cy="0"/>
+        </a:xfrm>
+      </p:grpSpPr>
+      <p:sp>
+        <p:nvSpPr>
+          <p:cNvPr id="2" name="Title 1"/>
+          <p:cNvSpPr>
+            <a:spLocks noGrp="1"/>
+          </p:cNvSpPr>
+          <p:nvPr>
+            <p:ph type="title"/>
+          </p:nvPr>
+        </p:nvSpPr>
+        <p:spPr>
+          <a:xfrm>
+            <a:off x="913806" y="4289372"/>
+            <a:ext cx="10367564" cy="819355"/>
+          </a:xfrm>
+        </p:spPr>
+        <p:txBody>
+          <a:bodyPr anchor="b">
+            <a:normAutofit/>
+          </a:bodyPr>
+          <a:lstStyle>
+            <a:lvl1pPr>
+              <a:defRPr sz="2800"/>
+            </a:lvl1pPr>
+          </a:lstStyle>
+          <a:p>
+            <a:r>
+              <a:rPr lang="en-US"/>
+              <a:t>Click to edit Master title style</a:t>
+            </a:r>
+            <a:endParaRPr lang="en-US" dirty="0"/>
+          </a:p>
+        </p:txBody>
+      </p:sp>
+      <p:sp>
+        <p:nvSpPr>
+          <p:cNvPr id="3" name="Picture Placeholder 2"/>
+          <p:cNvSpPr>
+            <a:spLocks noGrp="1" noChangeAspect="1"/>
+          </p:cNvSpPr>
+          <p:nvPr>
+            <p:ph type="pic" idx="1"/>
+          </p:nvPr>
+        </p:nvSpPr>
+        <p:spPr>
+          <a:xfrm>
+            <a:off x="913806" y="621321"/>
+            <a:ext cx="10367564" cy="3379735"/>
           </a:xfrm>
           <a:noFill/>
+          <a:ln w="190500" cap="sq">
+            <a:solidFill>
+              <a:srgbClr val="FFFFFF"/>
+            </a:solidFill>
+            <a:miter lim="800000"/>
+          </a:ln>
+          <a:effectLst>
+            <a:outerShdw blurRad="55000" dist="18000" dir="5400000" algn="tl" rotWithShape="0">
+              <a:srgbClr val="000000">
+                <a:alpha val="40000"/>
+              </a:srgbClr>
+            </a:outerShdw>
+          </a:effectLst>
+          <a:scene3d>
+            <a:camera prst="orthographicFront"/>
+            <a:lightRig rig="twoPt" dir="t">
+              <a:rot lat="0" lon="0" rev="7200000"/>
+            </a:lightRig>
+          </a:scene3d>
+          <a:sp3d>
+            <a:bevelT w="25400" h="19050"/>
+            <a:contourClr>
+              <a:srgbClr val="FFFFFF"/>
+            </a:contourClr>
+          </a:sp3d>
+        </p:spPr>
+        <p:txBody>
+          <a:bodyPr anchor="t"/>
+          <a:lstStyle>
+            <a:lvl1pPr marL="0" indent="0" algn="ctr">
+              <a:buNone/>
+              <a:defRPr sz="3200"/>
+            </a:lvl1pPr>
+            <a:lvl2pPr marL="457200" indent="0">
+              <a:buNone/>
+              <a:defRPr sz="2800"/>
+            </a:lvl2pPr>
+            <a:lvl3pPr marL="914400" indent="0">
+              <a:buNone/>
+              <a:defRPr sz="2400"/>
+            </a:lvl3pPr>
+            <a:lvl4pPr marL="1371600" indent="0">
+              <a:buNone/>
+              <a:defRPr sz="2000"/>
+            </a:lvl4pPr>
+            <a:lvl5pPr marL="1828800" indent="0">
+              <a:buNone/>
+              <a:defRPr sz="2000"/>
+            </a:lvl5pPr>
+            <a:lvl6pPr marL="2286000" indent="0">
+              <a:buNone/>
+              <a:defRPr sz="2000"/>
+            </a:lvl6pPr>
+            <a:lvl7pPr marL="2743200" indent="0">
+              <a:buNone/>
+              <a:defRPr sz="2000"/>
+            </a:lvl7pPr>
+            <a:lvl8pPr marL="3200400" indent="0">
+              <a:buNone/>
+              <a:defRPr sz="2000"/>
+            </a:lvl8pPr>
+            <a:lvl9pPr marL="3657600" indent="0">
+              <a:buNone/>
+              <a:defRPr sz="2000"/>
+            </a:lvl9pPr>
+          </a:lstStyle>
+          <a:p>
+            <a:r>
+              <a:rPr lang="en-US"/>
+              <a:t>Click icon to add picture</a:t>
+            </a:r>
+            <a:endParaRPr lang="en-US" dirty="0"/>
+          </a:p>
+        </p:txBody>
+      </p:sp>
+      <p:sp>
+        <p:nvSpPr>
+          <p:cNvPr id="4" name="Text Placeholder 3"/>
+          <p:cNvSpPr>
+            <a:spLocks noGrp="1"/>
+          </p:cNvSpPr>
+          <p:nvPr>
+            <p:ph type="body" sz="half" idx="2"/>
+          </p:nvPr>
+        </p:nvSpPr>
+        <p:spPr>
+          <a:xfrm>
+            <a:off x="913795" y="5108728"/>
+            <a:ext cx="10365998" cy="682472"/>
+          </a:xfrm>
         </p:spPr>
         <p:txBody>
           <a:bodyPr>
@@ -210,60 +475,53 @@
           <a:lstStyle>
             <a:lvl1pPr marL="0" indent="0" algn="ctr">
               <a:buNone/>
-              <a:defRPr sz="2000">
-                <a:solidFill>
-                  <a:schemeClr val="tx1">
-                    <a:lumMod val="75000"/>
-                    <a:lumOff val="25000"/>
-                  </a:schemeClr>
-                </a:solidFill>
-              </a:defRPr>
+              <a:defRPr sz="1800"/>
             </a:lvl1pPr>
-            <a:lvl2pPr marL="457200" indent="0" algn="ctr">
-              <a:buNone/>
-              <a:defRPr sz="2000"/>
+            <a:lvl2pPr marL="457200" indent="0">
+              <a:buNone/>
+              <a:defRPr sz="1400"/>
             </a:lvl2pPr>
-            <a:lvl3pPr marL="914400" indent="0" algn="ctr">
-              <a:buNone/>
-              <a:defRPr sz="1800"/>
+            <a:lvl3pPr marL="914400" indent="0">
+              <a:buNone/>
+              <a:defRPr sz="1200"/>
             </a:lvl3pPr>
-            <a:lvl4pPr marL="1371600" indent="0" algn="ctr">
-              <a:buNone/>
-              <a:defRPr sz="1600"/>
+            <a:lvl4pPr marL="1371600" indent="0">
+              <a:buNone/>
+              <a:defRPr sz="1000"/>
             </a:lvl4pPr>
-            <a:lvl5pPr marL="1828800" indent="0" algn="ctr">
-              <a:buNone/>
-              <a:defRPr sz="1600"/>
+            <a:lvl5pPr marL="1828800" indent="0">
+              <a:buNone/>
+              <a:defRPr sz="1000"/>
             </a:lvl5pPr>
-            <a:lvl6pPr marL="2286000" indent="0" algn="ctr">
-              <a:buNone/>
-              <a:defRPr sz="1600"/>
+            <a:lvl6pPr marL="2286000" indent="0">
+              <a:buNone/>
+              <a:defRPr sz="1000"/>
             </a:lvl6pPr>
-            <a:lvl7pPr marL="2743200" indent="0" algn="ctr">
-              <a:buNone/>
-              <a:defRPr sz="1600"/>
+            <a:lvl7pPr marL="2743200" indent="0">
+              <a:buNone/>
+              <a:defRPr sz="1000"/>
             </a:lvl7pPr>
-            <a:lvl8pPr marL="3200400" indent="0" algn="ctr">
-              <a:buNone/>
-              <a:defRPr sz="1600"/>
+            <a:lvl8pPr marL="3200400" indent="0">
+              <a:buNone/>
+              <a:defRPr sz="1000"/>
             </a:lvl8pPr>
-            <a:lvl9pPr marL="3657600" indent="0" algn="ctr">
-              <a:buNone/>
-              <a:defRPr sz="1600"/>
+            <a:lvl9pPr marL="3657600" indent="0">
+              <a:buNone/>
+              <a:defRPr sz="1000"/>
             </a:lvl9pPr>
           </a:lstStyle>
           <a:p>
-            <a:r>
-              <a:rPr lang="en-US"/>
-              <a:t>Click to edit Master subtitle style</a:t>
-            </a:r>
-            <a:endParaRPr lang="en-US" dirty="0"/>
-          </a:p>
-        </p:txBody>
-      </p:sp>
-      <p:sp>
-        <p:nvSpPr>
-          <p:cNvPr id="7" name="Date Placeholder 6"/>
+            <a:pPr lvl="0"/>
+            <a:r>
+              <a:rPr lang="en-US"/>
+              <a:t>Click to edit Master text styles</a:t>
+            </a:r>
+          </a:p>
+        </p:txBody>
+      </p:sp>
+      <p:sp>
+        <p:nvSpPr>
+          <p:cNvPr id="5" name="Date Placeholder 4"/>
           <p:cNvSpPr>
             <a:spLocks noGrp="1"/>
           </p:cNvSpPr>
@@ -286,7 +544,7 @@
       </p:sp>
       <p:sp>
         <p:nvSpPr>
-          <p:cNvPr id="8" name="Footer Placeholder 7"/>
+          <p:cNvPr id="6" name="Footer Placeholder 5"/>
           <p:cNvSpPr>
             <a:spLocks noGrp="1"/>
           </p:cNvSpPr>
@@ -305,7 +563,7 @@
       </p:sp>
       <p:sp>
         <p:nvSpPr>
-          <p:cNvPr id="9" name="Slide Number Placeholder 8"/>
+          <p:cNvPr id="7" name="Slide Number Placeholder 6"/>
           <p:cNvSpPr>
             <a:spLocks noGrp="1"/>
           </p:cNvSpPr>
@@ -329,17 +587,2280 @@
     </p:spTree>
     <p:extLst>
       <p:ext uri="{BB962C8B-B14F-4D97-AF65-F5344CB8AC3E}">
-        <p14:creationId xmlns:p14="http://schemas.microsoft.com/office/powerpoint/2010/main" val="4113036660"/>
+        <p14:creationId xmlns:p14="http://schemas.microsoft.com/office/powerpoint/2010/main" val="2333440157"/>
       </p:ext>
     </p:extLst>
   </p:cSld>
   <p:clrMapOvr>
-    <a:overrideClrMapping bg1="dk1" tx1="lt1" bg2="dk2" tx2="lt2" accent1="accent1" accent2="accent2" accent3="accent3" accent4="accent4" accent5="accent5" accent6="accent6" hlink="hlink" folHlink="folHlink"/>
+    <a:masterClrMapping/>
   </p:clrMapOvr>
 </p:sldLayout>
 </file>
 
-<file path=ppt/slideLayouts/slideLayout10.xml><?xml version="1.0" encoding="utf-8"?>
+<file path=ppt/slideLayouts/slideLayout11.xml><?xml version="1.0" encoding="utf-8"?>
+<p:sldLayout xmlns:a="http://schemas.openxmlformats.org/drawingml/2006/main" xmlns:r="http://schemas.openxmlformats.org/officeDocument/2006/relationships" xmlns:p="http://schemas.openxmlformats.org/presentationml/2006/main" preserve="1">
+  <p:cSld name="Title and Caption">
+    <p:spTree>
+      <p:nvGrpSpPr>
+        <p:cNvPr id="1" name=""/>
+        <p:cNvGrpSpPr/>
+        <p:nvPr/>
+      </p:nvGrpSpPr>
+      <p:grpSpPr>
+        <a:xfrm>
+          <a:off x="0" y="0"/>
+          <a:ext cx="0" cy="0"/>
+          <a:chOff x="0" y="0"/>
+          <a:chExt cx="0" cy="0"/>
+        </a:xfrm>
+      </p:grpSpPr>
+      <p:sp>
+        <p:nvSpPr>
+          <p:cNvPr id="2" name="Title 1"/>
+          <p:cNvSpPr>
+            <a:spLocks noGrp="1"/>
+          </p:cNvSpPr>
+          <p:nvPr>
+            <p:ph type="title"/>
+          </p:nvPr>
+        </p:nvSpPr>
+        <p:spPr>
+          <a:xfrm>
+            <a:off x="913795" y="609600"/>
+            <a:ext cx="10353762" cy="3424859"/>
+          </a:xfrm>
+        </p:spPr>
+        <p:txBody>
+          <a:bodyPr anchor="ctr"/>
+          <a:lstStyle>
+            <a:lvl1pPr>
+              <a:defRPr sz="3200"/>
+            </a:lvl1pPr>
+          </a:lstStyle>
+          <a:p>
+            <a:r>
+              <a:rPr lang="en-US"/>
+              <a:t>Click to edit Master title style</a:t>
+            </a:r>
+            <a:endParaRPr lang="en-US" dirty="0"/>
+          </a:p>
+        </p:txBody>
+      </p:sp>
+      <p:sp>
+        <p:nvSpPr>
+          <p:cNvPr id="4" name="Text Placeholder 3"/>
+          <p:cNvSpPr>
+            <a:spLocks noGrp="1"/>
+          </p:cNvSpPr>
+          <p:nvPr>
+            <p:ph type="body" sz="half" idx="2"/>
+          </p:nvPr>
+        </p:nvSpPr>
+        <p:spPr>
+          <a:xfrm>
+            <a:off x="913795" y="4204820"/>
+            <a:ext cx="10353761" cy="1592186"/>
+          </a:xfrm>
+        </p:spPr>
+        <p:txBody>
+          <a:bodyPr anchor="ctr"/>
+          <a:lstStyle>
+            <a:lvl1pPr marL="0" indent="0" algn="ctr">
+              <a:buNone/>
+              <a:defRPr sz="1600"/>
+            </a:lvl1pPr>
+            <a:lvl2pPr marL="457200" indent="0">
+              <a:buNone/>
+              <a:defRPr sz="1400"/>
+            </a:lvl2pPr>
+            <a:lvl3pPr marL="914400" indent="0">
+              <a:buNone/>
+              <a:defRPr sz="1200"/>
+            </a:lvl3pPr>
+            <a:lvl4pPr marL="1371600" indent="0">
+              <a:buNone/>
+              <a:defRPr sz="1000"/>
+            </a:lvl4pPr>
+            <a:lvl5pPr marL="1828800" indent="0">
+              <a:buNone/>
+              <a:defRPr sz="1000"/>
+            </a:lvl5pPr>
+            <a:lvl6pPr marL="2286000" indent="0">
+              <a:buNone/>
+              <a:defRPr sz="1000"/>
+            </a:lvl6pPr>
+            <a:lvl7pPr marL="2743200" indent="0">
+              <a:buNone/>
+              <a:defRPr sz="1000"/>
+            </a:lvl7pPr>
+            <a:lvl8pPr marL="3200400" indent="0">
+              <a:buNone/>
+              <a:defRPr sz="1000"/>
+            </a:lvl8pPr>
+            <a:lvl9pPr marL="3657600" indent="0">
+              <a:buNone/>
+              <a:defRPr sz="1000"/>
+            </a:lvl9pPr>
+          </a:lstStyle>
+          <a:p>
+            <a:pPr lvl="0"/>
+            <a:r>
+              <a:rPr lang="en-US"/>
+              <a:t>Click to edit Master text styles</a:t>
+            </a:r>
+          </a:p>
+        </p:txBody>
+      </p:sp>
+      <p:sp>
+        <p:nvSpPr>
+          <p:cNvPr id="5" name="Date Placeholder 4"/>
+          <p:cNvSpPr>
+            <a:spLocks noGrp="1"/>
+          </p:cNvSpPr>
+          <p:nvPr>
+            <p:ph type="dt" sz="half" idx="10"/>
+          </p:nvPr>
+        </p:nvSpPr>
+        <p:spPr/>
+        <p:txBody>
+          <a:bodyPr/>
+          <a:lstStyle/>
+          <a:p>
+            <a:fld id="{C65BE62A-A831-4D6A-9088-AC2AF82C5408}" type="datetimeFigureOut">
+              <a:rPr lang="en-IN" smtClean="0"/>
+              <a:t>25-05-2023</a:t>
+            </a:fld>
+            <a:endParaRPr lang="en-IN"/>
+          </a:p>
+        </p:txBody>
+      </p:sp>
+      <p:sp>
+        <p:nvSpPr>
+          <p:cNvPr id="6" name="Footer Placeholder 5"/>
+          <p:cNvSpPr>
+            <a:spLocks noGrp="1"/>
+          </p:cNvSpPr>
+          <p:nvPr>
+            <p:ph type="ftr" sz="quarter" idx="11"/>
+          </p:nvPr>
+        </p:nvSpPr>
+        <p:spPr/>
+        <p:txBody>
+          <a:bodyPr/>
+          <a:lstStyle/>
+          <a:p>
+            <a:endParaRPr lang="en-IN"/>
+          </a:p>
+        </p:txBody>
+      </p:sp>
+      <p:sp>
+        <p:nvSpPr>
+          <p:cNvPr id="7" name="Slide Number Placeholder 6"/>
+          <p:cNvSpPr>
+            <a:spLocks noGrp="1"/>
+          </p:cNvSpPr>
+          <p:nvPr>
+            <p:ph type="sldNum" sz="quarter" idx="12"/>
+          </p:nvPr>
+        </p:nvSpPr>
+        <p:spPr/>
+        <p:txBody>
+          <a:bodyPr/>
+          <a:lstStyle/>
+          <a:p>
+            <a:fld id="{462CCE7B-2A7F-444C-B226-ACCDD8AAA8C9}" type="slidenum">
+              <a:rPr lang="en-IN" smtClean="0"/>
+              <a:t>‹#›</a:t>
+            </a:fld>
+            <a:endParaRPr lang="en-IN"/>
+          </a:p>
+        </p:txBody>
+      </p:sp>
+    </p:spTree>
+    <p:extLst>
+      <p:ext uri="{BB962C8B-B14F-4D97-AF65-F5344CB8AC3E}">
+        <p14:creationId xmlns:p14="http://schemas.microsoft.com/office/powerpoint/2010/main" val="17156987"/>
+      </p:ext>
+    </p:extLst>
+  </p:cSld>
+  <p:clrMapOvr>
+    <a:masterClrMapping/>
+  </p:clrMapOvr>
+</p:sldLayout>
+</file>
+
+<file path=ppt/slideLayouts/slideLayout12.xml><?xml version="1.0" encoding="utf-8"?>
+<p:sldLayout xmlns:a="http://schemas.openxmlformats.org/drawingml/2006/main" xmlns:r="http://schemas.openxmlformats.org/officeDocument/2006/relationships" xmlns:p="http://schemas.openxmlformats.org/presentationml/2006/main" preserve="1">
+  <p:cSld name="Quote with Caption">
+    <p:spTree>
+      <p:nvGrpSpPr>
+        <p:cNvPr id="1" name=""/>
+        <p:cNvGrpSpPr/>
+        <p:nvPr/>
+      </p:nvGrpSpPr>
+      <p:grpSpPr>
+        <a:xfrm>
+          <a:off x="0" y="0"/>
+          <a:ext cx="0" cy="0"/>
+          <a:chOff x="0" y="0"/>
+          <a:chExt cx="0" cy="0"/>
+        </a:xfrm>
+      </p:grpSpPr>
+      <p:sp>
+        <p:nvSpPr>
+          <p:cNvPr id="2" name="Title 1"/>
+          <p:cNvSpPr>
+            <a:spLocks noGrp="1"/>
+          </p:cNvSpPr>
+          <p:nvPr>
+            <p:ph type="title"/>
+          </p:nvPr>
+        </p:nvSpPr>
+        <p:spPr>
+          <a:xfrm>
+            <a:off x="1446212" y="609600"/>
+            <a:ext cx="9302752" cy="2992904"/>
+          </a:xfrm>
+        </p:spPr>
+        <p:txBody>
+          <a:bodyPr anchor="ctr"/>
+          <a:lstStyle>
+            <a:lvl1pPr>
+              <a:defRPr sz="3200"/>
+            </a:lvl1pPr>
+          </a:lstStyle>
+          <a:p>
+            <a:r>
+              <a:rPr lang="en-US"/>
+              <a:t>Click to edit Master title style</a:t>
+            </a:r>
+            <a:endParaRPr lang="en-US" dirty="0"/>
+          </a:p>
+        </p:txBody>
+      </p:sp>
+      <p:sp>
+        <p:nvSpPr>
+          <p:cNvPr id="12" name="Text Placeholder 3"/>
+          <p:cNvSpPr>
+            <a:spLocks noGrp="1"/>
+          </p:cNvSpPr>
+          <p:nvPr>
+            <p:ph type="body" sz="half" idx="13"/>
+          </p:nvPr>
+        </p:nvSpPr>
+        <p:spPr>
+          <a:xfrm>
+            <a:off x="1720644" y="3610032"/>
+            <a:ext cx="8752299" cy="426812"/>
+          </a:xfrm>
+        </p:spPr>
+        <p:txBody>
+          <a:bodyPr anchor="t">
+            <a:normAutofit/>
+          </a:bodyPr>
+          <a:lstStyle>
+            <a:lvl1pPr marL="0" indent="0" algn="r">
+              <a:buNone/>
+              <a:defRPr sz="1400"/>
+            </a:lvl1pPr>
+            <a:lvl2pPr marL="457200" indent="0">
+              <a:buNone/>
+              <a:defRPr sz="1400"/>
+            </a:lvl2pPr>
+            <a:lvl3pPr marL="914400" indent="0">
+              <a:buNone/>
+              <a:defRPr sz="1200"/>
+            </a:lvl3pPr>
+            <a:lvl4pPr marL="1371600" indent="0">
+              <a:buNone/>
+              <a:defRPr sz="1000"/>
+            </a:lvl4pPr>
+            <a:lvl5pPr marL="1828800" indent="0">
+              <a:buNone/>
+              <a:defRPr sz="1000"/>
+            </a:lvl5pPr>
+            <a:lvl6pPr marL="2286000" indent="0">
+              <a:buNone/>
+              <a:defRPr sz="1000"/>
+            </a:lvl6pPr>
+            <a:lvl7pPr marL="2743200" indent="0">
+              <a:buNone/>
+              <a:defRPr sz="1000"/>
+            </a:lvl7pPr>
+            <a:lvl8pPr marL="3200400" indent="0">
+              <a:buNone/>
+              <a:defRPr sz="1000"/>
+            </a:lvl8pPr>
+            <a:lvl9pPr marL="3657600" indent="0">
+              <a:buNone/>
+              <a:defRPr sz="1000"/>
+            </a:lvl9pPr>
+          </a:lstStyle>
+          <a:p>
+            <a:pPr lvl="0"/>
+            <a:r>
+              <a:rPr lang="en-US"/>
+              <a:t>Click to edit Master text styles</a:t>
+            </a:r>
+          </a:p>
+        </p:txBody>
+      </p:sp>
+      <p:sp>
+        <p:nvSpPr>
+          <p:cNvPr id="4" name="Text Placeholder 3"/>
+          <p:cNvSpPr>
+            <a:spLocks noGrp="1"/>
+          </p:cNvSpPr>
+          <p:nvPr>
+            <p:ph type="body" sz="half" idx="2"/>
+          </p:nvPr>
+        </p:nvSpPr>
+        <p:spPr>
+          <a:xfrm>
+            <a:off x="913794" y="4204821"/>
+            <a:ext cx="10353762" cy="1586380"/>
+          </a:xfrm>
+        </p:spPr>
+        <p:txBody>
+          <a:bodyPr anchor="ctr">
+            <a:normAutofit/>
+          </a:bodyPr>
+          <a:lstStyle>
+            <a:lvl1pPr marL="0" indent="0" algn="ctr">
+              <a:buNone/>
+              <a:defRPr sz="1600"/>
+            </a:lvl1pPr>
+            <a:lvl2pPr marL="457200" indent="0">
+              <a:buNone/>
+              <a:defRPr sz="1400"/>
+            </a:lvl2pPr>
+            <a:lvl3pPr marL="914400" indent="0">
+              <a:buNone/>
+              <a:defRPr sz="1200"/>
+            </a:lvl3pPr>
+            <a:lvl4pPr marL="1371600" indent="0">
+              <a:buNone/>
+              <a:defRPr sz="1000"/>
+            </a:lvl4pPr>
+            <a:lvl5pPr marL="1828800" indent="0">
+              <a:buNone/>
+              <a:defRPr sz="1000"/>
+            </a:lvl5pPr>
+            <a:lvl6pPr marL="2286000" indent="0">
+              <a:buNone/>
+              <a:defRPr sz="1000"/>
+            </a:lvl6pPr>
+            <a:lvl7pPr marL="2743200" indent="0">
+              <a:buNone/>
+              <a:defRPr sz="1000"/>
+            </a:lvl7pPr>
+            <a:lvl8pPr marL="3200400" indent="0">
+              <a:buNone/>
+              <a:defRPr sz="1000"/>
+            </a:lvl8pPr>
+            <a:lvl9pPr marL="3657600" indent="0">
+              <a:buNone/>
+              <a:defRPr sz="1000"/>
+            </a:lvl9pPr>
+          </a:lstStyle>
+          <a:p>
+            <a:pPr lvl="0"/>
+            <a:r>
+              <a:rPr lang="en-US"/>
+              <a:t>Click to edit Master text styles</a:t>
+            </a:r>
+          </a:p>
+        </p:txBody>
+      </p:sp>
+      <p:sp>
+        <p:nvSpPr>
+          <p:cNvPr id="5" name="Date Placeholder 4"/>
+          <p:cNvSpPr>
+            <a:spLocks noGrp="1"/>
+          </p:cNvSpPr>
+          <p:nvPr>
+            <p:ph type="dt" sz="half" idx="10"/>
+          </p:nvPr>
+        </p:nvSpPr>
+        <p:spPr/>
+        <p:txBody>
+          <a:bodyPr/>
+          <a:lstStyle/>
+          <a:p>
+            <a:fld id="{C65BE62A-A831-4D6A-9088-AC2AF82C5408}" type="datetimeFigureOut">
+              <a:rPr lang="en-IN" smtClean="0"/>
+              <a:t>25-05-2023</a:t>
+            </a:fld>
+            <a:endParaRPr lang="en-IN"/>
+          </a:p>
+        </p:txBody>
+      </p:sp>
+      <p:sp>
+        <p:nvSpPr>
+          <p:cNvPr id="6" name="Footer Placeholder 5"/>
+          <p:cNvSpPr>
+            <a:spLocks noGrp="1"/>
+          </p:cNvSpPr>
+          <p:nvPr>
+            <p:ph type="ftr" sz="quarter" idx="11"/>
+          </p:nvPr>
+        </p:nvSpPr>
+        <p:spPr/>
+        <p:txBody>
+          <a:bodyPr/>
+          <a:lstStyle/>
+          <a:p>
+            <a:endParaRPr lang="en-IN"/>
+          </a:p>
+        </p:txBody>
+      </p:sp>
+      <p:sp>
+        <p:nvSpPr>
+          <p:cNvPr id="7" name="Slide Number Placeholder 6"/>
+          <p:cNvSpPr>
+            <a:spLocks noGrp="1"/>
+          </p:cNvSpPr>
+          <p:nvPr>
+            <p:ph type="sldNum" sz="quarter" idx="12"/>
+          </p:nvPr>
+        </p:nvSpPr>
+        <p:spPr/>
+        <p:txBody>
+          <a:bodyPr/>
+          <a:lstStyle/>
+          <a:p>
+            <a:fld id="{462CCE7B-2A7F-444C-B226-ACCDD8AAA8C9}" type="slidenum">
+              <a:rPr lang="en-IN" smtClean="0"/>
+              <a:t>‹#›</a:t>
+            </a:fld>
+            <a:endParaRPr lang="en-IN"/>
+          </a:p>
+        </p:txBody>
+      </p:sp>
+      <p:sp>
+        <p:nvSpPr>
+          <p:cNvPr id="11" name="TextBox 10"/>
+          <p:cNvSpPr txBox="1"/>
+          <p:nvPr/>
+        </p:nvSpPr>
+        <p:spPr>
+          <a:xfrm>
+            <a:off x="836612" y="735241"/>
+            <a:ext cx="609600" cy="584776"/>
+          </a:xfrm>
+          <a:prstGeom prst="rect">
+            <a:avLst/>
+          </a:prstGeom>
+        </p:spPr>
+        <p:txBody>
+          <a:bodyPr vert="horz" lIns="91440" tIns="45720" rIns="91440" bIns="45720" rtlCol="0" anchor="ctr">
+            <a:noAutofit/>
+          </a:bodyPr>
+          <a:lstStyle>
+            <a:lvl1pPr>
+              <a:spcBef>
+                <a:spcPct val="0"/>
+              </a:spcBef>
+              <a:buNone/>
+              <a:defRPr sz="3200" b="0" cap="all">
+                <a:ln w="3175" cmpd="sng">
+                  <a:noFill/>
+                </a:ln>
+                <a:effectLst>
+                  <a:glow rad="38100">
+                    <a:schemeClr val="bg1">
+                      <a:lumMod val="65000"/>
+                      <a:lumOff val="35000"/>
+                      <a:alpha val="40000"/>
+                    </a:schemeClr>
+                  </a:glow>
+                  <a:outerShdw blurRad="28575" dist="38100" dir="14040000" algn="tl" rotWithShape="0">
+                    <a:srgbClr val="000000">
+                      <a:alpha val="25000"/>
+                    </a:srgbClr>
+                  </a:outerShdw>
+                </a:effectLst>
+              </a:defRPr>
+            </a:lvl1pPr>
+            <a:lvl2pPr>
+              <a:defRPr>
+                <a:solidFill>
+                  <a:schemeClr val="tx2"/>
+                </a:solidFill>
+              </a:defRPr>
+            </a:lvl2pPr>
+            <a:lvl3pPr>
+              <a:defRPr>
+                <a:solidFill>
+                  <a:schemeClr val="tx2"/>
+                </a:solidFill>
+              </a:defRPr>
+            </a:lvl3pPr>
+            <a:lvl4pPr>
+              <a:defRPr>
+                <a:solidFill>
+                  <a:schemeClr val="tx2"/>
+                </a:solidFill>
+              </a:defRPr>
+            </a:lvl4pPr>
+            <a:lvl5pPr>
+              <a:defRPr>
+                <a:solidFill>
+                  <a:schemeClr val="tx2"/>
+                </a:solidFill>
+              </a:defRPr>
+            </a:lvl5pPr>
+            <a:lvl6pPr>
+              <a:defRPr>
+                <a:solidFill>
+                  <a:schemeClr val="tx2"/>
+                </a:solidFill>
+              </a:defRPr>
+            </a:lvl6pPr>
+            <a:lvl7pPr>
+              <a:defRPr>
+                <a:solidFill>
+                  <a:schemeClr val="tx2"/>
+                </a:solidFill>
+              </a:defRPr>
+            </a:lvl7pPr>
+            <a:lvl8pPr>
+              <a:defRPr>
+                <a:solidFill>
+                  <a:schemeClr val="tx2"/>
+                </a:solidFill>
+              </a:defRPr>
+            </a:lvl8pPr>
+            <a:lvl9pPr>
+              <a:defRPr>
+                <a:solidFill>
+                  <a:schemeClr val="tx2"/>
+                </a:solidFill>
+              </a:defRPr>
+            </a:lvl9pPr>
+          </a:lstStyle>
+          <a:p>
+            <a:pPr lvl="0"/>
+            <a:r>
+              <a:rPr lang="en-US" sz="8000" dirty="0">
+                <a:solidFill>
+                  <a:schemeClr val="tx1"/>
+                </a:solidFill>
+                <a:effectLst/>
+              </a:rPr>
+              <a:t>“</a:t>
+            </a:r>
+          </a:p>
+        </p:txBody>
+      </p:sp>
+      <p:sp>
+        <p:nvSpPr>
+          <p:cNvPr id="13" name="TextBox 12"/>
+          <p:cNvSpPr txBox="1"/>
+          <p:nvPr/>
+        </p:nvSpPr>
+        <p:spPr>
+          <a:xfrm>
+            <a:off x="10657956" y="2972093"/>
+            <a:ext cx="609600" cy="584776"/>
+          </a:xfrm>
+          <a:prstGeom prst="rect">
+            <a:avLst/>
+          </a:prstGeom>
+        </p:spPr>
+        <p:txBody>
+          <a:bodyPr vert="horz" lIns="91440" tIns="45720" rIns="91440" bIns="45720" rtlCol="0" anchor="ctr">
+            <a:noAutofit/>
+          </a:bodyPr>
+          <a:lstStyle>
+            <a:lvl1pPr>
+              <a:spcBef>
+                <a:spcPct val="0"/>
+              </a:spcBef>
+              <a:buNone/>
+              <a:defRPr sz="3200" b="0" cap="all">
+                <a:ln w="3175" cmpd="sng">
+                  <a:noFill/>
+                </a:ln>
+                <a:effectLst>
+                  <a:glow rad="38100">
+                    <a:schemeClr val="bg1">
+                      <a:lumMod val="65000"/>
+                      <a:lumOff val="35000"/>
+                      <a:alpha val="40000"/>
+                    </a:schemeClr>
+                  </a:glow>
+                  <a:outerShdw blurRad="28575" dist="38100" dir="14040000" algn="tl" rotWithShape="0">
+                    <a:srgbClr val="000000">
+                      <a:alpha val="25000"/>
+                    </a:srgbClr>
+                  </a:outerShdw>
+                </a:effectLst>
+              </a:defRPr>
+            </a:lvl1pPr>
+            <a:lvl2pPr>
+              <a:defRPr>
+                <a:solidFill>
+                  <a:schemeClr val="tx2"/>
+                </a:solidFill>
+              </a:defRPr>
+            </a:lvl2pPr>
+            <a:lvl3pPr>
+              <a:defRPr>
+                <a:solidFill>
+                  <a:schemeClr val="tx2"/>
+                </a:solidFill>
+              </a:defRPr>
+            </a:lvl3pPr>
+            <a:lvl4pPr>
+              <a:defRPr>
+                <a:solidFill>
+                  <a:schemeClr val="tx2"/>
+                </a:solidFill>
+              </a:defRPr>
+            </a:lvl4pPr>
+            <a:lvl5pPr>
+              <a:defRPr>
+                <a:solidFill>
+                  <a:schemeClr val="tx2"/>
+                </a:solidFill>
+              </a:defRPr>
+            </a:lvl5pPr>
+            <a:lvl6pPr>
+              <a:defRPr>
+                <a:solidFill>
+                  <a:schemeClr val="tx2"/>
+                </a:solidFill>
+              </a:defRPr>
+            </a:lvl6pPr>
+            <a:lvl7pPr>
+              <a:defRPr>
+                <a:solidFill>
+                  <a:schemeClr val="tx2"/>
+                </a:solidFill>
+              </a:defRPr>
+            </a:lvl7pPr>
+            <a:lvl8pPr>
+              <a:defRPr>
+                <a:solidFill>
+                  <a:schemeClr val="tx2"/>
+                </a:solidFill>
+              </a:defRPr>
+            </a:lvl8pPr>
+            <a:lvl9pPr>
+              <a:defRPr>
+                <a:solidFill>
+                  <a:schemeClr val="tx2"/>
+                </a:solidFill>
+              </a:defRPr>
+            </a:lvl9pPr>
+          </a:lstStyle>
+          <a:p>
+            <a:pPr lvl="0" algn="r"/>
+            <a:r>
+              <a:rPr lang="en-US" sz="8000" dirty="0">
+                <a:solidFill>
+                  <a:schemeClr val="tx1"/>
+                </a:solidFill>
+                <a:effectLst/>
+              </a:rPr>
+              <a:t>”</a:t>
+            </a:r>
+          </a:p>
+        </p:txBody>
+      </p:sp>
+    </p:spTree>
+    <p:extLst>
+      <p:ext uri="{BB962C8B-B14F-4D97-AF65-F5344CB8AC3E}">
+        <p14:creationId xmlns:p14="http://schemas.microsoft.com/office/powerpoint/2010/main" val="1081791692"/>
+      </p:ext>
+    </p:extLst>
+  </p:cSld>
+  <p:clrMapOvr>
+    <a:masterClrMapping/>
+  </p:clrMapOvr>
+</p:sldLayout>
+</file>
+
+<file path=ppt/slideLayouts/slideLayout13.xml><?xml version="1.0" encoding="utf-8"?>
+<p:sldLayout xmlns:a="http://schemas.openxmlformats.org/drawingml/2006/main" xmlns:r="http://schemas.openxmlformats.org/officeDocument/2006/relationships" xmlns:p="http://schemas.openxmlformats.org/presentationml/2006/main" preserve="1">
+  <p:cSld name="Name Card">
+    <p:spTree>
+      <p:nvGrpSpPr>
+        <p:cNvPr id="1" name=""/>
+        <p:cNvGrpSpPr/>
+        <p:nvPr/>
+      </p:nvGrpSpPr>
+      <p:grpSpPr>
+        <a:xfrm>
+          <a:off x="0" y="0"/>
+          <a:ext cx="0" cy="0"/>
+          <a:chOff x="0" y="0"/>
+          <a:chExt cx="0" cy="0"/>
+        </a:xfrm>
+      </p:grpSpPr>
+      <p:sp>
+        <p:nvSpPr>
+          <p:cNvPr id="2" name="Title 1"/>
+          <p:cNvSpPr>
+            <a:spLocks noGrp="1"/>
+          </p:cNvSpPr>
+          <p:nvPr>
+            <p:ph type="title"/>
+          </p:nvPr>
+        </p:nvSpPr>
+        <p:spPr>
+          <a:xfrm>
+            <a:off x="913806" y="2126942"/>
+            <a:ext cx="10355327" cy="2511835"/>
+          </a:xfrm>
+        </p:spPr>
+        <p:txBody>
+          <a:bodyPr anchor="b"/>
+          <a:lstStyle>
+            <a:lvl1pPr>
+              <a:defRPr sz="3200"/>
+            </a:lvl1pPr>
+          </a:lstStyle>
+          <a:p>
+            <a:r>
+              <a:rPr lang="en-US"/>
+              <a:t>Click to edit Master title style</a:t>
+            </a:r>
+            <a:endParaRPr lang="en-US" dirty="0"/>
+          </a:p>
+        </p:txBody>
+      </p:sp>
+      <p:sp>
+        <p:nvSpPr>
+          <p:cNvPr id="4" name="Text Placeholder 3"/>
+          <p:cNvSpPr>
+            <a:spLocks noGrp="1"/>
+          </p:cNvSpPr>
+          <p:nvPr>
+            <p:ph type="body" sz="half" idx="2"/>
+          </p:nvPr>
+        </p:nvSpPr>
+        <p:spPr>
+          <a:xfrm>
+            <a:off x="913794" y="4650556"/>
+            <a:ext cx="10353763" cy="1140644"/>
+          </a:xfrm>
+        </p:spPr>
+        <p:txBody>
+          <a:bodyPr anchor="t"/>
+          <a:lstStyle>
+            <a:lvl1pPr marL="0" indent="0" algn="ctr">
+              <a:buNone/>
+              <a:defRPr sz="1600"/>
+            </a:lvl1pPr>
+            <a:lvl2pPr marL="457200" indent="0">
+              <a:buNone/>
+              <a:defRPr sz="1400"/>
+            </a:lvl2pPr>
+            <a:lvl3pPr marL="914400" indent="0">
+              <a:buNone/>
+              <a:defRPr sz="1200"/>
+            </a:lvl3pPr>
+            <a:lvl4pPr marL="1371600" indent="0">
+              <a:buNone/>
+              <a:defRPr sz="1000"/>
+            </a:lvl4pPr>
+            <a:lvl5pPr marL="1828800" indent="0">
+              <a:buNone/>
+              <a:defRPr sz="1000"/>
+            </a:lvl5pPr>
+            <a:lvl6pPr marL="2286000" indent="0">
+              <a:buNone/>
+              <a:defRPr sz="1000"/>
+            </a:lvl6pPr>
+            <a:lvl7pPr marL="2743200" indent="0">
+              <a:buNone/>
+              <a:defRPr sz="1000"/>
+            </a:lvl7pPr>
+            <a:lvl8pPr marL="3200400" indent="0">
+              <a:buNone/>
+              <a:defRPr sz="1000"/>
+            </a:lvl8pPr>
+            <a:lvl9pPr marL="3657600" indent="0">
+              <a:buNone/>
+              <a:defRPr sz="1000"/>
+            </a:lvl9pPr>
+          </a:lstStyle>
+          <a:p>
+            <a:pPr lvl="0"/>
+            <a:r>
+              <a:rPr lang="en-US"/>
+              <a:t>Click to edit Master text styles</a:t>
+            </a:r>
+          </a:p>
+        </p:txBody>
+      </p:sp>
+      <p:sp>
+        <p:nvSpPr>
+          <p:cNvPr id="5" name="Date Placeholder 4"/>
+          <p:cNvSpPr>
+            <a:spLocks noGrp="1"/>
+          </p:cNvSpPr>
+          <p:nvPr>
+            <p:ph type="dt" sz="half" idx="10"/>
+          </p:nvPr>
+        </p:nvSpPr>
+        <p:spPr/>
+        <p:txBody>
+          <a:bodyPr/>
+          <a:lstStyle/>
+          <a:p>
+            <a:fld id="{C65BE62A-A831-4D6A-9088-AC2AF82C5408}" type="datetimeFigureOut">
+              <a:rPr lang="en-IN" smtClean="0"/>
+              <a:t>25-05-2023</a:t>
+            </a:fld>
+            <a:endParaRPr lang="en-IN"/>
+          </a:p>
+        </p:txBody>
+      </p:sp>
+      <p:sp>
+        <p:nvSpPr>
+          <p:cNvPr id="6" name="Footer Placeholder 5"/>
+          <p:cNvSpPr>
+            <a:spLocks noGrp="1"/>
+          </p:cNvSpPr>
+          <p:nvPr>
+            <p:ph type="ftr" sz="quarter" idx="11"/>
+          </p:nvPr>
+        </p:nvSpPr>
+        <p:spPr/>
+        <p:txBody>
+          <a:bodyPr/>
+          <a:lstStyle/>
+          <a:p>
+            <a:endParaRPr lang="en-IN"/>
+          </a:p>
+        </p:txBody>
+      </p:sp>
+      <p:sp>
+        <p:nvSpPr>
+          <p:cNvPr id="7" name="Slide Number Placeholder 6"/>
+          <p:cNvSpPr>
+            <a:spLocks noGrp="1"/>
+          </p:cNvSpPr>
+          <p:nvPr>
+            <p:ph type="sldNum" sz="quarter" idx="12"/>
+          </p:nvPr>
+        </p:nvSpPr>
+        <p:spPr/>
+        <p:txBody>
+          <a:bodyPr/>
+          <a:lstStyle/>
+          <a:p>
+            <a:fld id="{462CCE7B-2A7F-444C-B226-ACCDD8AAA8C9}" type="slidenum">
+              <a:rPr lang="en-IN" smtClean="0"/>
+              <a:t>‹#›</a:t>
+            </a:fld>
+            <a:endParaRPr lang="en-IN"/>
+          </a:p>
+        </p:txBody>
+      </p:sp>
+    </p:spTree>
+    <p:extLst>
+      <p:ext uri="{BB962C8B-B14F-4D97-AF65-F5344CB8AC3E}">
+        <p14:creationId xmlns:p14="http://schemas.microsoft.com/office/powerpoint/2010/main" val="4258687307"/>
+      </p:ext>
+    </p:extLst>
+  </p:cSld>
+  <p:clrMapOvr>
+    <a:masterClrMapping/>
+  </p:clrMapOvr>
+</p:sldLayout>
+</file>
+
+<file path=ppt/slideLayouts/slideLayout14.xml><?xml version="1.0" encoding="utf-8"?>
+<p:sldLayout xmlns:a="http://schemas.openxmlformats.org/drawingml/2006/main" xmlns:r="http://schemas.openxmlformats.org/officeDocument/2006/relationships" xmlns:p="http://schemas.openxmlformats.org/presentationml/2006/main" preserve="1">
+  <p:cSld name="3 Column">
+    <p:spTree>
+      <p:nvGrpSpPr>
+        <p:cNvPr id="1" name=""/>
+        <p:cNvGrpSpPr/>
+        <p:nvPr/>
+      </p:nvGrpSpPr>
+      <p:grpSpPr>
+        <a:xfrm>
+          <a:off x="0" y="0"/>
+          <a:ext cx="0" cy="0"/>
+          <a:chOff x="0" y="0"/>
+          <a:chExt cx="0" cy="0"/>
+        </a:xfrm>
+      </p:grpSpPr>
+      <p:sp>
+        <p:nvSpPr>
+          <p:cNvPr id="15" name="Title 1"/>
+          <p:cNvSpPr>
+            <a:spLocks noGrp="1"/>
+          </p:cNvSpPr>
+          <p:nvPr>
+            <p:ph type="title"/>
+          </p:nvPr>
+        </p:nvSpPr>
+        <p:spPr>
+          <a:xfrm>
+            <a:off x="913794" y="609600"/>
+            <a:ext cx="10353762" cy="1325563"/>
+          </a:xfrm>
+        </p:spPr>
+        <p:txBody>
+          <a:bodyPr/>
+          <a:lstStyle/>
+          <a:p>
+            <a:r>
+              <a:rPr lang="en-US"/>
+              <a:t>Click to edit Master title style</a:t>
+            </a:r>
+            <a:endParaRPr lang="en-US" dirty="0"/>
+          </a:p>
+        </p:txBody>
+      </p:sp>
+      <p:sp>
+        <p:nvSpPr>
+          <p:cNvPr id="7" name="Text Placeholder 2"/>
+          <p:cNvSpPr>
+            <a:spLocks noGrp="1"/>
+          </p:cNvSpPr>
+          <p:nvPr>
+            <p:ph type="body" idx="1"/>
+          </p:nvPr>
+        </p:nvSpPr>
+        <p:spPr>
+          <a:xfrm>
+            <a:off x="913794" y="2088319"/>
+            <a:ext cx="3298956" cy="823305"/>
+          </a:xfrm>
+        </p:spPr>
+        <p:txBody>
+          <a:bodyPr anchor="b">
+            <a:noAutofit/>
+          </a:bodyPr>
+          <a:lstStyle>
+            <a:lvl1pPr marL="0" indent="0" algn="ctr">
+              <a:lnSpc>
+                <a:spcPct val="100000"/>
+              </a:lnSpc>
+              <a:buNone/>
+              <a:defRPr sz="2400" b="0">
+                <a:solidFill>
+                  <a:schemeClr val="tx1"/>
+                </a:solidFill>
+              </a:defRPr>
+            </a:lvl1pPr>
+            <a:lvl2pPr marL="457200" indent="0">
+              <a:buNone/>
+              <a:defRPr sz="2000" b="1"/>
+            </a:lvl2pPr>
+            <a:lvl3pPr marL="914400" indent="0">
+              <a:buNone/>
+              <a:defRPr sz="1800" b="1"/>
+            </a:lvl3pPr>
+            <a:lvl4pPr marL="1371600" indent="0">
+              <a:buNone/>
+              <a:defRPr sz="1600" b="1"/>
+            </a:lvl4pPr>
+            <a:lvl5pPr marL="1828800" indent="0">
+              <a:buNone/>
+              <a:defRPr sz="1600" b="1"/>
+            </a:lvl5pPr>
+            <a:lvl6pPr marL="2286000" indent="0">
+              <a:buNone/>
+              <a:defRPr sz="1600" b="1"/>
+            </a:lvl6pPr>
+            <a:lvl7pPr marL="2743200" indent="0">
+              <a:buNone/>
+              <a:defRPr sz="1600" b="1"/>
+            </a:lvl7pPr>
+            <a:lvl8pPr marL="3200400" indent="0">
+              <a:buNone/>
+              <a:defRPr sz="1600" b="1"/>
+            </a:lvl8pPr>
+            <a:lvl9pPr marL="3657600" indent="0">
+              <a:buNone/>
+              <a:defRPr sz="1600" b="1"/>
+            </a:lvl9pPr>
+          </a:lstStyle>
+          <a:p>
+            <a:pPr lvl="0"/>
+            <a:r>
+              <a:rPr lang="en-US"/>
+              <a:t>Click to edit Master text styles</a:t>
+            </a:r>
+          </a:p>
+        </p:txBody>
+      </p:sp>
+      <p:sp>
+        <p:nvSpPr>
+          <p:cNvPr id="8" name="Text Placeholder 3"/>
+          <p:cNvSpPr>
+            <a:spLocks noGrp="1"/>
+          </p:cNvSpPr>
+          <p:nvPr>
+            <p:ph type="body" sz="half" idx="15"/>
+          </p:nvPr>
+        </p:nvSpPr>
+        <p:spPr>
+          <a:xfrm>
+            <a:off x="913794" y="2911624"/>
+            <a:ext cx="3298956" cy="2879576"/>
+          </a:xfrm>
+        </p:spPr>
+        <p:txBody>
+          <a:bodyPr anchor="t">
+            <a:normAutofit/>
+          </a:bodyPr>
+          <a:lstStyle>
+            <a:lvl1pPr marL="0" indent="0" algn="ctr">
+              <a:buNone/>
+              <a:defRPr sz="1400"/>
+            </a:lvl1pPr>
+            <a:lvl2pPr marL="457200" indent="0">
+              <a:buNone/>
+              <a:defRPr sz="1200"/>
+            </a:lvl2pPr>
+            <a:lvl3pPr marL="914400" indent="0">
+              <a:buNone/>
+              <a:defRPr sz="1000"/>
+            </a:lvl3pPr>
+            <a:lvl4pPr marL="1371600" indent="0">
+              <a:buNone/>
+              <a:defRPr sz="900"/>
+            </a:lvl4pPr>
+            <a:lvl5pPr marL="1828800" indent="0">
+              <a:buNone/>
+              <a:defRPr sz="900"/>
+            </a:lvl5pPr>
+            <a:lvl6pPr marL="2286000" indent="0">
+              <a:buNone/>
+              <a:defRPr sz="900"/>
+            </a:lvl6pPr>
+            <a:lvl7pPr marL="2743200" indent="0">
+              <a:buNone/>
+              <a:defRPr sz="900"/>
+            </a:lvl7pPr>
+            <a:lvl8pPr marL="3200400" indent="0">
+              <a:buNone/>
+              <a:defRPr sz="900"/>
+            </a:lvl8pPr>
+            <a:lvl9pPr marL="3657600" indent="0">
+              <a:buNone/>
+              <a:defRPr sz="900"/>
+            </a:lvl9pPr>
+          </a:lstStyle>
+          <a:p>
+            <a:pPr lvl="0"/>
+            <a:r>
+              <a:rPr lang="en-US"/>
+              <a:t>Click to edit Master text styles</a:t>
+            </a:r>
+          </a:p>
+        </p:txBody>
+      </p:sp>
+      <p:sp>
+        <p:nvSpPr>
+          <p:cNvPr id="9" name="Text Placeholder 4"/>
+          <p:cNvSpPr>
+            <a:spLocks noGrp="1"/>
+          </p:cNvSpPr>
+          <p:nvPr>
+            <p:ph type="body" sz="quarter" idx="3"/>
+          </p:nvPr>
+        </p:nvSpPr>
+        <p:spPr>
+          <a:xfrm>
+            <a:off x="4444878" y="2088320"/>
+            <a:ext cx="3298558" cy="823304"/>
+          </a:xfrm>
+        </p:spPr>
+        <p:txBody>
+          <a:bodyPr anchor="b">
+            <a:noAutofit/>
+          </a:bodyPr>
+          <a:lstStyle>
+            <a:lvl1pPr marL="0" indent="0" algn="ctr">
+              <a:lnSpc>
+                <a:spcPct val="100000"/>
+              </a:lnSpc>
+              <a:buNone/>
+              <a:defRPr sz="2400" b="0">
+                <a:solidFill>
+                  <a:schemeClr val="tx1"/>
+                </a:solidFill>
+              </a:defRPr>
+            </a:lvl1pPr>
+            <a:lvl2pPr marL="457200" indent="0">
+              <a:buNone/>
+              <a:defRPr sz="2000" b="1"/>
+            </a:lvl2pPr>
+            <a:lvl3pPr marL="914400" indent="0">
+              <a:buNone/>
+              <a:defRPr sz="1800" b="1"/>
+            </a:lvl3pPr>
+            <a:lvl4pPr marL="1371600" indent="0">
+              <a:buNone/>
+              <a:defRPr sz="1600" b="1"/>
+            </a:lvl4pPr>
+            <a:lvl5pPr marL="1828800" indent="0">
+              <a:buNone/>
+              <a:defRPr sz="1600" b="1"/>
+            </a:lvl5pPr>
+            <a:lvl6pPr marL="2286000" indent="0">
+              <a:buNone/>
+              <a:defRPr sz="1600" b="1"/>
+            </a:lvl6pPr>
+            <a:lvl7pPr marL="2743200" indent="0">
+              <a:buNone/>
+              <a:defRPr sz="1600" b="1"/>
+            </a:lvl7pPr>
+            <a:lvl8pPr marL="3200400" indent="0">
+              <a:buNone/>
+              <a:defRPr sz="1600" b="1"/>
+            </a:lvl8pPr>
+            <a:lvl9pPr marL="3657600" indent="0">
+              <a:buNone/>
+              <a:defRPr sz="1600" b="1"/>
+            </a:lvl9pPr>
+          </a:lstStyle>
+          <a:p>
+            <a:pPr lvl="0"/>
+            <a:r>
+              <a:rPr lang="en-US"/>
+              <a:t>Click to edit Master text styles</a:t>
+            </a:r>
+          </a:p>
+        </p:txBody>
+      </p:sp>
+      <p:sp>
+        <p:nvSpPr>
+          <p:cNvPr id="10" name="Text Placeholder 3"/>
+          <p:cNvSpPr>
+            <a:spLocks noGrp="1"/>
+          </p:cNvSpPr>
+          <p:nvPr>
+            <p:ph type="body" sz="half" idx="16"/>
+          </p:nvPr>
+        </p:nvSpPr>
+        <p:spPr>
+          <a:xfrm>
+            <a:off x="4444878" y="2911624"/>
+            <a:ext cx="3299821" cy="2879576"/>
+          </a:xfrm>
+        </p:spPr>
+        <p:txBody>
+          <a:bodyPr anchor="t">
+            <a:normAutofit/>
+          </a:bodyPr>
+          <a:lstStyle>
+            <a:lvl1pPr marL="0" indent="0" algn="ctr">
+              <a:buNone/>
+              <a:defRPr sz="1400"/>
+            </a:lvl1pPr>
+            <a:lvl2pPr marL="457200" indent="0">
+              <a:buNone/>
+              <a:defRPr sz="1200"/>
+            </a:lvl2pPr>
+            <a:lvl3pPr marL="914400" indent="0">
+              <a:buNone/>
+              <a:defRPr sz="1000"/>
+            </a:lvl3pPr>
+            <a:lvl4pPr marL="1371600" indent="0">
+              <a:buNone/>
+              <a:defRPr sz="900"/>
+            </a:lvl4pPr>
+            <a:lvl5pPr marL="1828800" indent="0">
+              <a:buNone/>
+              <a:defRPr sz="900"/>
+            </a:lvl5pPr>
+            <a:lvl6pPr marL="2286000" indent="0">
+              <a:buNone/>
+              <a:defRPr sz="900"/>
+            </a:lvl6pPr>
+            <a:lvl7pPr marL="2743200" indent="0">
+              <a:buNone/>
+              <a:defRPr sz="900"/>
+            </a:lvl7pPr>
+            <a:lvl8pPr marL="3200400" indent="0">
+              <a:buNone/>
+              <a:defRPr sz="900"/>
+            </a:lvl8pPr>
+            <a:lvl9pPr marL="3657600" indent="0">
+              <a:buNone/>
+              <a:defRPr sz="900"/>
+            </a:lvl9pPr>
+          </a:lstStyle>
+          <a:p>
+            <a:pPr lvl="0"/>
+            <a:r>
+              <a:rPr lang="en-US"/>
+              <a:t>Click to edit Master text styles</a:t>
+            </a:r>
+          </a:p>
+        </p:txBody>
+      </p:sp>
+      <p:sp>
+        <p:nvSpPr>
+          <p:cNvPr id="11" name="Text Placeholder 4"/>
+          <p:cNvSpPr>
+            <a:spLocks noGrp="1"/>
+          </p:cNvSpPr>
+          <p:nvPr>
+            <p:ph type="body" sz="quarter" idx="13"/>
+          </p:nvPr>
+        </p:nvSpPr>
+        <p:spPr>
+          <a:xfrm>
+            <a:off x="7973298" y="2088320"/>
+            <a:ext cx="3291211" cy="823304"/>
+          </a:xfrm>
+        </p:spPr>
+        <p:txBody>
+          <a:bodyPr anchor="b">
+            <a:noAutofit/>
+          </a:bodyPr>
+          <a:lstStyle>
+            <a:lvl1pPr marL="0" indent="0" algn="ctr">
+              <a:lnSpc>
+                <a:spcPct val="100000"/>
+              </a:lnSpc>
+              <a:buNone/>
+              <a:defRPr sz="2400" b="0">
+                <a:solidFill>
+                  <a:schemeClr val="tx1"/>
+                </a:solidFill>
+              </a:defRPr>
+            </a:lvl1pPr>
+            <a:lvl2pPr marL="457200" indent="0">
+              <a:buNone/>
+              <a:defRPr sz="2000" b="1"/>
+            </a:lvl2pPr>
+            <a:lvl3pPr marL="914400" indent="0">
+              <a:buNone/>
+              <a:defRPr sz="1800" b="1"/>
+            </a:lvl3pPr>
+            <a:lvl4pPr marL="1371600" indent="0">
+              <a:buNone/>
+              <a:defRPr sz="1600" b="1"/>
+            </a:lvl4pPr>
+            <a:lvl5pPr marL="1828800" indent="0">
+              <a:buNone/>
+              <a:defRPr sz="1600" b="1"/>
+            </a:lvl5pPr>
+            <a:lvl6pPr marL="2286000" indent="0">
+              <a:buNone/>
+              <a:defRPr sz="1600" b="1"/>
+            </a:lvl6pPr>
+            <a:lvl7pPr marL="2743200" indent="0">
+              <a:buNone/>
+              <a:defRPr sz="1600" b="1"/>
+            </a:lvl7pPr>
+            <a:lvl8pPr marL="3200400" indent="0">
+              <a:buNone/>
+              <a:defRPr sz="1600" b="1"/>
+            </a:lvl8pPr>
+            <a:lvl9pPr marL="3657600" indent="0">
+              <a:buNone/>
+              <a:defRPr sz="1600" b="1"/>
+            </a:lvl9pPr>
+          </a:lstStyle>
+          <a:p>
+            <a:pPr lvl="0"/>
+            <a:r>
+              <a:rPr lang="en-US"/>
+              <a:t>Click to edit Master text styles</a:t>
+            </a:r>
+          </a:p>
+        </p:txBody>
+      </p:sp>
+      <p:sp>
+        <p:nvSpPr>
+          <p:cNvPr id="12" name="Text Placeholder 3"/>
+          <p:cNvSpPr>
+            <a:spLocks noGrp="1"/>
+          </p:cNvSpPr>
+          <p:nvPr>
+            <p:ph type="body" sz="half" idx="17"/>
+          </p:nvPr>
+        </p:nvSpPr>
+        <p:spPr>
+          <a:xfrm>
+            <a:off x="7976346" y="2911624"/>
+            <a:ext cx="3291211" cy="2879576"/>
+          </a:xfrm>
+        </p:spPr>
+        <p:txBody>
+          <a:bodyPr anchor="t">
+            <a:normAutofit/>
+          </a:bodyPr>
+          <a:lstStyle>
+            <a:lvl1pPr marL="0" indent="0" algn="ctr">
+              <a:buNone/>
+              <a:defRPr sz="1400"/>
+            </a:lvl1pPr>
+            <a:lvl2pPr marL="457200" indent="0">
+              <a:buNone/>
+              <a:defRPr sz="1200"/>
+            </a:lvl2pPr>
+            <a:lvl3pPr marL="914400" indent="0">
+              <a:buNone/>
+              <a:defRPr sz="1000"/>
+            </a:lvl3pPr>
+            <a:lvl4pPr marL="1371600" indent="0">
+              <a:buNone/>
+              <a:defRPr sz="900"/>
+            </a:lvl4pPr>
+            <a:lvl5pPr marL="1828800" indent="0">
+              <a:buNone/>
+              <a:defRPr sz="900"/>
+            </a:lvl5pPr>
+            <a:lvl6pPr marL="2286000" indent="0">
+              <a:buNone/>
+              <a:defRPr sz="900"/>
+            </a:lvl6pPr>
+            <a:lvl7pPr marL="2743200" indent="0">
+              <a:buNone/>
+              <a:defRPr sz="900"/>
+            </a:lvl7pPr>
+            <a:lvl8pPr marL="3200400" indent="0">
+              <a:buNone/>
+              <a:defRPr sz="900"/>
+            </a:lvl8pPr>
+            <a:lvl9pPr marL="3657600" indent="0">
+              <a:buNone/>
+              <a:defRPr sz="900"/>
+            </a:lvl9pPr>
+          </a:lstStyle>
+          <a:p>
+            <a:pPr lvl="0"/>
+            <a:r>
+              <a:rPr lang="en-US"/>
+              <a:t>Click to edit Master text styles</a:t>
+            </a:r>
+          </a:p>
+        </p:txBody>
+      </p:sp>
+      <p:sp>
+        <p:nvSpPr>
+          <p:cNvPr id="3" name="Date Placeholder 2"/>
+          <p:cNvSpPr>
+            <a:spLocks noGrp="1"/>
+          </p:cNvSpPr>
+          <p:nvPr>
+            <p:ph type="dt" sz="half" idx="10"/>
+          </p:nvPr>
+        </p:nvSpPr>
+        <p:spPr/>
+        <p:txBody>
+          <a:bodyPr/>
+          <a:lstStyle/>
+          <a:p>
+            <a:fld id="{C65BE62A-A831-4D6A-9088-AC2AF82C5408}" type="datetimeFigureOut">
+              <a:rPr lang="en-IN" smtClean="0"/>
+              <a:t>25-05-2023</a:t>
+            </a:fld>
+            <a:endParaRPr lang="en-IN"/>
+          </a:p>
+        </p:txBody>
+      </p:sp>
+      <p:sp>
+        <p:nvSpPr>
+          <p:cNvPr id="4" name="Footer Placeholder 3"/>
+          <p:cNvSpPr>
+            <a:spLocks noGrp="1"/>
+          </p:cNvSpPr>
+          <p:nvPr>
+            <p:ph type="ftr" sz="quarter" idx="11"/>
+          </p:nvPr>
+        </p:nvSpPr>
+        <p:spPr/>
+        <p:txBody>
+          <a:bodyPr/>
+          <a:lstStyle/>
+          <a:p>
+            <a:endParaRPr lang="en-IN"/>
+          </a:p>
+        </p:txBody>
+      </p:sp>
+      <p:sp>
+        <p:nvSpPr>
+          <p:cNvPr id="5" name="Slide Number Placeholder 4"/>
+          <p:cNvSpPr>
+            <a:spLocks noGrp="1"/>
+          </p:cNvSpPr>
+          <p:nvPr>
+            <p:ph type="sldNum" sz="quarter" idx="12"/>
+          </p:nvPr>
+        </p:nvSpPr>
+        <p:spPr/>
+        <p:txBody>
+          <a:bodyPr/>
+          <a:lstStyle/>
+          <a:p>
+            <a:fld id="{462CCE7B-2A7F-444C-B226-ACCDD8AAA8C9}" type="slidenum">
+              <a:rPr lang="en-IN" smtClean="0"/>
+              <a:t>‹#›</a:t>
+            </a:fld>
+            <a:endParaRPr lang="en-IN"/>
+          </a:p>
+        </p:txBody>
+      </p:sp>
+    </p:spTree>
+    <p:extLst>
+      <p:ext uri="{BB962C8B-B14F-4D97-AF65-F5344CB8AC3E}">
+        <p14:creationId xmlns:p14="http://schemas.microsoft.com/office/powerpoint/2010/main" val="3868191584"/>
+      </p:ext>
+    </p:extLst>
+  </p:cSld>
+  <p:clrMapOvr>
+    <a:masterClrMapping/>
+  </p:clrMapOvr>
+</p:sldLayout>
+</file>
+
+<file path=ppt/slideLayouts/slideLayout15.xml><?xml version="1.0" encoding="utf-8"?>
+<p:sldLayout xmlns:a="http://schemas.openxmlformats.org/drawingml/2006/main" xmlns:r="http://schemas.openxmlformats.org/officeDocument/2006/relationships" xmlns:p="http://schemas.openxmlformats.org/presentationml/2006/main" preserve="1">
+  <p:cSld name="3 Picture Column">
+    <p:spTree>
+      <p:nvGrpSpPr>
+        <p:cNvPr id="1" name=""/>
+        <p:cNvGrpSpPr/>
+        <p:nvPr/>
+      </p:nvGrpSpPr>
+      <p:grpSpPr>
+        <a:xfrm>
+          <a:off x="0" y="0"/>
+          <a:ext cx="0" cy="0"/>
+          <a:chOff x="0" y="0"/>
+          <a:chExt cx="0" cy="0"/>
+        </a:xfrm>
+      </p:grpSpPr>
+      <p:sp>
+        <p:nvSpPr>
+          <p:cNvPr id="30" name="Title 1"/>
+          <p:cNvSpPr>
+            <a:spLocks noGrp="1"/>
+          </p:cNvSpPr>
+          <p:nvPr>
+            <p:ph type="title"/>
+          </p:nvPr>
+        </p:nvSpPr>
+        <p:spPr>
+          <a:xfrm>
+            <a:off x="913795" y="609600"/>
+            <a:ext cx="10353762" cy="1325563"/>
+          </a:xfrm>
+        </p:spPr>
+        <p:txBody>
+          <a:bodyPr/>
+          <a:lstStyle/>
+          <a:p>
+            <a:r>
+              <a:rPr lang="en-US"/>
+              <a:t>Click to edit Master title style</a:t>
+            </a:r>
+            <a:endParaRPr lang="en-US" dirty="0"/>
+          </a:p>
+        </p:txBody>
+      </p:sp>
+      <p:sp>
+        <p:nvSpPr>
+          <p:cNvPr id="19" name="Text Placeholder 2"/>
+          <p:cNvSpPr>
+            <a:spLocks noGrp="1"/>
+          </p:cNvSpPr>
+          <p:nvPr>
+            <p:ph type="body" idx="1"/>
+          </p:nvPr>
+        </p:nvSpPr>
+        <p:spPr>
+          <a:xfrm>
+            <a:off x="913795" y="4195899"/>
+            <a:ext cx="3298955" cy="576262"/>
+          </a:xfrm>
+        </p:spPr>
+        <p:txBody>
+          <a:bodyPr anchor="b">
+            <a:noAutofit/>
+          </a:bodyPr>
+          <a:lstStyle>
+            <a:lvl1pPr marL="0" indent="0" algn="ctr">
+              <a:lnSpc>
+                <a:spcPct val="100000"/>
+              </a:lnSpc>
+              <a:buNone/>
+              <a:defRPr sz="2000" b="0">
+                <a:solidFill>
+                  <a:schemeClr val="tx1"/>
+                </a:solidFill>
+              </a:defRPr>
+            </a:lvl1pPr>
+            <a:lvl2pPr marL="457200" indent="0">
+              <a:buNone/>
+              <a:defRPr sz="2000" b="1"/>
+            </a:lvl2pPr>
+            <a:lvl3pPr marL="914400" indent="0">
+              <a:buNone/>
+              <a:defRPr sz="1800" b="1"/>
+            </a:lvl3pPr>
+            <a:lvl4pPr marL="1371600" indent="0">
+              <a:buNone/>
+              <a:defRPr sz="1600" b="1"/>
+            </a:lvl4pPr>
+            <a:lvl5pPr marL="1828800" indent="0">
+              <a:buNone/>
+              <a:defRPr sz="1600" b="1"/>
+            </a:lvl5pPr>
+            <a:lvl6pPr marL="2286000" indent="0">
+              <a:buNone/>
+              <a:defRPr sz="1600" b="1"/>
+            </a:lvl6pPr>
+            <a:lvl7pPr marL="2743200" indent="0">
+              <a:buNone/>
+              <a:defRPr sz="1600" b="1"/>
+            </a:lvl7pPr>
+            <a:lvl8pPr marL="3200400" indent="0">
+              <a:buNone/>
+              <a:defRPr sz="1600" b="1"/>
+            </a:lvl8pPr>
+            <a:lvl9pPr marL="3657600" indent="0">
+              <a:buNone/>
+              <a:defRPr sz="1600" b="1"/>
+            </a:lvl9pPr>
+          </a:lstStyle>
+          <a:p>
+            <a:pPr lvl="0"/>
+            <a:r>
+              <a:rPr lang="en-US"/>
+              <a:t>Click to edit Master text styles</a:t>
+            </a:r>
+          </a:p>
+        </p:txBody>
+      </p:sp>
+      <p:sp>
+        <p:nvSpPr>
+          <p:cNvPr id="20" name="Picture Placeholder 2"/>
+          <p:cNvSpPr>
+            <a:spLocks noGrp="1" noChangeAspect="1"/>
+          </p:cNvSpPr>
+          <p:nvPr>
+            <p:ph type="pic" idx="15"/>
+          </p:nvPr>
+        </p:nvSpPr>
+        <p:spPr>
+          <a:xfrm>
+            <a:off x="1092020" y="2298987"/>
+            <a:ext cx="2940050" cy="1524000"/>
+          </a:xfrm>
+          <a:prstGeom prst="roundRect">
+            <a:avLst>
+              <a:gd name="adj" fmla="val 0"/>
+            </a:avLst>
+          </a:prstGeom>
+          <a:noFill/>
+          <a:ln w="146050" cap="sq">
+            <a:solidFill>
+              <a:srgbClr val="FFFFFF"/>
+            </a:solidFill>
+            <a:miter lim="800000"/>
+          </a:ln>
+          <a:effectLst>
+            <a:outerShdw blurRad="55000" dist="18000" dir="5400000" algn="tl" rotWithShape="0">
+              <a:srgbClr val="000000">
+                <a:alpha val="40000"/>
+              </a:srgbClr>
+            </a:outerShdw>
+          </a:effectLst>
+          <a:scene3d>
+            <a:camera prst="orthographicFront"/>
+            <a:lightRig rig="twoPt" dir="t">
+              <a:rot lat="0" lon="0" rev="7200000"/>
+            </a:lightRig>
+          </a:scene3d>
+          <a:sp3d>
+            <a:bevelT w="25400" h="19050"/>
+            <a:contourClr>
+              <a:srgbClr val="FFFFFF"/>
+            </a:contourClr>
+          </a:sp3d>
+        </p:spPr>
+        <p:txBody>
+          <a:bodyPr anchor="t">
+            <a:normAutofit/>
+          </a:bodyPr>
+          <a:lstStyle>
+            <a:lvl1pPr marL="0" indent="0" algn="ctr">
+              <a:buNone/>
+              <a:defRPr sz="1600"/>
+            </a:lvl1pPr>
+            <a:lvl2pPr marL="457200" indent="0">
+              <a:buNone/>
+              <a:defRPr sz="1600"/>
+            </a:lvl2pPr>
+            <a:lvl3pPr marL="914400" indent="0">
+              <a:buNone/>
+              <a:defRPr sz="1600"/>
+            </a:lvl3pPr>
+            <a:lvl4pPr marL="1371600" indent="0">
+              <a:buNone/>
+              <a:defRPr sz="1600"/>
+            </a:lvl4pPr>
+            <a:lvl5pPr marL="1828800" indent="0">
+              <a:buNone/>
+              <a:defRPr sz="1600"/>
+            </a:lvl5pPr>
+            <a:lvl6pPr marL="2286000" indent="0">
+              <a:buNone/>
+              <a:defRPr sz="1600"/>
+            </a:lvl6pPr>
+            <a:lvl7pPr marL="2743200" indent="0">
+              <a:buNone/>
+              <a:defRPr sz="1600"/>
+            </a:lvl7pPr>
+            <a:lvl8pPr marL="3200400" indent="0">
+              <a:buNone/>
+              <a:defRPr sz="1600"/>
+            </a:lvl8pPr>
+            <a:lvl9pPr marL="3657600" indent="0">
+              <a:buNone/>
+              <a:defRPr sz="1600"/>
+            </a:lvl9pPr>
+          </a:lstStyle>
+          <a:p>
+            <a:r>
+              <a:rPr lang="en-US"/>
+              <a:t>Click icon to add picture</a:t>
+            </a:r>
+            <a:endParaRPr lang="en-US" dirty="0"/>
+          </a:p>
+        </p:txBody>
+      </p:sp>
+      <p:sp>
+        <p:nvSpPr>
+          <p:cNvPr id="21" name="Text Placeholder 3"/>
+          <p:cNvSpPr>
+            <a:spLocks noGrp="1"/>
+          </p:cNvSpPr>
+          <p:nvPr>
+            <p:ph type="body" sz="half" idx="18"/>
+          </p:nvPr>
+        </p:nvSpPr>
+        <p:spPr>
+          <a:xfrm>
+            <a:off x="913795" y="4772161"/>
+            <a:ext cx="3298955" cy="1019038"/>
+          </a:xfrm>
+        </p:spPr>
+        <p:txBody>
+          <a:bodyPr anchor="t">
+            <a:normAutofit/>
+          </a:bodyPr>
+          <a:lstStyle>
+            <a:lvl1pPr marL="0" indent="0" algn="ctr">
+              <a:buNone/>
+              <a:defRPr sz="1400"/>
+            </a:lvl1pPr>
+            <a:lvl2pPr marL="457200" indent="0">
+              <a:buNone/>
+              <a:defRPr sz="1200"/>
+            </a:lvl2pPr>
+            <a:lvl3pPr marL="914400" indent="0">
+              <a:buNone/>
+              <a:defRPr sz="1000"/>
+            </a:lvl3pPr>
+            <a:lvl4pPr marL="1371600" indent="0">
+              <a:buNone/>
+              <a:defRPr sz="900"/>
+            </a:lvl4pPr>
+            <a:lvl5pPr marL="1828800" indent="0">
+              <a:buNone/>
+              <a:defRPr sz="900"/>
+            </a:lvl5pPr>
+            <a:lvl6pPr marL="2286000" indent="0">
+              <a:buNone/>
+              <a:defRPr sz="900"/>
+            </a:lvl6pPr>
+            <a:lvl7pPr marL="2743200" indent="0">
+              <a:buNone/>
+              <a:defRPr sz="900"/>
+            </a:lvl7pPr>
+            <a:lvl8pPr marL="3200400" indent="0">
+              <a:buNone/>
+              <a:defRPr sz="900"/>
+            </a:lvl8pPr>
+            <a:lvl9pPr marL="3657600" indent="0">
+              <a:buNone/>
+              <a:defRPr sz="900"/>
+            </a:lvl9pPr>
+          </a:lstStyle>
+          <a:p>
+            <a:pPr lvl="0"/>
+            <a:r>
+              <a:rPr lang="en-US"/>
+              <a:t>Click to edit Master text styles</a:t>
+            </a:r>
+          </a:p>
+        </p:txBody>
+      </p:sp>
+      <p:sp>
+        <p:nvSpPr>
+          <p:cNvPr id="22" name="Text Placeholder 4"/>
+          <p:cNvSpPr>
+            <a:spLocks noGrp="1"/>
+          </p:cNvSpPr>
+          <p:nvPr>
+            <p:ph type="body" sz="quarter" idx="3"/>
+          </p:nvPr>
+        </p:nvSpPr>
+        <p:spPr>
+          <a:xfrm>
+            <a:off x="4442701" y="4195899"/>
+            <a:ext cx="3298983" cy="576262"/>
+          </a:xfrm>
+        </p:spPr>
+        <p:txBody>
+          <a:bodyPr anchor="b">
+            <a:noAutofit/>
+          </a:bodyPr>
+          <a:lstStyle>
+            <a:lvl1pPr marL="0" indent="0" algn="ctr">
+              <a:lnSpc>
+                <a:spcPct val="100000"/>
+              </a:lnSpc>
+              <a:buNone/>
+              <a:defRPr sz="2000" b="0">
+                <a:solidFill>
+                  <a:schemeClr val="tx1"/>
+                </a:solidFill>
+              </a:defRPr>
+            </a:lvl1pPr>
+            <a:lvl2pPr marL="457200" indent="0">
+              <a:buNone/>
+              <a:defRPr sz="2000" b="1"/>
+            </a:lvl2pPr>
+            <a:lvl3pPr marL="914400" indent="0">
+              <a:buNone/>
+              <a:defRPr sz="1800" b="1"/>
+            </a:lvl3pPr>
+            <a:lvl4pPr marL="1371600" indent="0">
+              <a:buNone/>
+              <a:defRPr sz="1600" b="1"/>
+            </a:lvl4pPr>
+            <a:lvl5pPr marL="1828800" indent="0">
+              <a:buNone/>
+              <a:defRPr sz="1600" b="1"/>
+            </a:lvl5pPr>
+            <a:lvl6pPr marL="2286000" indent="0">
+              <a:buNone/>
+              <a:defRPr sz="1600" b="1"/>
+            </a:lvl6pPr>
+            <a:lvl7pPr marL="2743200" indent="0">
+              <a:buNone/>
+              <a:defRPr sz="1600" b="1"/>
+            </a:lvl7pPr>
+            <a:lvl8pPr marL="3200400" indent="0">
+              <a:buNone/>
+              <a:defRPr sz="1600" b="1"/>
+            </a:lvl8pPr>
+            <a:lvl9pPr marL="3657600" indent="0">
+              <a:buNone/>
+              <a:defRPr sz="1600" b="1"/>
+            </a:lvl9pPr>
+          </a:lstStyle>
+          <a:p>
+            <a:pPr lvl="0"/>
+            <a:r>
+              <a:rPr lang="en-US"/>
+              <a:t>Click to edit Master text styles</a:t>
+            </a:r>
+          </a:p>
+        </p:txBody>
+      </p:sp>
+      <p:sp>
+        <p:nvSpPr>
+          <p:cNvPr id="23" name="Picture Placeholder 2"/>
+          <p:cNvSpPr>
+            <a:spLocks noGrp="1" noChangeAspect="1"/>
+          </p:cNvSpPr>
+          <p:nvPr>
+            <p:ph type="pic" idx="21"/>
+          </p:nvPr>
+        </p:nvSpPr>
+        <p:spPr>
+          <a:xfrm>
+            <a:off x="4568996" y="2298987"/>
+            <a:ext cx="2930525" cy="1524000"/>
+          </a:xfrm>
+          <a:prstGeom prst="roundRect">
+            <a:avLst>
+              <a:gd name="adj" fmla="val 0"/>
+            </a:avLst>
+          </a:prstGeom>
+          <a:noFill/>
+          <a:ln w="146050" cap="sq">
+            <a:solidFill>
+              <a:srgbClr val="FFFFFF"/>
+            </a:solidFill>
+            <a:miter lim="800000"/>
+          </a:ln>
+          <a:effectLst>
+            <a:outerShdw blurRad="55000" dist="18000" dir="5400000" algn="tl" rotWithShape="0">
+              <a:srgbClr val="000000">
+                <a:alpha val="40000"/>
+              </a:srgbClr>
+            </a:outerShdw>
+          </a:effectLst>
+          <a:scene3d>
+            <a:camera prst="orthographicFront"/>
+            <a:lightRig rig="twoPt" dir="t">
+              <a:rot lat="0" lon="0" rev="7200000"/>
+            </a:lightRig>
+          </a:scene3d>
+          <a:sp3d>
+            <a:bevelT w="25400" h="19050"/>
+            <a:contourClr>
+              <a:srgbClr val="FFFFFF"/>
+            </a:contourClr>
+          </a:sp3d>
+        </p:spPr>
+        <p:txBody>
+          <a:bodyPr anchor="t">
+            <a:normAutofit/>
+          </a:bodyPr>
+          <a:lstStyle>
+            <a:lvl1pPr marL="0" indent="0" algn="ctr">
+              <a:buNone/>
+              <a:defRPr sz="1600"/>
+            </a:lvl1pPr>
+            <a:lvl2pPr marL="457200" indent="0">
+              <a:buNone/>
+              <a:defRPr sz="1600"/>
+            </a:lvl2pPr>
+            <a:lvl3pPr marL="914400" indent="0">
+              <a:buNone/>
+              <a:defRPr sz="1600"/>
+            </a:lvl3pPr>
+            <a:lvl4pPr marL="1371600" indent="0">
+              <a:buNone/>
+              <a:defRPr sz="1600"/>
+            </a:lvl4pPr>
+            <a:lvl5pPr marL="1828800" indent="0">
+              <a:buNone/>
+              <a:defRPr sz="1600"/>
+            </a:lvl5pPr>
+            <a:lvl6pPr marL="2286000" indent="0">
+              <a:buNone/>
+              <a:defRPr sz="1600"/>
+            </a:lvl6pPr>
+            <a:lvl7pPr marL="2743200" indent="0">
+              <a:buNone/>
+              <a:defRPr sz="1600"/>
+            </a:lvl7pPr>
+            <a:lvl8pPr marL="3200400" indent="0">
+              <a:buNone/>
+              <a:defRPr sz="1600"/>
+            </a:lvl8pPr>
+            <a:lvl9pPr marL="3657600" indent="0">
+              <a:buNone/>
+              <a:defRPr sz="1600"/>
+            </a:lvl9pPr>
+          </a:lstStyle>
+          <a:p>
+            <a:r>
+              <a:rPr lang="en-US"/>
+              <a:t>Click icon to add picture</a:t>
+            </a:r>
+            <a:endParaRPr lang="en-US" dirty="0"/>
+          </a:p>
+        </p:txBody>
+      </p:sp>
+      <p:sp>
+        <p:nvSpPr>
+          <p:cNvPr id="24" name="Text Placeholder 3"/>
+          <p:cNvSpPr>
+            <a:spLocks noGrp="1"/>
+          </p:cNvSpPr>
+          <p:nvPr>
+            <p:ph type="body" sz="half" idx="19"/>
+          </p:nvPr>
+        </p:nvSpPr>
+        <p:spPr>
+          <a:xfrm>
+            <a:off x="4441348" y="4772160"/>
+            <a:ext cx="3300336" cy="1019038"/>
+          </a:xfrm>
+        </p:spPr>
+        <p:txBody>
+          <a:bodyPr anchor="t">
+            <a:normAutofit/>
+          </a:bodyPr>
+          <a:lstStyle>
+            <a:lvl1pPr marL="0" indent="0" algn="ctr">
+              <a:buNone/>
+              <a:defRPr sz="1400"/>
+            </a:lvl1pPr>
+            <a:lvl2pPr marL="457200" indent="0">
+              <a:buNone/>
+              <a:defRPr sz="1200"/>
+            </a:lvl2pPr>
+            <a:lvl3pPr marL="914400" indent="0">
+              <a:buNone/>
+              <a:defRPr sz="1000"/>
+            </a:lvl3pPr>
+            <a:lvl4pPr marL="1371600" indent="0">
+              <a:buNone/>
+              <a:defRPr sz="900"/>
+            </a:lvl4pPr>
+            <a:lvl5pPr marL="1828800" indent="0">
+              <a:buNone/>
+              <a:defRPr sz="900"/>
+            </a:lvl5pPr>
+            <a:lvl6pPr marL="2286000" indent="0">
+              <a:buNone/>
+              <a:defRPr sz="900"/>
+            </a:lvl6pPr>
+            <a:lvl7pPr marL="2743200" indent="0">
+              <a:buNone/>
+              <a:defRPr sz="900"/>
+            </a:lvl7pPr>
+            <a:lvl8pPr marL="3200400" indent="0">
+              <a:buNone/>
+              <a:defRPr sz="900"/>
+            </a:lvl8pPr>
+            <a:lvl9pPr marL="3657600" indent="0">
+              <a:buNone/>
+              <a:defRPr sz="900"/>
+            </a:lvl9pPr>
+          </a:lstStyle>
+          <a:p>
+            <a:pPr lvl="0"/>
+            <a:r>
+              <a:rPr lang="en-US"/>
+              <a:t>Click to edit Master text styles</a:t>
+            </a:r>
+          </a:p>
+        </p:txBody>
+      </p:sp>
+      <p:sp>
+        <p:nvSpPr>
+          <p:cNvPr id="25" name="Text Placeholder 4"/>
+          <p:cNvSpPr>
+            <a:spLocks noGrp="1"/>
+          </p:cNvSpPr>
+          <p:nvPr>
+            <p:ph type="body" sz="quarter" idx="13"/>
+          </p:nvPr>
+        </p:nvSpPr>
+        <p:spPr>
+          <a:xfrm>
+            <a:off x="7973423" y="4195899"/>
+            <a:ext cx="3289900" cy="576262"/>
+          </a:xfrm>
+        </p:spPr>
+        <p:txBody>
+          <a:bodyPr anchor="b">
+            <a:noAutofit/>
+          </a:bodyPr>
+          <a:lstStyle>
+            <a:lvl1pPr marL="0" indent="0" algn="ctr">
+              <a:lnSpc>
+                <a:spcPct val="100000"/>
+              </a:lnSpc>
+              <a:buNone/>
+              <a:defRPr sz="2000" b="0">
+                <a:solidFill>
+                  <a:schemeClr val="tx1"/>
+                </a:solidFill>
+              </a:defRPr>
+            </a:lvl1pPr>
+            <a:lvl2pPr marL="457200" indent="0">
+              <a:buNone/>
+              <a:defRPr sz="2000" b="1"/>
+            </a:lvl2pPr>
+            <a:lvl3pPr marL="914400" indent="0">
+              <a:buNone/>
+              <a:defRPr sz="1800" b="1"/>
+            </a:lvl3pPr>
+            <a:lvl4pPr marL="1371600" indent="0">
+              <a:buNone/>
+              <a:defRPr sz="1600" b="1"/>
+            </a:lvl4pPr>
+            <a:lvl5pPr marL="1828800" indent="0">
+              <a:buNone/>
+              <a:defRPr sz="1600" b="1"/>
+            </a:lvl5pPr>
+            <a:lvl6pPr marL="2286000" indent="0">
+              <a:buNone/>
+              <a:defRPr sz="1600" b="1"/>
+            </a:lvl6pPr>
+            <a:lvl7pPr marL="2743200" indent="0">
+              <a:buNone/>
+              <a:defRPr sz="1600" b="1"/>
+            </a:lvl7pPr>
+            <a:lvl8pPr marL="3200400" indent="0">
+              <a:buNone/>
+              <a:defRPr sz="1600" b="1"/>
+            </a:lvl8pPr>
+            <a:lvl9pPr marL="3657600" indent="0">
+              <a:buNone/>
+              <a:defRPr sz="1600" b="1"/>
+            </a:lvl9pPr>
+          </a:lstStyle>
+          <a:p>
+            <a:pPr lvl="0"/>
+            <a:r>
+              <a:rPr lang="en-US"/>
+              <a:t>Click to edit Master text styles</a:t>
+            </a:r>
+          </a:p>
+        </p:txBody>
+      </p:sp>
+      <p:sp>
+        <p:nvSpPr>
+          <p:cNvPr id="26" name="Picture Placeholder 2"/>
+          <p:cNvSpPr>
+            <a:spLocks noGrp="1" noChangeAspect="1"/>
+          </p:cNvSpPr>
+          <p:nvPr>
+            <p:ph type="pic" idx="22"/>
+          </p:nvPr>
+        </p:nvSpPr>
+        <p:spPr>
+          <a:xfrm>
+            <a:off x="8152803" y="2298987"/>
+            <a:ext cx="2932113" cy="1524000"/>
+          </a:xfrm>
+          <a:prstGeom prst="roundRect">
+            <a:avLst>
+              <a:gd name="adj" fmla="val 0"/>
+            </a:avLst>
+          </a:prstGeom>
+          <a:noFill/>
+          <a:ln w="146050" cap="sq">
+            <a:solidFill>
+              <a:srgbClr val="FFFFFF"/>
+            </a:solidFill>
+            <a:miter lim="800000"/>
+          </a:ln>
+          <a:effectLst>
+            <a:outerShdw blurRad="55000" dist="18000" dir="5400000" algn="tl" rotWithShape="0">
+              <a:srgbClr val="000000">
+                <a:alpha val="40000"/>
+              </a:srgbClr>
+            </a:outerShdw>
+          </a:effectLst>
+          <a:scene3d>
+            <a:camera prst="orthographicFront"/>
+            <a:lightRig rig="twoPt" dir="t">
+              <a:rot lat="0" lon="0" rev="7200000"/>
+            </a:lightRig>
+          </a:scene3d>
+          <a:sp3d>
+            <a:bevelT w="25400" h="19050"/>
+            <a:contourClr>
+              <a:srgbClr val="FFFFFF"/>
+            </a:contourClr>
+          </a:sp3d>
+        </p:spPr>
+        <p:txBody>
+          <a:bodyPr anchor="t">
+            <a:normAutofit/>
+          </a:bodyPr>
+          <a:lstStyle>
+            <a:lvl1pPr marL="0" indent="0" algn="ctr">
+              <a:buNone/>
+              <a:defRPr sz="1600"/>
+            </a:lvl1pPr>
+            <a:lvl2pPr marL="457200" indent="0">
+              <a:buNone/>
+              <a:defRPr sz="1600"/>
+            </a:lvl2pPr>
+            <a:lvl3pPr marL="914400" indent="0">
+              <a:buNone/>
+              <a:defRPr sz="1600"/>
+            </a:lvl3pPr>
+            <a:lvl4pPr marL="1371600" indent="0">
+              <a:buNone/>
+              <a:defRPr sz="1600"/>
+            </a:lvl4pPr>
+            <a:lvl5pPr marL="1828800" indent="0">
+              <a:buNone/>
+              <a:defRPr sz="1600"/>
+            </a:lvl5pPr>
+            <a:lvl6pPr marL="2286000" indent="0">
+              <a:buNone/>
+              <a:defRPr sz="1600"/>
+            </a:lvl6pPr>
+            <a:lvl7pPr marL="2743200" indent="0">
+              <a:buNone/>
+              <a:defRPr sz="1600"/>
+            </a:lvl7pPr>
+            <a:lvl8pPr marL="3200400" indent="0">
+              <a:buNone/>
+              <a:defRPr sz="1600"/>
+            </a:lvl8pPr>
+            <a:lvl9pPr marL="3657600" indent="0">
+              <a:buNone/>
+              <a:defRPr sz="1600"/>
+            </a:lvl9pPr>
+          </a:lstStyle>
+          <a:p>
+            <a:r>
+              <a:rPr lang="en-US"/>
+              <a:t>Click icon to add picture</a:t>
+            </a:r>
+            <a:endParaRPr lang="en-US" dirty="0"/>
+          </a:p>
+        </p:txBody>
+      </p:sp>
+      <p:sp>
+        <p:nvSpPr>
+          <p:cNvPr id="27" name="Text Placeholder 3"/>
+          <p:cNvSpPr>
+            <a:spLocks noGrp="1"/>
+          </p:cNvSpPr>
+          <p:nvPr>
+            <p:ph type="body" sz="half" idx="20"/>
+          </p:nvPr>
+        </p:nvSpPr>
+        <p:spPr>
+          <a:xfrm>
+            <a:off x="7973298" y="4772161"/>
+            <a:ext cx="3294258" cy="1019037"/>
+          </a:xfrm>
+        </p:spPr>
+        <p:txBody>
+          <a:bodyPr anchor="t">
+            <a:normAutofit/>
+          </a:bodyPr>
+          <a:lstStyle>
+            <a:lvl1pPr marL="0" indent="0" algn="ctr">
+              <a:buNone/>
+              <a:defRPr sz="1400"/>
+            </a:lvl1pPr>
+            <a:lvl2pPr marL="457200" indent="0">
+              <a:buNone/>
+              <a:defRPr sz="1200"/>
+            </a:lvl2pPr>
+            <a:lvl3pPr marL="914400" indent="0">
+              <a:buNone/>
+              <a:defRPr sz="1000"/>
+            </a:lvl3pPr>
+            <a:lvl4pPr marL="1371600" indent="0">
+              <a:buNone/>
+              <a:defRPr sz="900"/>
+            </a:lvl4pPr>
+            <a:lvl5pPr marL="1828800" indent="0">
+              <a:buNone/>
+              <a:defRPr sz="900"/>
+            </a:lvl5pPr>
+            <a:lvl6pPr marL="2286000" indent="0">
+              <a:buNone/>
+              <a:defRPr sz="900"/>
+            </a:lvl6pPr>
+            <a:lvl7pPr marL="2743200" indent="0">
+              <a:buNone/>
+              <a:defRPr sz="900"/>
+            </a:lvl7pPr>
+            <a:lvl8pPr marL="3200400" indent="0">
+              <a:buNone/>
+              <a:defRPr sz="900"/>
+            </a:lvl8pPr>
+            <a:lvl9pPr marL="3657600" indent="0">
+              <a:buNone/>
+              <a:defRPr sz="900"/>
+            </a:lvl9pPr>
+          </a:lstStyle>
+          <a:p>
+            <a:pPr lvl="0"/>
+            <a:r>
+              <a:rPr lang="en-US"/>
+              <a:t>Click to edit Master text styles</a:t>
+            </a:r>
+          </a:p>
+        </p:txBody>
+      </p:sp>
+      <p:sp>
+        <p:nvSpPr>
+          <p:cNvPr id="3" name="Date Placeholder 2"/>
+          <p:cNvSpPr>
+            <a:spLocks noGrp="1"/>
+          </p:cNvSpPr>
+          <p:nvPr>
+            <p:ph type="dt" sz="half" idx="10"/>
+          </p:nvPr>
+        </p:nvSpPr>
+        <p:spPr/>
+        <p:txBody>
+          <a:bodyPr/>
+          <a:lstStyle/>
+          <a:p>
+            <a:fld id="{C65BE62A-A831-4D6A-9088-AC2AF82C5408}" type="datetimeFigureOut">
+              <a:rPr lang="en-IN" smtClean="0"/>
+              <a:t>25-05-2023</a:t>
+            </a:fld>
+            <a:endParaRPr lang="en-IN"/>
+          </a:p>
+        </p:txBody>
+      </p:sp>
+      <p:sp>
+        <p:nvSpPr>
+          <p:cNvPr id="4" name="Footer Placeholder 3"/>
+          <p:cNvSpPr>
+            <a:spLocks noGrp="1"/>
+          </p:cNvSpPr>
+          <p:nvPr>
+            <p:ph type="ftr" sz="quarter" idx="11"/>
+          </p:nvPr>
+        </p:nvSpPr>
+        <p:spPr/>
+        <p:txBody>
+          <a:bodyPr/>
+          <a:lstStyle/>
+          <a:p>
+            <a:endParaRPr lang="en-IN"/>
+          </a:p>
+        </p:txBody>
+      </p:sp>
+      <p:sp>
+        <p:nvSpPr>
+          <p:cNvPr id="5" name="Slide Number Placeholder 4"/>
+          <p:cNvSpPr>
+            <a:spLocks noGrp="1"/>
+          </p:cNvSpPr>
+          <p:nvPr>
+            <p:ph type="sldNum" sz="quarter" idx="12"/>
+          </p:nvPr>
+        </p:nvSpPr>
+        <p:spPr/>
+        <p:txBody>
+          <a:bodyPr/>
+          <a:lstStyle/>
+          <a:p>
+            <a:fld id="{462CCE7B-2A7F-444C-B226-ACCDD8AAA8C9}" type="slidenum">
+              <a:rPr lang="en-IN" smtClean="0"/>
+              <a:t>‹#›</a:t>
+            </a:fld>
+            <a:endParaRPr lang="en-IN"/>
+          </a:p>
+        </p:txBody>
+      </p:sp>
+    </p:spTree>
+    <p:extLst>
+      <p:ext uri="{BB962C8B-B14F-4D97-AF65-F5344CB8AC3E}">
+        <p14:creationId xmlns:p14="http://schemas.microsoft.com/office/powerpoint/2010/main" val="1227764883"/>
+      </p:ext>
+    </p:extLst>
+  </p:cSld>
+  <p:clrMapOvr>
+    <a:masterClrMapping/>
+  </p:clrMapOvr>
+</p:sldLayout>
+</file>
+
+<file path=ppt/slideLayouts/slideLayout16.xml><?xml version="1.0" encoding="utf-8"?>
 <p:sldLayout xmlns:a="http://schemas.openxmlformats.org/drawingml/2006/main" xmlns:r="http://schemas.openxmlformats.org/officeDocument/2006/relationships" xmlns:p="http://schemas.openxmlformats.org/presentationml/2006/main" type="vertTx" preserve="1">
   <p:cSld name="Title and Vertical Text">
     <p:spTree>
@@ -499,7 +3020,7 @@
     </p:spTree>
     <p:extLst>
       <p:ext uri="{BB962C8B-B14F-4D97-AF65-F5344CB8AC3E}">
-        <p14:creationId xmlns:p14="http://schemas.microsoft.com/office/powerpoint/2010/main" val="2456244519"/>
+        <p14:creationId xmlns:p14="http://schemas.microsoft.com/office/powerpoint/2010/main" val="732579240"/>
       </p:ext>
     </p:extLst>
   </p:cSld>
@@ -509,7 +3030,7 @@
 </p:sldLayout>
 </file>
 
-<file path=ppt/slideLayouts/slideLayout11.xml><?xml version="1.0" encoding="utf-8"?>
+<file path=ppt/slideLayouts/slideLayout17.xml><?xml version="1.0" encoding="utf-8"?>
 <p:sldLayout xmlns:a="http://schemas.openxmlformats.org/drawingml/2006/main" xmlns:r="http://schemas.openxmlformats.org/officeDocument/2006/relationships" xmlns:p="http://schemas.openxmlformats.org/presentationml/2006/main" type="vertTitleAndTx" preserve="1">
   <p:cSld name="Vertical Title and Text">
     <p:spTree>
@@ -538,13 +3059,17 @@
         </p:nvSpPr>
         <p:spPr>
           <a:xfrm>
-            <a:off x="8653112" y="937260"/>
-            <a:ext cx="1298608" cy="4983480"/>
+            <a:off x="8724900" y="609599"/>
+            <a:ext cx="2542657" cy="5181601"/>
           </a:xfrm>
         </p:spPr>
         <p:txBody>
           <a:bodyPr vert="eaVert"/>
-          <a:lstStyle/>
+          <a:lstStyle>
+            <a:lvl1pPr algn="l">
+              <a:defRPr/>
+            </a:lvl1pPr>
+          </a:lstStyle>
           <a:p>
             <a:r>
               <a:rPr lang="en-US"/>
@@ -566,8 +3091,8 @@
         </p:nvSpPr>
         <p:spPr>
           <a:xfrm>
-            <a:off x="2231136" y="937260"/>
-            <a:ext cx="6198489" cy="4983480"/>
+            <a:off x="913794" y="609599"/>
+            <a:ext cx="7658705" cy="5181601"/>
           </a:xfrm>
         </p:spPr>
         <p:txBody>
@@ -679,7 +3204,7 @@
     </p:spTree>
     <p:extLst>
       <p:ext uri="{BB962C8B-B14F-4D97-AF65-F5344CB8AC3E}">
-        <p14:creationId xmlns:p14="http://schemas.microsoft.com/office/powerpoint/2010/main" val="1053525535"/>
+        <p14:creationId xmlns:p14="http://schemas.microsoft.com/office/powerpoint/2010/main" val="3811647025"/>
       </p:ext>
     </p:extLst>
   </p:cSld>
@@ -783,7 +3308,7 @@
       </p:sp>
       <p:sp>
         <p:nvSpPr>
-          <p:cNvPr id="7" name="Date Placeholder 6"/>
+          <p:cNvPr id="4" name="Date Placeholder 3"/>
           <p:cNvSpPr>
             <a:spLocks noGrp="1"/>
           </p:cNvSpPr>
@@ -806,7 +3331,7 @@
       </p:sp>
       <p:sp>
         <p:nvSpPr>
-          <p:cNvPr id="8" name="Footer Placeholder 7"/>
+          <p:cNvPr id="5" name="Footer Placeholder 4"/>
           <p:cNvSpPr>
             <a:spLocks noGrp="1"/>
           </p:cNvSpPr>
@@ -825,7 +3350,7 @@
       </p:sp>
       <p:sp>
         <p:nvSpPr>
-          <p:cNvPr id="9" name="Slide Number Placeholder 8"/>
+          <p:cNvPr id="6" name="Slide Number Placeholder 5"/>
           <p:cNvSpPr>
             <a:spLocks noGrp="1"/>
           </p:cNvSpPr>
@@ -849,7 +3374,7 @@
     </p:spTree>
     <p:extLst>
       <p:ext uri="{BB962C8B-B14F-4D97-AF65-F5344CB8AC3E}">
-        <p14:creationId xmlns:p14="http://schemas.microsoft.com/office/powerpoint/2010/main" val="3316152812"/>
+        <p14:creationId xmlns:p14="http://schemas.microsoft.com/office/powerpoint/2010/main" val="3747746482"/>
       </p:ext>
     </p:extLst>
   </p:cSld>
@@ -862,14 +3387,6 @@
 <file path=ppt/slideLayouts/slideLayout3.xml><?xml version="1.0" encoding="utf-8"?>
 <p:sldLayout xmlns:a="http://schemas.openxmlformats.org/drawingml/2006/main" xmlns:r="http://schemas.openxmlformats.org/officeDocument/2006/relationships" xmlns:p="http://schemas.openxmlformats.org/presentationml/2006/main" type="secHead" preserve="1">
   <p:cSld name="Section Header">
-    <p:bg>
-      <p:bgPr>
-        <a:solidFill>
-          <a:schemeClr val="accent1"/>
-        </a:solidFill>
-        <a:effectLst/>
-      </p:bgPr>
-    </p:bg>
     <p:spTree>
       <p:nvGrpSpPr>
         <p:cNvPr id="1" name=""/>
@@ -894,31 +3411,19 @@
             <p:ph type="title"/>
           </p:nvPr>
         </p:nvSpPr>
-        <p:spPr bwMode="blackWhite">
+        <p:spPr>
           <a:xfrm>
-            <a:off x="1600200" y="2386744"/>
-            <a:ext cx="8991600" cy="1645920"/>
+            <a:off x="1229244" y="657226"/>
+            <a:ext cx="9733512" cy="2852737"/>
           </a:xfrm>
-          <a:solidFill>
-            <a:srgbClr val="FFFFFF"/>
-          </a:solidFill>
-          <a:ln w="38100">
-            <a:solidFill>
-              <a:srgbClr val="404040"/>
-            </a:solidFill>
-          </a:ln>
         </p:spPr>
         <p:txBody>
-          <a:bodyPr lIns="274320" rIns="274320" anchor="ctr" anchorCtr="1">
+          <a:bodyPr anchor="b">
             <a:normAutofit/>
           </a:bodyPr>
           <a:lstStyle>
             <a:lvl1pPr>
-              <a:defRPr sz="3800">
-                <a:solidFill>
-                  <a:srgbClr val="262626"/>
-                </a:solidFill>
-              </a:defRPr>
+              <a:defRPr sz="3400"/>
             </a:lvl1pPr>
           </a:lstStyle>
           <a:p>
@@ -942,20 +3447,20 @@
         </p:nvSpPr>
         <p:spPr>
           <a:xfrm>
-            <a:off x="2695194" y="4352465"/>
-            <a:ext cx="6801612" cy="1265082"/>
+            <a:off x="1229244" y="3602038"/>
+            <a:ext cx="9733512" cy="1500187"/>
           </a:xfrm>
         </p:spPr>
         <p:txBody>
-          <a:bodyPr anchor="t" anchorCtr="1">
-            <a:normAutofit/>
-          </a:bodyPr>
+          <a:bodyPr/>
           <a:lstStyle>
-            <a:lvl1pPr marL="0" indent="0">
-              <a:buNone/>
-              <a:defRPr sz="2000">
+            <a:lvl1pPr marL="0" indent="0" algn="ctr">
+              <a:buNone/>
+              <a:defRPr sz="2400">
                 <a:solidFill>
-                  <a:schemeClr val="tx1"/>
+                  <a:schemeClr val="tx1">
+                    <a:tint val="75000"/>
+                  </a:schemeClr>
                 </a:solidFill>
               </a:defRPr>
             </a:lvl1pPr>
@@ -1051,7 +3556,7 @@
       </p:sp>
       <p:sp>
         <p:nvSpPr>
-          <p:cNvPr id="7" name="Date Placeholder 6"/>
+          <p:cNvPr id="4" name="Date Placeholder 3"/>
           <p:cNvSpPr>
             <a:spLocks noGrp="1"/>
           </p:cNvSpPr>
@@ -1074,7 +3579,7 @@
       </p:sp>
       <p:sp>
         <p:nvSpPr>
-          <p:cNvPr id="8" name="Footer Placeholder 7"/>
+          <p:cNvPr id="5" name="Footer Placeholder 4"/>
           <p:cNvSpPr>
             <a:spLocks noGrp="1"/>
           </p:cNvSpPr>
@@ -1093,7 +3598,7 @@
       </p:sp>
       <p:sp>
         <p:nvSpPr>
-          <p:cNvPr id="9" name="Slide Number Placeholder 8"/>
+          <p:cNvPr id="6" name="Slide Number Placeholder 5"/>
           <p:cNvSpPr>
             <a:spLocks noGrp="1"/>
           </p:cNvSpPr>
@@ -1117,12 +3622,12 @@
     </p:spTree>
     <p:extLst>
       <p:ext uri="{BB962C8B-B14F-4D97-AF65-F5344CB8AC3E}">
-        <p14:creationId xmlns:p14="http://schemas.microsoft.com/office/powerpoint/2010/main" val="3402325205"/>
+        <p14:creationId xmlns:p14="http://schemas.microsoft.com/office/powerpoint/2010/main" val="1586871863"/>
       </p:ext>
     </p:extLst>
   </p:cSld>
   <p:clrMapOvr>
-    <a:overrideClrMapping bg1="dk1" tx1="lt1" bg2="dk2" tx2="lt2" accent1="accent1" accent2="accent2" accent3="accent3" accent4="accent4" accent5="accent5" accent6="accent6" hlink="hlink" folHlink="folHlink"/>
+    <a:masterClrMapping/>
   </p:clrMapOvr>
 </p:sldLayout>
 </file>
@@ -1154,71 +3659,19 @@
             <p:ph type="title"/>
           </p:nvPr>
         </p:nvSpPr>
-        <p:spPr/>
-        <p:txBody>
-          <a:bodyPr/>
-          <a:lstStyle/>
-          <a:p>
-            <a:r>
-              <a:rPr lang="en-US"/>
-              <a:t>Click to edit Master title style</a:t>
-            </a:r>
-            <a:endParaRPr lang="en-US" dirty="0"/>
-          </a:p>
-        </p:txBody>
-      </p:sp>
-      <p:sp>
-        <p:nvSpPr>
-          <p:cNvPr id="3" name="Content Placeholder 2"/>
-          <p:cNvSpPr>
-            <a:spLocks noGrp="1"/>
-          </p:cNvSpPr>
-          <p:nvPr>
-            <p:ph sz="half" idx="1"/>
-          </p:nvPr>
-        </p:nvSpPr>
         <p:spPr>
           <a:xfrm>
-            <a:off x="1581912" y="2638044"/>
-            <a:ext cx="4271771" cy="3101982"/>
+            <a:off x="913795" y="609600"/>
+            <a:ext cx="10353761" cy="1326321"/>
           </a:xfrm>
         </p:spPr>
         <p:txBody>
           <a:bodyPr/>
           <a:lstStyle/>
           <a:p>
-            <a:pPr lvl="0"/>
-            <a:r>
-              <a:rPr lang="en-US"/>
-              <a:t>Click to edit Master text styles</a:t>
-            </a:r>
-          </a:p>
-          <a:p>
-            <a:pPr lvl="1"/>
-            <a:r>
-              <a:rPr lang="en-US"/>
-              <a:t>Second level</a:t>
-            </a:r>
-          </a:p>
-          <a:p>
-            <a:pPr lvl="2"/>
-            <a:r>
-              <a:rPr lang="en-US"/>
-              <a:t>Third level</a:t>
-            </a:r>
-          </a:p>
-          <a:p>
-            <a:pPr lvl="3"/>
-            <a:r>
-              <a:rPr lang="en-US"/>
-              <a:t>Fourth level</a:t>
-            </a:r>
-          </a:p>
-          <a:p>
-            <a:pPr lvl="4"/>
-            <a:r>
-              <a:rPr lang="en-US"/>
-              <a:t>Fifth level</a:t>
+            <a:r>
+              <a:rPr lang="en-US"/>
+              <a:t>Click to edit Master title style</a:t>
             </a:r>
             <a:endParaRPr lang="en-US" dirty="0"/>
           </a:p>
@@ -1226,18 +3679,18 @@
       </p:sp>
       <p:sp>
         <p:nvSpPr>
-          <p:cNvPr id="4" name="Content Placeholder 3"/>
-          <p:cNvSpPr>
-            <a:spLocks noGrp="1"/>
-          </p:cNvSpPr>
-          <p:nvPr>
-            <p:ph sz="half" idx="2"/>
+          <p:cNvPr id="3" name="Content Placeholder 2"/>
+          <p:cNvSpPr>
+            <a:spLocks noGrp="1"/>
+          </p:cNvSpPr>
+          <p:nvPr>
+            <p:ph sz="half" idx="1"/>
           </p:nvPr>
         </p:nvSpPr>
         <p:spPr>
           <a:xfrm>
-            <a:off x="6338315" y="2638044"/>
-            <a:ext cx="4270247" cy="3101982"/>
+            <a:off x="913795" y="2088319"/>
+            <a:ext cx="5106004" cy="3702881"/>
           </a:xfrm>
         </p:spPr>
         <p:txBody>
@@ -1283,7 +3736,64 @@
       </p:sp>
       <p:sp>
         <p:nvSpPr>
-          <p:cNvPr id="8" name="Date Placeholder 7"/>
+          <p:cNvPr id="4" name="Content Placeholder 3"/>
+          <p:cNvSpPr>
+            <a:spLocks noGrp="1"/>
+          </p:cNvSpPr>
+          <p:nvPr>
+            <p:ph sz="half" idx="2"/>
+          </p:nvPr>
+        </p:nvSpPr>
+        <p:spPr>
+          <a:xfrm>
+            <a:off x="6173403" y="2088319"/>
+            <a:ext cx="5094154" cy="3702881"/>
+          </a:xfrm>
+        </p:spPr>
+        <p:txBody>
+          <a:bodyPr/>
+          <a:lstStyle/>
+          <a:p>
+            <a:pPr lvl="0"/>
+            <a:r>
+              <a:rPr lang="en-US"/>
+              <a:t>Click to edit Master text styles</a:t>
+            </a:r>
+          </a:p>
+          <a:p>
+            <a:pPr lvl="1"/>
+            <a:r>
+              <a:rPr lang="en-US"/>
+              <a:t>Second level</a:t>
+            </a:r>
+          </a:p>
+          <a:p>
+            <a:pPr lvl="2"/>
+            <a:r>
+              <a:rPr lang="en-US"/>
+              <a:t>Third level</a:t>
+            </a:r>
+          </a:p>
+          <a:p>
+            <a:pPr lvl="3"/>
+            <a:r>
+              <a:rPr lang="en-US"/>
+              <a:t>Fourth level</a:t>
+            </a:r>
+          </a:p>
+          <a:p>
+            <a:pPr lvl="4"/>
+            <a:r>
+              <a:rPr lang="en-US"/>
+              <a:t>Fifth level</a:t>
+            </a:r>
+            <a:endParaRPr lang="en-US" dirty="0"/>
+          </a:p>
+        </p:txBody>
+      </p:sp>
+      <p:sp>
+        <p:nvSpPr>
+          <p:cNvPr id="5" name="Date Placeholder 4"/>
           <p:cNvSpPr>
             <a:spLocks noGrp="1"/>
           </p:cNvSpPr>
@@ -1306,7 +3816,7 @@
       </p:sp>
       <p:sp>
         <p:nvSpPr>
-          <p:cNvPr id="9" name="Footer Placeholder 8"/>
+          <p:cNvPr id="6" name="Footer Placeholder 5"/>
           <p:cNvSpPr>
             <a:spLocks noGrp="1"/>
           </p:cNvSpPr>
@@ -1325,7 +3835,7 @@
       </p:sp>
       <p:sp>
         <p:nvSpPr>
-          <p:cNvPr id="10" name="Slide Number Placeholder 9"/>
+          <p:cNvPr id="7" name="Slide Number Placeholder 6"/>
           <p:cNvSpPr>
             <a:spLocks noGrp="1"/>
           </p:cNvSpPr>
@@ -1349,7 +3859,7 @@
     </p:spTree>
     <p:extLst>
       <p:ext uri="{BB962C8B-B14F-4D97-AF65-F5344CB8AC3E}">
-        <p14:creationId xmlns:p14="http://schemas.microsoft.com/office/powerpoint/2010/main" val="3852220112"/>
+        <p14:creationId xmlns:p14="http://schemas.microsoft.com/office/powerpoint/2010/main" val="1182324890"/>
       </p:ext>
     </p:extLst>
   </p:cSld>
@@ -1378,38 +3888,61 @@
       </p:grpSpPr>
       <p:sp>
         <p:nvSpPr>
-          <p:cNvPr id="3" name="Text Placeholder 2"/>
-          <p:cNvSpPr>
-            <a:spLocks noGrp="1"/>
-          </p:cNvSpPr>
-          <p:nvPr>
-            <p:ph type="body" idx="1"/>
+          <p:cNvPr id="2" name="Title 1"/>
+          <p:cNvSpPr>
+            <a:spLocks noGrp="1"/>
+          </p:cNvSpPr>
+          <p:nvPr>
+            <p:ph type="title"/>
           </p:nvPr>
         </p:nvSpPr>
         <p:spPr>
           <a:xfrm>
-            <a:off x="1583436" y="2313433"/>
-            <a:ext cx="4270248" cy="704087"/>
+            <a:off x="913795" y="609600"/>
+            <a:ext cx="10353761" cy="1325563"/>
           </a:xfrm>
         </p:spPr>
         <p:txBody>
-          <a:bodyPr anchor="b" anchorCtr="1">
-            <a:normAutofit/>
-          </a:bodyPr>
+          <a:bodyPr/>
+          <a:lstStyle/>
+          <a:p>
+            <a:r>
+              <a:rPr lang="en-US"/>
+              <a:t>Click to edit Master title style</a:t>
+            </a:r>
+            <a:endParaRPr lang="en-US" dirty="0"/>
+          </a:p>
+        </p:txBody>
+      </p:sp>
+      <p:sp>
+        <p:nvSpPr>
+          <p:cNvPr id="3" name="Text Placeholder 2"/>
+          <p:cNvSpPr>
+            <a:spLocks noGrp="1"/>
+          </p:cNvSpPr>
+          <p:nvPr>
+            <p:ph type="body" idx="1"/>
+          </p:nvPr>
+        </p:nvSpPr>
+        <p:spPr>
+          <a:xfrm>
+            <a:off x="1141804" y="2088320"/>
+            <a:ext cx="4879199" cy="823912"/>
+          </a:xfrm>
+        </p:spPr>
+        <p:txBody>
+          <a:bodyPr anchor="b"/>
           <a:lstStyle>
-            <a:lvl1pPr marL="0" indent="0" algn="ctr">
-              <a:buNone/>
-              <a:defRPr sz="1900" b="0" cap="all" spc="100" baseline="0">
-                <a:solidFill>
-                  <a:schemeClr val="accent2">
-                    <a:lumMod val="75000"/>
-                  </a:schemeClr>
-                </a:solidFill>
-              </a:defRPr>
+            <a:lvl1pPr marL="0" indent="0">
+              <a:lnSpc>
+                <a:spcPct val="100000"/>
+              </a:lnSpc>
+              <a:buNone/>
+              <a:defRPr sz="2400" b="1"/>
             </a:lvl1pPr>
             <a:lvl2pPr marL="457200" indent="0">
               <a:buNone/>
-              <a:defRPr sz="1900" b="1"/>
+              <a:defRPr sz="2000" b="1"/>
             </a:lvl2pPr>
             <a:lvl3pPr marL="914400" indent="0">
               <a:buNone/>
@@ -1461,8 +3994,8 @@
         </p:nvSpPr>
         <p:spPr>
           <a:xfrm>
-            <a:off x="1583436" y="3143250"/>
-            <a:ext cx="4270248" cy="2596776"/>
+            <a:off x="913795" y="2912232"/>
+            <a:ext cx="5107208" cy="2878968"/>
           </a:xfrm>
         </p:spPr>
         <p:txBody>
@@ -1508,99 +4041,33 @@
       </p:sp>
       <p:sp>
         <p:nvSpPr>
-          <p:cNvPr id="6" name="Content Placeholder 5"/>
-          <p:cNvSpPr>
-            <a:spLocks noGrp="1"/>
-          </p:cNvSpPr>
-          <p:nvPr>
-            <p:ph sz="quarter" idx="4"/>
+          <p:cNvPr id="5" name="Text Placeholder 4"/>
+          <p:cNvSpPr>
+            <a:spLocks noGrp="1"/>
+          </p:cNvSpPr>
+          <p:nvPr>
+            <p:ph type="body" sz="quarter" idx="3"/>
           </p:nvPr>
         </p:nvSpPr>
         <p:spPr>
           <a:xfrm>
-            <a:off x="6338316" y="3143250"/>
-            <a:ext cx="4253484" cy="2596776"/>
+            <a:off x="6402003" y="2088320"/>
+            <a:ext cx="4865554" cy="823912"/>
           </a:xfrm>
         </p:spPr>
         <p:txBody>
-          <a:bodyPr/>
+          <a:bodyPr anchor="b"/>
           <a:lstStyle>
-            <a:lvl5pPr>
-              <a:defRPr/>
-            </a:lvl5pPr>
-          </a:lstStyle>
-          <a:p>
-            <a:pPr lvl="0"/>
-            <a:r>
-              <a:rPr lang="en-US"/>
-              <a:t>Click to edit Master text styles</a:t>
-            </a:r>
-          </a:p>
-          <a:p>
-            <a:pPr lvl="1"/>
-            <a:r>
-              <a:rPr lang="en-US"/>
-              <a:t>Second level</a:t>
-            </a:r>
-          </a:p>
-          <a:p>
-            <a:pPr lvl="2"/>
-            <a:r>
-              <a:rPr lang="en-US"/>
-              <a:t>Third level</a:t>
-            </a:r>
-          </a:p>
-          <a:p>
-            <a:pPr lvl="3"/>
-            <a:r>
-              <a:rPr lang="en-US"/>
-              <a:t>Fourth level</a:t>
-            </a:r>
-          </a:p>
-          <a:p>
-            <a:pPr lvl="4"/>
-            <a:r>
-              <a:rPr lang="en-US"/>
-              <a:t>Fifth level</a:t>
-            </a:r>
-            <a:endParaRPr lang="en-US" dirty="0"/>
-          </a:p>
-        </p:txBody>
-      </p:sp>
-      <p:sp>
-        <p:nvSpPr>
-          <p:cNvPr id="11" name="Text Placeholder 4"/>
-          <p:cNvSpPr>
-            <a:spLocks noGrp="1"/>
-          </p:cNvSpPr>
-          <p:nvPr>
-            <p:ph type="body" sz="quarter" idx="13"/>
-          </p:nvPr>
-        </p:nvSpPr>
-        <p:spPr>
-          <a:xfrm>
-            <a:off x="6338316" y="2313433"/>
-            <a:ext cx="4270248" cy="704087"/>
-          </a:xfrm>
-        </p:spPr>
-        <p:txBody>
-          <a:bodyPr anchor="b" anchorCtr="1">
-            <a:normAutofit/>
-          </a:bodyPr>
-          <a:lstStyle>
-            <a:lvl1pPr marL="0" indent="0" algn="ctr">
-              <a:buNone/>
-              <a:defRPr sz="1900" b="0" cap="all" spc="100" baseline="0">
-                <a:solidFill>
-                  <a:schemeClr val="accent2">
-                    <a:lumMod val="75000"/>
-                  </a:schemeClr>
-                </a:solidFill>
-              </a:defRPr>
+            <a:lvl1pPr marL="0" indent="0">
+              <a:lnSpc>
+                <a:spcPct val="100000"/>
+              </a:lnSpc>
+              <a:buNone/>
+              <a:defRPr sz="2400" b="1"/>
             </a:lvl1pPr>
             <a:lvl2pPr marL="457200" indent="0">
               <a:buNone/>
-              <a:defRPr sz="1900" b="1"/>
+              <a:defRPr sz="2000" b="1"/>
             </a:lvl2pPr>
             <a:lvl3pPr marL="914400" indent="0">
               <a:buNone/>
@@ -1637,6 +4104,63 @@
               <a:rPr lang="en-US"/>
               <a:t>Click to edit Master text styles</a:t>
             </a:r>
+          </a:p>
+        </p:txBody>
+      </p:sp>
+      <p:sp>
+        <p:nvSpPr>
+          <p:cNvPr id="6" name="Content Placeholder 5"/>
+          <p:cNvSpPr>
+            <a:spLocks noGrp="1"/>
+          </p:cNvSpPr>
+          <p:nvPr>
+            <p:ph sz="quarter" idx="4"/>
+          </p:nvPr>
+        </p:nvSpPr>
+        <p:spPr>
+          <a:xfrm>
+            <a:off x="6172200" y="2912232"/>
+            <a:ext cx="5095357" cy="2878968"/>
+          </a:xfrm>
+        </p:spPr>
+        <p:txBody>
+          <a:bodyPr/>
+          <a:lstStyle/>
+          <a:p>
+            <a:pPr lvl="0"/>
+            <a:r>
+              <a:rPr lang="en-US"/>
+              <a:t>Click to edit Master text styles</a:t>
+            </a:r>
+          </a:p>
+          <a:p>
+            <a:pPr lvl="1"/>
+            <a:r>
+              <a:rPr lang="en-US"/>
+              <a:t>Second level</a:t>
+            </a:r>
+          </a:p>
+          <a:p>
+            <a:pPr lvl="2"/>
+            <a:r>
+              <a:rPr lang="en-US"/>
+              <a:t>Third level</a:t>
+            </a:r>
+          </a:p>
+          <a:p>
+            <a:pPr lvl="3"/>
+            <a:r>
+              <a:rPr lang="en-US"/>
+              <a:t>Fourth level</a:t>
+            </a:r>
+          </a:p>
+          <a:p>
+            <a:pPr lvl="4"/>
+            <a:r>
+              <a:rPr lang="en-US"/>
+              <a:t>Fifth level</a:t>
+            </a:r>
+            <a:endParaRPr lang="en-US" dirty="0"/>
           </a:p>
         </p:txBody>
       </p:sp>
@@ -1705,33 +4229,10 @@
           </a:p>
         </p:txBody>
       </p:sp>
-      <p:sp>
-        <p:nvSpPr>
-          <p:cNvPr id="10" name="Title 9"/>
-          <p:cNvSpPr>
-            <a:spLocks noGrp="1"/>
-          </p:cNvSpPr>
-          <p:nvPr>
-            <p:ph type="title"/>
-          </p:nvPr>
-        </p:nvSpPr>
-        <p:spPr/>
-        <p:txBody>
-          <a:bodyPr/>
-          <a:lstStyle/>
-          <a:p>
-            <a:r>
-              <a:rPr lang="en-US"/>
-              <a:t>Click to edit Master title style</a:t>
-            </a:r>
-            <a:endParaRPr lang="en-US" dirty="0"/>
-          </a:p>
-        </p:txBody>
-      </p:sp>
     </p:spTree>
     <p:extLst>
       <p:ext uri="{BB962C8B-B14F-4D97-AF65-F5344CB8AC3E}">
-        <p14:creationId xmlns:p14="http://schemas.microsoft.com/office/powerpoint/2010/main" val="3403248719"/>
+        <p14:creationId xmlns:p14="http://schemas.microsoft.com/office/powerpoint/2010/main" val="1111572805"/>
       </p:ext>
     </p:extLst>
   </p:cSld>
@@ -1849,7 +4350,7 @@
     </p:spTree>
     <p:extLst>
       <p:ext uri="{BB962C8B-B14F-4D97-AF65-F5344CB8AC3E}">
-        <p14:creationId xmlns:p14="http://schemas.microsoft.com/office/powerpoint/2010/main" val="591382608"/>
+        <p14:creationId xmlns:p14="http://schemas.microsoft.com/office/powerpoint/2010/main" val="727676780"/>
       </p:ext>
     </p:extLst>
   </p:cSld>
@@ -1944,7 +4445,7 @@
     </p:spTree>
     <p:extLst>
       <p:ext uri="{BB962C8B-B14F-4D97-AF65-F5344CB8AC3E}">
-        <p14:creationId xmlns:p14="http://schemas.microsoft.com/office/powerpoint/2010/main" val="3992939384"/>
+        <p14:creationId xmlns:p14="http://schemas.microsoft.com/office/powerpoint/2010/main" val="2975146115"/>
       </p:ext>
     </p:extLst>
   </p:cSld>
@@ -1973,77 +4474,27 @@
       </p:grpSpPr>
       <p:sp>
         <p:nvSpPr>
-          <p:cNvPr id="26" name="Rectangle 25"/>
-          <p:cNvSpPr/>
-          <p:nvPr/>
+          <p:cNvPr id="2" name="Title 1"/>
+          <p:cNvSpPr>
+            <a:spLocks noGrp="1"/>
+          </p:cNvSpPr>
+          <p:nvPr>
+            <p:ph type="title"/>
+          </p:nvPr>
         </p:nvSpPr>
         <p:spPr>
           <a:xfrm>
-            <a:off x="0" y="0"/>
-            <a:ext cx="6096000" cy="6858000"/>
+            <a:off x="917228" y="609600"/>
+            <a:ext cx="3932237" cy="2362200"/>
           </a:xfrm>
-          <a:prstGeom prst="rect">
-            <a:avLst/>
-          </a:prstGeom>
-          <a:solidFill>
-            <a:schemeClr val="accent2"/>
-          </a:solidFill>
-          <a:ln>
-            <a:noFill/>
-          </a:ln>
         </p:spPr>
-        <p:style>
-          <a:lnRef idx="2">
-            <a:schemeClr val="accent1">
-              <a:shade val="50000"/>
-            </a:schemeClr>
-          </a:lnRef>
-          <a:fillRef idx="1">
-            <a:schemeClr val="accent1"/>
-          </a:fillRef>
-          <a:effectRef idx="0">
-            <a:schemeClr val="accent1"/>
-          </a:effectRef>
-          <a:fontRef idx="minor">
-            <a:schemeClr val="lt1"/>
-          </a:fontRef>
-        </p:style>
-      </p:sp>
-      <p:sp>
-        <p:nvSpPr>
-          <p:cNvPr id="2" name="Title 1"/>
-          <p:cNvSpPr>
-            <a:spLocks noGrp="1"/>
-          </p:cNvSpPr>
-          <p:nvPr>
-            <p:ph type="title"/>
-          </p:nvPr>
-        </p:nvSpPr>
-        <p:spPr bwMode="blackWhite">
-          <a:xfrm>
-            <a:off x="804672" y="2243828"/>
-            <a:ext cx="4486656" cy="1141497"/>
-          </a:xfrm>
-          <a:solidFill>
-            <a:srgbClr val="FFFFFF"/>
-          </a:solidFill>
-          <a:ln>
-            <a:solidFill>
-              <a:srgbClr val="404040"/>
-            </a:solidFill>
-          </a:ln>
-        </p:spPr>
-        <p:txBody>
-          <a:bodyPr anchor="ctr" anchorCtr="1">
+        <p:txBody>
+          <a:bodyPr anchor="b">
             <a:normAutofit/>
           </a:bodyPr>
           <a:lstStyle>
             <a:lvl1pPr>
-              <a:defRPr sz="2200">
-                <a:solidFill>
-                  <a:srgbClr val="262626"/>
-                </a:solidFill>
-              </a:defRPr>
+              <a:defRPr sz="2800"/>
             </a:lvl1pPr>
           </a:lstStyle>
           <a:p>
@@ -2067,63 +4518,13 @@
         </p:nvSpPr>
         <p:spPr>
           <a:xfrm>
-            <a:off x="6736080" y="804672"/>
-            <a:ext cx="4815840" cy="5248656"/>
+            <a:off x="5078064" y="609600"/>
+            <a:ext cx="6189492" cy="5181600"/>
           </a:xfrm>
         </p:spPr>
         <p:txBody>
-          <a:bodyPr>
-            <a:normAutofit/>
-          </a:bodyPr>
-          <a:lstStyle>
-            <a:lvl1pPr>
-              <a:defRPr sz="1900">
-                <a:solidFill>
-                  <a:schemeClr val="tx1"/>
-                </a:solidFill>
-              </a:defRPr>
-            </a:lvl1pPr>
-            <a:lvl2pPr>
-              <a:defRPr sz="1600">
-                <a:solidFill>
-                  <a:schemeClr val="tx1"/>
-                </a:solidFill>
-              </a:defRPr>
-            </a:lvl2pPr>
-            <a:lvl3pPr>
-              <a:defRPr sz="1600">
-                <a:solidFill>
-                  <a:schemeClr val="tx1"/>
-                </a:solidFill>
-              </a:defRPr>
-            </a:lvl3pPr>
-            <a:lvl4pPr>
-              <a:defRPr sz="1600">
-                <a:solidFill>
-                  <a:schemeClr val="tx1"/>
-                </a:solidFill>
-              </a:defRPr>
-            </a:lvl4pPr>
-            <a:lvl5pPr>
-              <a:defRPr sz="1600">
-                <a:solidFill>
-                  <a:schemeClr val="tx1"/>
-                </a:solidFill>
-              </a:defRPr>
-            </a:lvl5pPr>
-            <a:lvl6pPr>
-              <a:defRPr sz="1600"/>
-            </a:lvl6pPr>
-            <a:lvl7pPr>
-              <a:defRPr sz="1600"/>
-            </a:lvl7pPr>
-            <a:lvl8pPr>
-              <a:defRPr sz="1600"/>
-            </a:lvl8pPr>
-            <a:lvl9pPr>
-              <a:defRPr sz="1600"/>
-            </a:lvl9pPr>
-          </a:lstStyle>
+          <a:bodyPr anchor="ctr"/>
+          <a:lstStyle/>
           <a:p>
             <a:pPr lvl="0"/>
             <a:r>
@@ -2174,22 +4575,16 @@
         </p:nvSpPr>
         <p:spPr>
           <a:xfrm>
-            <a:off x="1115568" y="3549918"/>
-            <a:ext cx="3794760" cy="2194036"/>
+            <a:off x="917228" y="2971800"/>
+            <a:ext cx="3932237" cy="2819399"/>
           </a:xfrm>
         </p:spPr>
         <p:txBody>
-          <a:bodyPr anchor="t" anchorCtr="1">
-            <a:normAutofit/>
-          </a:bodyPr>
+          <a:bodyPr/>
           <a:lstStyle>
             <a:lvl1pPr marL="0" indent="0" algn="ctr">
               <a:buNone/>
-              <a:defRPr sz="1500">
-                <a:solidFill>
-                  <a:srgbClr val="FFFFFF"/>
-                </a:solidFill>
-              </a:defRPr>
+              <a:defRPr sz="1600"/>
             </a:lvl1pPr>
             <a:lvl2pPr marL="457200" indent="0">
               <a:buNone/>
@@ -2235,7 +4630,7 @@
       </p:sp>
       <p:sp>
         <p:nvSpPr>
-          <p:cNvPr id="9" name="Date Placeholder 8"/>
+          <p:cNvPr id="5" name="Date Placeholder 4"/>
           <p:cNvSpPr>
             <a:spLocks noGrp="1"/>
           </p:cNvSpPr>
@@ -2258,7 +4653,7 @@
       </p:sp>
       <p:sp>
         <p:nvSpPr>
-          <p:cNvPr id="10" name="Footer Placeholder 9"/>
+          <p:cNvPr id="6" name="Footer Placeholder 5"/>
           <p:cNvSpPr>
             <a:spLocks noGrp="1"/>
           </p:cNvSpPr>
@@ -2266,25 +4661,10 @@
             <p:ph type="ftr" sz="quarter" idx="11"/>
           </p:nvPr>
         </p:nvSpPr>
-        <p:spPr>
-          <a:xfrm>
-            <a:off x="804672" y="6236208"/>
-            <a:ext cx="5124797" cy="320040"/>
-          </a:xfrm>
-        </p:spPr>
+        <p:spPr/>
         <p:txBody>
           <a:bodyPr/>
-          <a:lstStyle>
-            <a:lvl1pPr>
-              <a:defRPr>
-                <a:solidFill>
-                  <a:srgbClr val="FFFFFF">
-                    <a:alpha val="70000"/>
-                  </a:srgbClr>
-                </a:solidFill>
-              </a:defRPr>
-            </a:lvl1pPr>
-          </a:lstStyle>
+          <a:lstStyle/>
           <a:p>
             <a:endParaRPr lang="en-IN"/>
           </a:p>
@@ -2292,7 +4672,7 @@
       </p:sp>
       <p:sp>
         <p:nvSpPr>
-          <p:cNvPr id="11" name="Slide Number Placeholder 10"/>
+          <p:cNvPr id="7" name="Slide Number Placeholder 6"/>
           <p:cNvSpPr>
             <a:spLocks noGrp="1"/>
           </p:cNvSpPr>
@@ -2316,7 +4696,7 @@
     </p:spTree>
     <p:extLst>
       <p:ext uri="{BB962C8B-B14F-4D97-AF65-F5344CB8AC3E}">
-        <p14:creationId xmlns:p14="http://schemas.microsoft.com/office/powerpoint/2010/main" val="2223867192"/>
+        <p14:creationId xmlns:p14="http://schemas.microsoft.com/office/powerpoint/2010/main" val="1038966"/>
       </p:ext>
     </p:extLst>
   </p:cSld>
@@ -2345,77 +4725,27 @@
       </p:grpSpPr>
       <p:sp>
         <p:nvSpPr>
-          <p:cNvPr id="18" name="Rectangle 17"/>
-          <p:cNvSpPr/>
-          <p:nvPr/>
+          <p:cNvPr id="2" name="Title 1"/>
+          <p:cNvSpPr>
+            <a:spLocks noGrp="1"/>
+          </p:cNvSpPr>
+          <p:nvPr>
+            <p:ph type="title"/>
+          </p:nvPr>
         </p:nvSpPr>
         <p:spPr>
           <a:xfrm>
-            <a:off x="0" y="0"/>
-            <a:ext cx="6095999" cy="6858000"/>
+            <a:off x="917227" y="609600"/>
+            <a:ext cx="5929773" cy="2362200"/>
           </a:xfrm>
-          <a:prstGeom prst="rect">
-            <a:avLst/>
-          </a:prstGeom>
-          <a:solidFill>
-            <a:schemeClr val="accent2"/>
-          </a:solidFill>
-          <a:ln>
-            <a:noFill/>
-          </a:ln>
         </p:spPr>
-        <p:style>
-          <a:lnRef idx="2">
-            <a:schemeClr val="accent1">
-              <a:shade val="50000"/>
-            </a:schemeClr>
-          </a:lnRef>
-          <a:fillRef idx="1">
-            <a:schemeClr val="accent1"/>
-          </a:fillRef>
-          <a:effectRef idx="0">
-            <a:schemeClr val="accent1"/>
-          </a:effectRef>
-          <a:fontRef idx="minor">
-            <a:schemeClr val="lt1"/>
-          </a:fontRef>
-        </p:style>
-      </p:sp>
-      <p:sp>
-        <p:nvSpPr>
-          <p:cNvPr id="2" name="Title 1"/>
-          <p:cNvSpPr>
-            <a:spLocks noGrp="1"/>
-          </p:cNvSpPr>
-          <p:nvPr>
-            <p:ph type="title"/>
-          </p:nvPr>
-        </p:nvSpPr>
-        <p:spPr bwMode="blackWhite">
-          <a:xfrm>
-            <a:off x="808523" y="2243828"/>
-            <a:ext cx="4494998" cy="1134640"/>
-          </a:xfrm>
-          <a:solidFill>
-            <a:srgbClr val="FFFFFF"/>
-          </a:solidFill>
-          <a:ln>
-            <a:solidFill>
-              <a:srgbClr val="404040"/>
-            </a:solidFill>
-          </a:ln>
-        </p:spPr>
-        <p:txBody>
-          <a:bodyPr anchor="ctr" anchorCtr="1">
-            <a:noAutofit/>
+        <p:txBody>
+          <a:bodyPr anchor="b">
+            <a:normAutofit/>
           </a:bodyPr>
           <a:lstStyle>
             <a:lvl1pPr>
-              <a:defRPr sz="2200">
-                <a:solidFill>
-                  <a:srgbClr val="262626"/>
-                </a:solidFill>
-              </a:defRPr>
+              <a:defRPr sz="3200"/>
             </a:lvl1pPr>
           </a:lstStyle>
           <a:p>
@@ -2439,28 +4769,42 @@
         </p:nvSpPr>
         <p:spPr>
           <a:xfrm>
-            <a:off x="6095999" y="0"/>
-            <a:ext cx="6102097" cy="6858000"/>
+            <a:off x="7424804" y="758881"/>
+            <a:ext cx="3255356" cy="4883038"/>
           </a:xfrm>
-          <a:solidFill>
-            <a:schemeClr val="bg1">
-              <a:lumMod val="75000"/>
-            </a:schemeClr>
-          </a:solidFill>
+          <a:noFill/>
+          <a:ln w="190500" cap="sq">
+            <a:solidFill>
+              <a:srgbClr val="FFFFFF"/>
+            </a:solidFill>
+            <a:miter lim="800000"/>
+          </a:ln>
+          <a:effectLst>
+            <a:outerShdw blurRad="55000" dist="18000" dir="5400000" algn="tl" rotWithShape="0">
+              <a:srgbClr val="000000">
+                <a:alpha val="40000"/>
+              </a:srgbClr>
+            </a:outerShdw>
+          </a:effectLst>
+          <a:scene3d>
+            <a:camera prst="orthographicFront"/>
+            <a:lightRig rig="twoPt" dir="t">
+              <a:rot lat="0" lon="0" rev="7200000"/>
+            </a:lightRig>
+          </a:scene3d>
+          <a:sp3d>
+            <a:bevelT w="25400" h="19050"/>
+            <a:contourClr>
+              <a:srgbClr val="FFFFFF"/>
+            </a:contourClr>
+          </a:sp3d>
         </p:spPr>
         <p:txBody>
           <a:bodyPr anchor="t"/>
           <a:lstStyle>
-            <a:lvl1pPr marL="0" indent="0">
-              <a:buNone/>
-              <a:defRPr sz="3200">
-                <a:solidFill>
-                  <a:schemeClr val="bg1">
-                    <a:lumMod val="85000"/>
-                    <a:lumOff val="15000"/>
-                  </a:schemeClr>
-                </a:solidFill>
-              </a:defRPr>
+            <a:lvl1pPr marL="0" indent="0" algn="ctr">
+              <a:buNone/>
+              <a:defRPr sz="3200"/>
             </a:lvl1pPr>
             <a:lvl2pPr marL="457200" indent="0">
               <a:buNone/>
@@ -2516,22 +4860,18 @@
         </p:nvSpPr>
         <p:spPr>
           <a:xfrm>
-            <a:off x="1115568" y="3549918"/>
-            <a:ext cx="3794760" cy="2194037"/>
+            <a:off x="913794" y="2971800"/>
+            <a:ext cx="5934950" cy="2819400"/>
           </a:xfrm>
         </p:spPr>
         <p:txBody>
-          <a:bodyPr anchor="t" anchorCtr="1">
+          <a:bodyPr>
             <a:normAutofit/>
           </a:bodyPr>
           <a:lstStyle>
             <a:lvl1pPr marL="0" indent="0" algn="ctr">
               <a:buNone/>
-              <a:defRPr sz="1500">
-                <a:solidFill>
-                  <a:srgbClr val="FFFFFF"/>
-                </a:solidFill>
-              </a:defRPr>
+              <a:defRPr sz="1800"/>
             </a:lvl1pPr>
             <a:lvl2pPr marL="457200" indent="0">
               <a:buNone/>
@@ -2577,7 +4917,7 @@
       </p:sp>
       <p:sp>
         <p:nvSpPr>
-          <p:cNvPr id="8" name="Date Placeholder 7"/>
+          <p:cNvPr id="5" name="Date Placeholder 4"/>
           <p:cNvSpPr>
             <a:spLocks noGrp="1"/>
           </p:cNvSpPr>
@@ -2588,22 +4928,7 @@
         <p:spPr/>
         <p:txBody>
           <a:bodyPr/>
-          <a:lstStyle>
-            <a:lvl1pPr>
-              <a:defRPr>
-                <a:solidFill>
-                  <a:srgbClr val="FFFFFF"/>
-                </a:solidFill>
-                <a:effectLst>
-                  <a:outerShdw blurRad="50800" dist="38100" dir="2700000" algn="tl" rotWithShape="0">
-                    <a:prstClr val="black">
-                      <a:alpha val="43000"/>
-                    </a:prstClr>
-                  </a:outerShdw>
-                </a:effectLst>
-              </a:defRPr>
-            </a:lvl1pPr>
-          </a:lstStyle>
+          <a:lstStyle/>
           <a:p>
             <a:fld id="{C65BE62A-A831-4D6A-9088-AC2AF82C5408}" type="datetimeFigureOut">
               <a:rPr lang="en-IN" smtClean="0"/>
@@ -2615,7 +4940,7 @@
       </p:sp>
       <p:sp>
         <p:nvSpPr>
-          <p:cNvPr id="9" name="Footer Placeholder 8"/>
+          <p:cNvPr id="6" name="Footer Placeholder 5"/>
           <p:cNvSpPr>
             <a:spLocks noGrp="1"/>
           </p:cNvSpPr>
@@ -2623,25 +4948,10 @@
             <p:ph type="ftr" sz="quarter" idx="11"/>
           </p:nvPr>
         </p:nvSpPr>
-        <p:spPr>
-          <a:xfrm>
-            <a:off x="804672" y="6236208"/>
-            <a:ext cx="5124797" cy="320040"/>
-          </a:xfrm>
-        </p:spPr>
+        <p:spPr/>
         <p:txBody>
           <a:bodyPr/>
-          <a:lstStyle>
-            <a:lvl1pPr>
-              <a:defRPr>
-                <a:solidFill>
-                  <a:srgbClr val="FFFFFF">
-                    <a:alpha val="70000"/>
-                  </a:srgbClr>
-                </a:solidFill>
-              </a:defRPr>
-            </a:lvl1pPr>
-          </a:lstStyle>
+          <a:lstStyle/>
           <a:p>
             <a:endParaRPr lang="en-IN"/>
           </a:p>
@@ -2649,7 +4959,7 @@
       </p:sp>
       <p:sp>
         <p:nvSpPr>
-          <p:cNvPr id="10" name="Slide Number Placeholder 9"/>
+          <p:cNvPr id="7" name="Slide Number Placeholder 6"/>
           <p:cNvSpPr>
             <a:spLocks noGrp="1"/>
           </p:cNvSpPr>
@@ -2673,7 +4983,7 @@
     </p:spTree>
     <p:extLst>
       <p:ext uri="{BB962C8B-B14F-4D97-AF65-F5344CB8AC3E}">
-        <p14:creationId xmlns:p14="http://schemas.microsoft.com/office/powerpoint/2010/main" val="3434015687"/>
+        <p14:creationId xmlns:p14="http://schemas.microsoft.com/office/powerpoint/2010/main" val="1304890704"/>
       </p:ext>
     </p:extLst>
   </p:cSld>
@@ -2687,14 +4997,9 @@
 <p:sldMaster xmlns:a="http://schemas.openxmlformats.org/drawingml/2006/main" xmlns:r="http://schemas.openxmlformats.org/officeDocument/2006/relationships" xmlns:p="http://schemas.openxmlformats.org/presentationml/2006/main">
   <p:cSld>
     <p:bg>
-      <p:bgPr>
-        <a:solidFill>
-          <a:schemeClr val="bg1">
-            <a:lumMod val="95000"/>
-          </a:schemeClr>
-        </a:solidFill>
-        <a:effectLst/>
-      </p:bgPr>
+      <p:bgRef idx="1003">
+        <a:schemeClr val="bg2"/>
+      </p:bgRef>
     </p:bg>
     <p:spTree>
       <p:nvGrpSpPr>
@@ -2720,95 +5025,24 @@
             <p:ph type="title"/>
           </p:nvPr>
         </p:nvSpPr>
-        <p:spPr bwMode="black">
-          <a:xfrm>
-            <a:off x="2231136" y="964692"/>
-            <a:ext cx="7729728" cy="1188720"/>
-          </a:xfrm>
-          <a:prstGeom prst="rect">
-            <a:avLst/>
-          </a:prstGeom>
-          <a:solidFill>
-            <a:srgbClr val="FFFFFF"/>
-          </a:solidFill>
-          <a:ln w="31750" cap="sq">
-            <a:solidFill>
-              <a:srgbClr val="404040"/>
-            </a:solidFill>
-            <a:miter lim="800000"/>
-          </a:ln>
-        </p:spPr>
-        <p:txBody>
-          <a:bodyPr vert="horz" lIns="182880" tIns="182880" rIns="182880" bIns="182880" rtlCol="0" anchor="ctr">
-            <a:normAutofit/>
-          </a:bodyPr>
-          <a:lstStyle/>
-          <a:p>
-            <a:r>
-              <a:rPr lang="en-US"/>
-              <a:t>Click to edit Master title style</a:t>
-            </a:r>
-            <a:endParaRPr lang="en-US" dirty="0"/>
-          </a:p>
-        </p:txBody>
-      </p:sp>
-      <p:sp>
-        <p:nvSpPr>
-          <p:cNvPr id="3" name="Text Placeholder 2"/>
-          <p:cNvSpPr>
-            <a:spLocks noGrp="1"/>
-          </p:cNvSpPr>
-          <p:nvPr>
-            <p:ph type="body" idx="1"/>
-          </p:nvPr>
-        </p:nvSpPr>
         <p:spPr>
           <a:xfrm>
-            <a:off x="2231136" y="2638044"/>
-            <a:ext cx="7729728" cy="3101983"/>
+            <a:off x="913795" y="609600"/>
+            <a:ext cx="10353761" cy="1326321"/>
           </a:xfrm>
           <a:prstGeom prst="rect">
             <a:avLst/>
           </a:prstGeom>
         </p:spPr>
         <p:txBody>
-          <a:bodyPr vert="horz" lIns="91440" tIns="45720" rIns="91440" bIns="45720" rtlCol="0">
+          <a:bodyPr vert="horz" lIns="91440" tIns="45720" rIns="91440" bIns="45720" rtlCol="0" anchor="ctr">
             <a:normAutofit/>
           </a:bodyPr>
           <a:lstStyle/>
           <a:p>
-            <a:pPr lvl="0"/>
-            <a:r>
-              <a:rPr lang="en-US"/>
-              <a:t>Click to edit Master text styles</a:t>
-            </a:r>
-          </a:p>
-          <a:p>
-            <a:pPr lvl="1"/>
-            <a:r>
-              <a:rPr lang="en-US"/>
-              <a:t>Second level</a:t>
-            </a:r>
-          </a:p>
-          <a:p>
-            <a:pPr lvl="2"/>
-            <a:r>
-              <a:rPr lang="en-US"/>
-              <a:t>Third level</a:t>
-            </a:r>
-          </a:p>
-          <a:p>
-            <a:pPr lvl="3"/>
-            <a:r>
-              <a:rPr lang="en-US"/>
-              <a:t>Fourth level</a:t>
-            </a:r>
-          </a:p>
-          <a:p>
-            <a:pPr lvl="4"/>
-            <a:r>
-              <a:rPr lang="en-US"/>
-              <a:t>Fifth level</a:t>
+            <a:r>
+              <a:rPr lang="en-US"/>
+              <a:t>Click to edit Master title style</a:t>
             </a:r>
             <a:endParaRPr lang="en-US" dirty="0"/>
           </a:p>
@@ -2816,31 +5050,93 @@
       </p:sp>
       <p:sp>
         <p:nvSpPr>
-          <p:cNvPr id="4" name="Date Placeholder 3"/>
-          <p:cNvSpPr>
-            <a:spLocks noGrp="1"/>
-          </p:cNvSpPr>
-          <p:nvPr>
-            <p:ph type="dt" sz="half" idx="2"/>
+          <p:cNvPr id="3" name="Text Placeholder 2"/>
+          <p:cNvSpPr>
+            <a:spLocks noGrp="1"/>
+          </p:cNvSpPr>
+          <p:nvPr>
+            <p:ph type="body" idx="1"/>
           </p:nvPr>
         </p:nvSpPr>
         <p:spPr>
           <a:xfrm>
-            <a:off x="7821429" y="6238816"/>
-            <a:ext cx="2753746" cy="323968"/>
+            <a:off x="913795" y="2096064"/>
+            <a:ext cx="10353762" cy="3695136"/>
           </a:xfrm>
           <a:prstGeom prst="rect">
             <a:avLst/>
           </a:prstGeom>
         </p:spPr>
         <p:txBody>
+          <a:bodyPr vert="horz" lIns="91440" tIns="45720" rIns="91440" bIns="45720" rtlCol="0">
+            <a:normAutofit/>
+          </a:bodyPr>
+          <a:lstStyle/>
+          <a:p>
+            <a:pPr lvl="0"/>
+            <a:r>
+              <a:rPr lang="en-US"/>
+              <a:t>Click to edit Master text styles</a:t>
+            </a:r>
+          </a:p>
+          <a:p>
+            <a:pPr lvl="1"/>
+            <a:r>
+              <a:rPr lang="en-US"/>
+              <a:t>Second level</a:t>
+            </a:r>
+          </a:p>
+          <a:p>
+            <a:pPr lvl="2"/>
+            <a:r>
+              <a:rPr lang="en-US"/>
+              <a:t>Third level</a:t>
+            </a:r>
+          </a:p>
+          <a:p>
+            <a:pPr lvl="3"/>
+            <a:r>
+              <a:rPr lang="en-US"/>
+              <a:t>Fourth level</a:t>
+            </a:r>
+          </a:p>
+          <a:p>
+            <a:pPr lvl="4"/>
+            <a:r>
+              <a:rPr lang="en-US"/>
+              <a:t>Fifth level</a:t>
+            </a:r>
+            <a:endParaRPr lang="en-US" dirty="0"/>
+          </a:p>
+        </p:txBody>
+      </p:sp>
+      <p:sp>
+        <p:nvSpPr>
+          <p:cNvPr id="4" name="Date Placeholder 3"/>
+          <p:cNvSpPr>
+            <a:spLocks noGrp="1"/>
+          </p:cNvSpPr>
+          <p:nvPr>
+            <p:ph type="dt" sz="half" idx="2"/>
+          </p:nvPr>
+        </p:nvSpPr>
+        <p:spPr>
+          <a:xfrm>
+            <a:off x="7678736" y="5883275"/>
+            <a:ext cx="2743200" cy="365125"/>
+          </a:xfrm>
+          <a:prstGeom prst="rect">
+            <a:avLst/>
+          </a:prstGeom>
+        </p:spPr>
+        <p:txBody>
           <a:bodyPr vert="horz" lIns="91440" tIns="45720" rIns="91440" bIns="45720" rtlCol="0" anchor="ctr"/>
           <a:lstStyle>
             <a:lvl1pPr algn="r">
-              <a:defRPr sz="1050">
+              <a:defRPr sz="1000">
                 <a:solidFill>
                   <a:schemeClr val="tx1">
-                    <a:alpha val="70000"/>
+                    <a:tint val="75000"/>
                   </a:schemeClr>
                 </a:solidFill>
               </a:defRPr>
@@ -2867,8 +5163,8 @@
         </p:nvSpPr>
         <p:spPr>
           <a:xfrm>
-            <a:off x="1600200" y="6236208"/>
-            <a:ext cx="5901189" cy="320040"/>
+            <a:off x="913794" y="5883275"/>
+            <a:ext cx="6672865" cy="365125"/>
           </a:xfrm>
           <a:prstGeom prst="rect">
             <a:avLst/>
@@ -2878,10 +5174,10 @@
           <a:bodyPr vert="horz" lIns="91440" tIns="45720" rIns="91440" bIns="45720" rtlCol="0" anchor="ctr"/>
           <a:lstStyle>
             <a:lvl1pPr algn="l">
-              <a:defRPr sz="1050">
+              <a:defRPr sz="1000">
                 <a:solidFill>
                   <a:schemeClr val="tx1">
-                    <a:alpha val="70000"/>
+                    <a:tint val="75000"/>
                   </a:schemeClr>
                 </a:solidFill>
               </a:defRPr>
@@ -2904,27 +5200,22 @@
         </p:nvSpPr>
         <p:spPr>
           <a:xfrm>
-            <a:off x="10758922" y="6217920"/>
-            <a:ext cx="365760" cy="365760"/>
+            <a:off x="10514011" y="5883275"/>
+            <a:ext cx="753545" cy="365125"/>
           </a:xfrm>
-          <a:prstGeom prst="ellipse">
+          <a:prstGeom prst="rect">
             <a:avLst/>
           </a:prstGeom>
-          <a:solidFill>
-            <a:srgbClr val="1D1D1D">
-              <a:alpha val="70000"/>
-            </a:srgbClr>
-          </a:solidFill>
         </p:spPr>
         <p:txBody>
-          <a:bodyPr vert="horz" lIns="18288" tIns="45720" rIns="18288" bIns="45720" rtlCol="0" anchor="ctr">
-            <a:noAutofit/>
-          </a:bodyPr>
+          <a:bodyPr vert="horz" lIns="91440" tIns="45720" rIns="91440" bIns="45720" rtlCol="0" anchor="ctr"/>
           <a:lstStyle>
-            <a:lvl1pPr algn="ctr">
-              <a:defRPr sz="1100" spc="0" baseline="0">
+            <a:lvl1pPr algn="r">
+              <a:defRPr sz="1000">
                 <a:solidFill>
-                  <a:srgbClr val="FFFFFF"/>
+                  <a:schemeClr val="tx1">
+                    <a:tint val="75000"/>
+                  </a:schemeClr>
                 </a:solidFill>
               </a:defRPr>
             </a:lvl1pPr>
@@ -2941,23 +5232,29 @@
     </p:spTree>
     <p:extLst>
       <p:ext uri="{BB962C8B-B14F-4D97-AF65-F5344CB8AC3E}">
-        <p14:creationId xmlns:p14="http://schemas.microsoft.com/office/powerpoint/2010/main" val="3494747398"/>
+        <p14:creationId xmlns:p14="http://schemas.microsoft.com/office/powerpoint/2010/main" val="2328811994"/>
       </p:ext>
     </p:extLst>
   </p:cSld>
-  <p:clrMap bg1="lt1" tx1="dk1" bg2="lt2" tx2="dk2" accent1="accent1" accent2="accent2" accent3="accent3" accent4="accent4" accent5="accent5" accent6="accent6" hlink="hlink" folHlink="folHlink"/>
+  <p:clrMap bg1="dk1" tx1="lt1" bg2="dk2" tx2="lt2" accent1="accent1" accent2="accent2" accent3="accent3" accent4="accent4" accent5="accent5" accent6="accent6" hlink="hlink" folHlink="folHlink"/>
   <p:sldLayoutIdLst>
-    <p:sldLayoutId id="2147483661" r:id="rId1"/>
-    <p:sldLayoutId id="2147483662" r:id="rId2"/>
-    <p:sldLayoutId id="2147483663" r:id="rId3"/>
-    <p:sldLayoutId id="2147483664" r:id="rId4"/>
-    <p:sldLayoutId id="2147483665" r:id="rId5"/>
-    <p:sldLayoutId id="2147483666" r:id="rId6"/>
-    <p:sldLayoutId id="2147483667" r:id="rId7"/>
-    <p:sldLayoutId id="2147483668" r:id="rId8"/>
-    <p:sldLayoutId id="2147483669" r:id="rId9"/>
-    <p:sldLayoutId id="2147483670" r:id="rId10"/>
-    <p:sldLayoutId id="2147483671" r:id="rId11"/>
+    <p:sldLayoutId id="2147483685" r:id="rId1"/>
+    <p:sldLayoutId id="2147483686" r:id="rId2"/>
+    <p:sldLayoutId id="2147483687" r:id="rId3"/>
+    <p:sldLayoutId id="2147483688" r:id="rId4"/>
+    <p:sldLayoutId id="2147483689" r:id="rId5"/>
+    <p:sldLayoutId id="2147483690" r:id="rId6"/>
+    <p:sldLayoutId id="2147483691" r:id="rId7"/>
+    <p:sldLayoutId id="2147483692" r:id="rId8"/>
+    <p:sldLayoutId id="2147483693" r:id="rId9"/>
+    <p:sldLayoutId id="2147483694" r:id="rId10"/>
+    <p:sldLayoutId id="2147483695" r:id="rId11"/>
+    <p:sldLayoutId id="2147483696" r:id="rId12"/>
+    <p:sldLayoutId id="2147483697" r:id="rId13"/>
+    <p:sldLayoutId id="2147483698" r:id="rId14"/>
+    <p:sldLayoutId id="2147483699" r:id="rId15"/>
+    <p:sldLayoutId id="2147483700" r:id="rId16"/>
+    <p:sldLayoutId id="2147483701" r:id="rId17"/>
   </p:sldLayoutIdLst>
   <p:txStyles>
     <p:titleStyle>
@@ -2969,10 +5266,17 @@
           <a:spcPct val="0"/>
         </a:spcBef>
         <a:buNone/>
-        <a:defRPr sz="2800" kern="1200" cap="all" spc="200" baseline="0">
+        <a:defRPr sz="3400" b="1" i="0" kern="1200" cap="all">
           <a:solidFill>
-            <a:srgbClr val="262626"/>
+            <a:schemeClr val="tx1"/>
           </a:solidFill>
+          <a:effectLst>
+            <a:outerShdw blurRad="50800" dist="63500" dir="2700000" algn="tl" rotWithShape="0">
+              <a:srgbClr val="000000">
+                <a:alpha val="48000"/>
+              </a:srgbClr>
+            </a:outerShdw>
+          </a:effectLst>
           <a:latin typeface="+mj-lt"/>
           <a:ea typeface="+mj-ea"/>
           <a:cs typeface="+mj-cs"/>
@@ -2982,203 +5286,224 @@
     <p:bodyStyle>
       <a:lvl1pPr marL="228600" indent="-228600" algn="l" defTabSz="914400" rtl="0" eaLnBrk="1" latinLnBrk="0" hangingPunct="1">
         <a:lnSpc>
-          <a:spcPct val="100000"/>
+          <a:spcPct val="120000"/>
         </a:lnSpc>
         <a:spcBef>
           <a:spcPts val="1000"/>
         </a:spcBef>
-        <a:buClr>
-          <a:schemeClr val="accent2"/>
-        </a:buClr>
         <a:buFont typeface="Arial" panose="020B0604020202020204" pitchFamily="34" charset="0"/>
         <a:buChar char="•"/>
-        <a:defRPr sz="1800" kern="1200">
+        <a:defRPr sz="2000" kern="1200">
           <a:solidFill>
-            <a:schemeClr val="tx1">
-              <a:lumMod val="85000"/>
-              <a:lumOff val="15000"/>
-            </a:schemeClr>
+            <a:schemeClr val="tx1"/>
           </a:solidFill>
+          <a:effectLst>
+            <a:outerShdw blurRad="50800" dist="38100" dir="2700000" algn="tl" rotWithShape="0">
+              <a:srgbClr val="000000">
+                <a:alpha val="48000"/>
+              </a:srgbClr>
+            </a:outerShdw>
+          </a:effectLst>
           <a:latin typeface="+mn-lt"/>
           <a:ea typeface="+mn-ea"/>
           <a:cs typeface="+mn-cs"/>
         </a:defRPr>
       </a:lvl1pPr>
-      <a:lvl2pPr marL="457200" indent="-228600" algn="l" defTabSz="914400" rtl="0" eaLnBrk="1" latinLnBrk="0" hangingPunct="1">
+      <a:lvl2pPr marL="685800" indent="-228600" algn="l" defTabSz="914400" rtl="0" eaLnBrk="1" latinLnBrk="0" hangingPunct="1">
         <a:lnSpc>
-          <a:spcPct val="100000"/>
+          <a:spcPct val="120000"/>
         </a:lnSpc>
         <a:spcBef>
-          <a:spcPts val="1000"/>
+          <a:spcPts val="500"/>
         </a:spcBef>
-        <a:buClr>
-          <a:schemeClr val="accent2"/>
-        </a:buClr>
         <a:buFont typeface="Arial" panose="020B0604020202020204" pitchFamily="34" charset="0"/>
         <a:buChar char="•"/>
-        <a:defRPr sz="1600" kern="1200">
+        <a:defRPr sz="1800" kern="1200">
           <a:solidFill>
-            <a:schemeClr val="tx1">
-              <a:lumMod val="85000"/>
-              <a:lumOff val="15000"/>
-            </a:schemeClr>
+            <a:schemeClr val="tx1"/>
           </a:solidFill>
+          <a:effectLst>
+            <a:outerShdw blurRad="50800" dist="38100" dir="2700000" algn="tl" rotWithShape="0">
+              <a:srgbClr val="000000">
+                <a:alpha val="48000"/>
+              </a:srgbClr>
+            </a:outerShdw>
+          </a:effectLst>
           <a:latin typeface="+mn-lt"/>
           <a:ea typeface="+mn-ea"/>
           <a:cs typeface="+mn-cs"/>
         </a:defRPr>
       </a:lvl2pPr>
-      <a:lvl3pPr marL="685800" indent="-228600" algn="l" defTabSz="914400" rtl="0" eaLnBrk="1" latinLnBrk="0" hangingPunct="1">
+      <a:lvl3pPr marL="1143000" indent="-228600" algn="l" defTabSz="914400" rtl="0" eaLnBrk="1" latinLnBrk="0" hangingPunct="1">
         <a:lnSpc>
-          <a:spcPct val="100000"/>
+          <a:spcPct val="120000"/>
         </a:lnSpc>
         <a:spcBef>
-          <a:spcPts val="1000"/>
+          <a:spcPts val="500"/>
         </a:spcBef>
-        <a:buClr>
-          <a:schemeClr val="accent2"/>
-        </a:buClr>
-        <a:buFont typeface="Arial" panose="020B0604020202020204" pitchFamily="34" charset="0"/>
-        <a:buChar char="•"/>
-        <a:defRPr sz="1600" kern="1200">
-          <a:solidFill>
-            <a:schemeClr val="tx1">
-              <a:lumMod val="85000"/>
-              <a:lumOff val="15000"/>
-            </a:schemeClr>
-          </a:solidFill>
-          <a:latin typeface="+mn-lt"/>
-          <a:ea typeface="+mn-ea"/>
-          <a:cs typeface="+mn-cs"/>
-        </a:defRPr>
-      </a:lvl3pPr>
-      <a:lvl4pPr marL="914400" indent="-228600" algn="l" defTabSz="914400" rtl="0" eaLnBrk="1" latinLnBrk="0" hangingPunct="1">
-        <a:lnSpc>
-          <a:spcPct val="100000"/>
-        </a:lnSpc>
-        <a:spcBef>
-          <a:spcPts val="1000"/>
-        </a:spcBef>
-        <a:buClr>
-          <a:schemeClr val="accent2"/>
-        </a:buClr>
-        <a:buFont typeface="Arial" panose="020B0604020202020204" pitchFamily="34" charset="0"/>
-        <a:buChar char="•"/>
-        <a:defRPr sz="1600" kern="1200">
-          <a:solidFill>
-            <a:schemeClr val="tx1">
-              <a:lumMod val="85000"/>
-              <a:lumOff val="15000"/>
-            </a:schemeClr>
-          </a:solidFill>
-          <a:latin typeface="+mn-lt"/>
-          <a:ea typeface="+mn-ea"/>
-          <a:cs typeface="+mn-cs"/>
-        </a:defRPr>
-      </a:lvl4pPr>
-      <a:lvl5pPr marL="1143000" indent="-228600" algn="l" defTabSz="914400" rtl="0" eaLnBrk="1" latinLnBrk="0" hangingPunct="1">
-        <a:lnSpc>
-          <a:spcPct val="100000"/>
-        </a:lnSpc>
-        <a:spcBef>
-          <a:spcPts val="1000"/>
-        </a:spcBef>
-        <a:buClr>
-          <a:schemeClr val="accent2"/>
-        </a:buClr>
-        <a:buFont typeface="Arial" panose="020B0604020202020204" pitchFamily="34" charset="0"/>
-        <a:buChar char="•"/>
-        <a:defRPr sz="1600" kern="1200">
-          <a:solidFill>
-            <a:schemeClr val="tx1">
-              <a:lumMod val="85000"/>
-              <a:lumOff val="15000"/>
-            </a:schemeClr>
-          </a:solidFill>
-          <a:latin typeface="+mn-lt"/>
-          <a:ea typeface="+mn-ea"/>
-          <a:cs typeface="+mn-cs"/>
-        </a:defRPr>
-      </a:lvl5pPr>
-      <a:lvl6pPr marL="1312863" indent="-228600" algn="l" defTabSz="914400" rtl="0" eaLnBrk="1" latinLnBrk="0" hangingPunct="1">
-        <a:lnSpc>
-          <a:spcPct val="100000"/>
-        </a:lnSpc>
-        <a:spcBef>
-          <a:spcPts val="1000"/>
-        </a:spcBef>
-        <a:buClr>
-          <a:schemeClr val="accent2"/>
-        </a:buClr>
         <a:buFont typeface="Arial" panose="020B0604020202020204" pitchFamily="34" charset="0"/>
         <a:buChar char="•"/>
         <a:defRPr sz="1600" kern="1200">
           <a:solidFill>
             <a:schemeClr val="tx1"/>
           </a:solidFill>
+          <a:effectLst>
+            <a:outerShdw blurRad="50800" dist="38100" dir="2700000" algn="tl" rotWithShape="0">
+              <a:srgbClr val="000000">
+                <a:alpha val="48000"/>
+              </a:srgbClr>
+            </a:outerShdw>
+          </a:effectLst>
+          <a:latin typeface="+mn-lt"/>
+          <a:ea typeface="+mn-ea"/>
+          <a:cs typeface="+mn-cs"/>
+        </a:defRPr>
+      </a:lvl3pPr>
+      <a:lvl4pPr marL="1600200" indent="-228600" algn="l" defTabSz="914400" rtl="0" eaLnBrk="1" latinLnBrk="0" hangingPunct="1">
+        <a:lnSpc>
+          <a:spcPct val="120000"/>
+        </a:lnSpc>
+        <a:spcBef>
+          <a:spcPts val="500"/>
+        </a:spcBef>
+        <a:buFont typeface="Arial" panose="020B0604020202020204" pitchFamily="34" charset="0"/>
+        <a:buChar char="•"/>
+        <a:defRPr sz="1400" kern="1200">
+          <a:solidFill>
+            <a:schemeClr val="tx1"/>
+          </a:solidFill>
+          <a:effectLst>
+            <a:outerShdw blurRad="50800" dist="38100" dir="2700000" algn="tl" rotWithShape="0">
+              <a:srgbClr val="000000">
+                <a:alpha val="48000"/>
+              </a:srgbClr>
+            </a:outerShdw>
+          </a:effectLst>
+          <a:latin typeface="+mn-lt"/>
+          <a:ea typeface="+mn-ea"/>
+          <a:cs typeface="+mn-cs"/>
+        </a:defRPr>
+      </a:lvl4pPr>
+      <a:lvl5pPr marL="2057400" indent="-228600" algn="l" defTabSz="914400" rtl="0" eaLnBrk="1" latinLnBrk="0" hangingPunct="1">
+        <a:lnSpc>
+          <a:spcPct val="120000"/>
+        </a:lnSpc>
+        <a:spcBef>
+          <a:spcPts val="500"/>
+        </a:spcBef>
+        <a:buFont typeface="Arial" panose="020B0604020202020204" pitchFamily="34" charset="0"/>
+        <a:buChar char="•"/>
+        <a:defRPr sz="1200" kern="1200">
+          <a:solidFill>
+            <a:schemeClr val="tx1"/>
+          </a:solidFill>
+          <a:effectLst>
+            <a:outerShdw blurRad="50800" dist="38100" dir="2700000" algn="tl" rotWithShape="0">
+              <a:srgbClr val="000000">
+                <a:alpha val="48000"/>
+              </a:srgbClr>
+            </a:outerShdw>
+          </a:effectLst>
+          <a:latin typeface="+mn-lt"/>
+          <a:ea typeface="+mn-ea"/>
+          <a:cs typeface="+mn-cs"/>
+        </a:defRPr>
+      </a:lvl5pPr>
+      <a:lvl6pPr marL="2514600" indent="-228600" algn="l" defTabSz="914400" rtl="0" eaLnBrk="1" latinLnBrk="0" hangingPunct="1">
+        <a:lnSpc>
+          <a:spcPct val="120000"/>
+        </a:lnSpc>
+        <a:spcBef>
+          <a:spcPts val="500"/>
+        </a:spcBef>
+        <a:buFont typeface="Arial" panose="020B0604020202020204" pitchFamily="34" charset="0"/>
+        <a:buChar char="•"/>
+        <a:defRPr sz="1200" kern="1200">
+          <a:solidFill>
+            <a:schemeClr val="tx1"/>
+          </a:solidFill>
+          <a:effectLst>
+            <a:outerShdw blurRad="50800" dist="38100" dir="2700000" algn="tl" rotWithShape="0">
+              <a:srgbClr val="000000">
+                <a:alpha val="48000"/>
+              </a:srgbClr>
+            </a:outerShdw>
+          </a:effectLst>
           <a:latin typeface="+mn-lt"/>
           <a:ea typeface="+mn-ea"/>
           <a:cs typeface="+mn-cs"/>
         </a:defRPr>
       </a:lvl6pPr>
-      <a:lvl7pPr marL="1484313" indent="-228600" algn="l" defTabSz="914400" rtl="0" eaLnBrk="1" latinLnBrk="0" hangingPunct="1">
+      <a:lvl7pPr marL="2971800" indent="-228600" algn="l" defTabSz="914400" rtl="0" eaLnBrk="1" latinLnBrk="0" hangingPunct="1">
         <a:lnSpc>
-          <a:spcPct val="100000"/>
+          <a:spcPct val="120000"/>
         </a:lnSpc>
         <a:spcBef>
-          <a:spcPts val="1000"/>
+          <a:spcPts val="500"/>
         </a:spcBef>
-        <a:buClr>
-          <a:schemeClr val="accent2"/>
-        </a:buClr>
         <a:buFont typeface="Arial" panose="020B0604020202020204" pitchFamily="34" charset="0"/>
         <a:buChar char="•"/>
-        <a:defRPr sz="1600" kern="1200">
+        <a:defRPr sz="1200" kern="1200">
           <a:solidFill>
             <a:schemeClr val="tx1"/>
           </a:solidFill>
+          <a:effectLst>
+            <a:outerShdw blurRad="50800" dist="38100" dir="2700000" algn="tl" rotWithShape="0">
+              <a:srgbClr val="000000">
+                <a:alpha val="48000"/>
+              </a:srgbClr>
+            </a:outerShdw>
+          </a:effectLst>
           <a:latin typeface="+mn-lt"/>
           <a:ea typeface="+mn-ea"/>
           <a:cs typeface="+mn-cs"/>
         </a:defRPr>
       </a:lvl7pPr>
-      <a:lvl8pPr marL="1657350" indent="-228600" algn="l" defTabSz="914400" rtl="0" eaLnBrk="1" latinLnBrk="0" hangingPunct="1">
+      <a:lvl8pPr marL="3429000" indent="-228600" algn="l" defTabSz="914400" rtl="0" eaLnBrk="1" latinLnBrk="0" hangingPunct="1">
         <a:lnSpc>
-          <a:spcPct val="100000"/>
+          <a:spcPct val="120000"/>
         </a:lnSpc>
         <a:spcBef>
-          <a:spcPts val="1000"/>
+          <a:spcPts val="500"/>
         </a:spcBef>
-        <a:buClr>
-          <a:schemeClr val="accent2"/>
-        </a:buClr>
         <a:buFont typeface="Arial" panose="020B0604020202020204" pitchFamily="34" charset="0"/>
         <a:buChar char="•"/>
-        <a:defRPr sz="1600" kern="1200" baseline="0">
+        <a:defRPr sz="1200" kern="1200">
           <a:solidFill>
             <a:schemeClr val="tx1"/>
           </a:solidFill>
+          <a:effectLst>
+            <a:outerShdw blurRad="50800" dist="38100" dir="2700000" algn="tl" rotWithShape="0">
+              <a:srgbClr val="000000">
+                <a:alpha val="48000"/>
+              </a:srgbClr>
+            </a:outerShdw>
+          </a:effectLst>
           <a:latin typeface="+mn-lt"/>
           <a:ea typeface="+mn-ea"/>
           <a:cs typeface="+mn-cs"/>
         </a:defRPr>
       </a:lvl8pPr>
-      <a:lvl9pPr marL="1882775" indent="-228600" algn="l" defTabSz="914400" rtl="0" eaLnBrk="1" latinLnBrk="0" hangingPunct="1">
+      <a:lvl9pPr marL="3886200" indent="-228600" algn="l" defTabSz="914400" rtl="0" eaLnBrk="1" latinLnBrk="0" hangingPunct="1">
         <a:lnSpc>
-          <a:spcPct val="100000"/>
+          <a:spcPct val="120000"/>
         </a:lnSpc>
         <a:spcBef>
-          <a:spcPts val="1000"/>
+          <a:spcPts val="500"/>
         </a:spcBef>
-        <a:buClr>
-          <a:schemeClr val="accent2"/>
-        </a:buClr>
         <a:buFont typeface="Arial" panose="020B0604020202020204" pitchFamily="34" charset="0"/>
         <a:buChar char="•"/>
-        <a:defRPr sz="1600" kern="1200" baseline="0">
+        <a:defRPr sz="1200" kern="1200">
           <a:solidFill>
             <a:schemeClr val="tx1"/>
           </a:solidFill>
+          <a:effectLst>
+            <a:outerShdw blurRad="50800" dist="38100" dir="2700000" algn="tl" rotWithShape="0">
+              <a:srgbClr val="000000">
+                <a:alpha val="48000"/>
+              </a:srgbClr>
+            </a:outerShdw>
+          </a:effectLst>
           <a:latin typeface="+mn-lt"/>
           <a:ea typeface="+mn-ea"/>
           <a:cs typeface="+mn-cs"/>
@@ -3843,8 +6168,8 @@
         </p:nvSpPr>
         <p:spPr>
           <a:xfrm>
-            <a:off x="609600" y="904875"/>
-            <a:ext cx="11449050" cy="4216539"/>
+            <a:off x="561975" y="885825"/>
+            <a:ext cx="11449050" cy="4585871"/>
           </a:xfrm>
           <a:prstGeom prst="rect">
             <a:avLst/>
@@ -3869,7 +6194,15 @@
           <a:p>
             <a:r>
               <a:rPr lang="en-US" sz="2400" dirty="0"/>
-              <a:t>AI/ML is emerging drastically each day and due to its emergence, data is increasing day by </a:t>
+              <a:t>AI/ML is emerging drastically each day and due to its emergence, we need to provide billions of dataset </a:t>
+            </a:r>
+            <a:r>
+              <a:rPr lang="en-US" sz="2400" dirty="0" err="1"/>
+              <a:t>inorder</a:t>
+            </a:r>
+            <a:r>
+              <a:rPr lang="en-US" sz="2400" dirty="0"/>
+              <a:t> to train a model.  </a:t>
             </a:r>
           </a:p>
           <a:p>
@@ -3878,7 +6211,7 @@
           <a:p>
             <a:r>
               <a:rPr lang="en-US" sz="2400" dirty="0"/>
-              <a:t>Day. The collection of huge datasets is known as Big Data. Due to huge data, a normal </a:t>
+              <a:t>This collection of huge datasets is known as Big Data. </a:t>
             </a:r>
           </a:p>
           <a:p>
@@ -3887,7 +6220,7 @@
           <a:p>
             <a:r>
               <a:rPr lang="en-US" sz="2400" dirty="0"/>
-              <a:t>Humans are not able to detect the abnormal </a:t>
+              <a:t>Due to huge data, a normal human is not able to detect the abnormal </a:t>
             </a:r>
             <a:r>
               <a:rPr lang="en-US" sz="2400" dirty="0" err="1"/>
@@ -3906,18 +6239,13 @@
               <a:rPr lang="en-US" sz="2400" dirty="0"/>
               <a:t>Here, the idea of big data and AI ,ML come into picture. AI/ML helps to detect abnormal </a:t>
             </a:r>
-          </a:p>
-          <a:p>
-            <a:endParaRPr lang="en-US" sz="2400" dirty="0"/>
-          </a:p>
-          <a:p>
             <a:r>
               <a:rPr lang="en-US" sz="2400" dirty="0" err="1"/>
-              <a:t>Behaviour</a:t>
+              <a:t>behaviour</a:t>
             </a:r>
             <a:r>
               <a:rPr lang="en-US" sz="2400" dirty="0"/>
-              <a:t> and Pattern detection in big data in very less time.</a:t>
+              <a:t> and pattern detection in big data in very less time.</a:t>
             </a:r>
           </a:p>
         </p:txBody>
@@ -3966,8 +6294,8 @@
         </p:nvSpPr>
         <p:spPr>
           <a:xfrm>
-            <a:off x="733425" y="1238250"/>
-            <a:ext cx="11277600" cy="3970318"/>
+            <a:off x="733425" y="914400"/>
+            <a:ext cx="11277600" cy="4401205"/>
           </a:xfrm>
           <a:prstGeom prst="rect">
             <a:avLst/>
@@ -3993,7 +6321,7 @@
           <a:p>
             <a:r>
               <a:rPr lang="en-IN" sz="2800" dirty="0"/>
-              <a:t>We used Python Framework Isolation Forest to detect anomalies and </a:t>
+              <a:t>We have used Python Framework Isolation Forest to detect anomalies and pattern in big data. </a:t>
             </a:r>
           </a:p>
           <a:p>
@@ -4002,7 +6330,7 @@
           <a:p>
             <a:r>
               <a:rPr lang="en-IN" sz="2800" dirty="0"/>
-              <a:t>Pattern in big data. Isolation Forest is a built in framework in Scikit Learn </a:t>
+              <a:t>Isolation Forest is a built in framework in Scikit Learn Ensemble Library of Python. </a:t>
             </a:r>
           </a:p>
           <a:p>
@@ -4011,13 +6339,8 @@
           <a:p>
             <a:r>
               <a:rPr lang="en-IN" sz="2800" dirty="0"/>
-              <a:t>Ensemble Library of Python. If there is any abnormal behaviour detected in</a:t>
-            </a:r>
-          </a:p>
-          <a:p>
-            <a:endParaRPr lang="en-IN" sz="2800" dirty="0"/>
-          </a:p>
-          <a:p>
+              <a:t>If there is any abnormal behaviour detected in </a:t>
+            </a:r>
             <a:r>
               <a:rPr lang="en-IN" sz="2800" dirty="0" err="1"/>
               <a:t>Dataframing</a:t>
@@ -4043,59 +6366,214 @@
 </p:sld>
 </file>
 
+<file path=ppt/slides/slide5.xml><?xml version="1.0" encoding="utf-8"?>
+<p:sld xmlns:a="http://schemas.openxmlformats.org/drawingml/2006/main" xmlns:r="http://schemas.openxmlformats.org/officeDocument/2006/relationships" xmlns:p="http://schemas.openxmlformats.org/presentationml/2006/main">
+  <p:cSld>
+    <p:spTree>
+      <p:nvGrpSpPr>
+        <p:cNvPr id="1" name=""/>
+        <p:cNvGrpSpPr/>
+        <p:nvPr/>
+      </p:nvGrpSpPr>
+      <p:grpSpPr>
+        <a:xfrm>
+          <a:off x="0" y="0"/>
+          <a:ext cx="0" cy="0"/>
+          <a:chOff x="0" y="0"/>
+          <a:chExt cx="0" cy="0"/>
+        </a:xfrm>
+      </p:grpSpPr>
+      <p:sp>
+        <p:nvSpPr>
+          <p:cNvPr id="3" name="Rectangle 2">
+            <a:extLst>
+              <a:ext uri="{FF2B5EF4-FFF2-40B4-BE49-F238E27FC236}">
+                <a16:creationId xmlns:a16="http://schemas.microsoft.com/office/drawing/2014/main" id="{CEC72833-9F51-F6B1-5BE1-95029F6B4EDC}"/>
+              </a:ext>
+            </a:extLst>
+          </p:cNvPr>
+          <p:cNvSpPr/>
+          <p:nvPr/>
+        </p:nvSpPr>
+        <p:spPr>
+          <a:xfrm>
+            <a:off x="2344677" y="2500609"/>
+            <a:ext cx="7323197" cy="1200329"/>
+          </a:xfrm>
+          <a:prstGeom prst="rect">
+            <a:avLst/>
+          </a:prstGeom>
+          <a:noFill/>
+        </p:spPr>
+        <p:txBody>
+          <a:bodyPr wrap="square" lIns="91440" tIns="45720" rIns="91440" bIns="45720">
+            <a:spAutoFit/>
+          </a:bodyPr>
+          <a:lstStyle/>
+          <a:p>
+            <a:pPr algn="ctr"/>
+            <a:r>
+              <a:rPr lang="en-US" sz="7200" b="1" dirty="0">
+                <a:ln w="12700" cmpd="sng">
+                  <a:solidFill>
+                    <a:schemeClr val="accent4"/>
+                  </a:solidFill>
+                  <a:prstDash val="solid"/>
+                </a:ln>
+                <a:gradFill>
+                  <a:gsLst>
+                    <a:gs pos="0">
+                      <a:schemeClr val="accent4"/>
+                    </a:gs>
+                    <a:gs pos="4000">
+                      <a:schemeClr val="accent4">
+                        <a:lumMod val="60000"/>
+                        <a:lumOff val="40000"/>
+                      </a:schemeClr>
+                    </a:gs>
+                    <a:gs pos="87000">
+                      <a:schemeClr val="accent4">
+                        <a:lumMod val="20000"/>
+                        <a:lumOff val="80000"/>
+                      </a:schemeClr>
+                    </a:gs>
+                  </a:gsLst>
+                  <a:lin ang="5400000"/>
+                </a:gradFill>
+              </a:rPr>
+              <a:t>THANK  YOU</a:t>
+            </a:r>
+            <a:endParaRPr lang="en-US" sz="7200" b="1" cap="none" spc="0" dirty="0">
+              <a:ln w="12700" cmpd="sng">
+                <a:solidFill>
+                  <a:schemeClr val="accent4"/>
+                </a:solidFill>
+                <a:prstDash val="solid"/>
+              </a:ln>
+              <a:gradFill>
+                <a:gsLst>
+                  <a:gs pos="0">
+                    <a:schemeClr val="accent4"/>
+                  </a:gs>
+                  <a:gs pos="4000">
+                    <a:schemeClr val="accent4">
+                      <a:lumMod val="60000"/>
+                      <a:lumOff val="40000"/>
+                    </a:schemeClr>
+                  </a:gs>
+                  <a:gs pos="87000">
+                    <a:schemeClr val="accent4">
+                      <a:lumMod val="20000"/>
+                      <a:lumOff val="80000"/>
+                    </a:schemeClr>
+                  </a:gs>
+                </a:gsLst>
+                <a:lin ang="5400000"/>
+              </a:gradFill>
+              <a:effectLst/>
+            </a:endParaRPr>
+          </a:p>
+        </p:txBody>
+      </p:sp>
+    </p:spTree>
+    <p:extLst>
+      <p:ext uri="{BB962C8B-B14F-4D97-AF65-F5344CB8AC3E}">
+        <p14:creationId xmlns:p14="http://schemas.microsoft.com/office/powerpoint/2010/main" val="840129328"/>
+      </p:ext>
+    </p:extLst>
+  </p:cSld>
+  <p:clrMapOvr>
+    <a:masterClrMapping/>
+  </p:clrMapOvr>
+</p:sld>
+</file>
+
 <file path=ppt/theme/theme1.xml><?xml version="1.0" encoding="utf-8"?>
-<a:theme xmlns:a="http://schemas.openxmlformats.org/drawingml/2006/main" name="Parcel">
+<a:theme xmlns:a="http://schemas.openxmlformats.org/drawingml/2006/main" name="Damask">
   <a:themeElements>
-    <a:clrScheme name="Parcel">
+    <a:clrScheme name="Damask">
       <a:dk1>
-        <a:srgbClr val="000000"/>
+        <a:sysClr val="windowText" lastClr="000000"/>
       </a:dk1>
       <a:lt1>
-        <a:srgbClr val="FFFFFF"/>
+        <a:sysClr val="window" lastClr="FFFFFF"/>
       </a:lt1>
       <a:dk2>
-        <a:srgbClr val="4A5356"/>
+        <a:srgbClr val="2A5B7F"/>
       </a:dk2>
       <a:lt2>
-        <a:srgbClr val="E8E3CE"/>
+        <a:srgbClr val="ABDAFC"/>
       </a:lt2>
       <a:accent1>
-        <a:srgbClr val="F6A21D"/>
+        <a:srgbClr val="9EC544"/>
       </a:accent1>
       <a:accent2>
-        <a:srgbClr val="9BAFB5"/>
+        <a:srgbClr val="50BEA3"/>
       </a:accent2>
       <a:accent3>
-        <a:srgbClr val="C96731"/>
+        <a:srgbClr val="4A9CCC"/>
       </a:accent3>
       <a:accent4>
-        <a:srgbClr val="9CA383"/>
+        <a:srgbClr val="9A66CA"/>
       </a:accent4>
       <a:accent5>
-        <a:srgbClr val="87795D"/>
+        <a:srgbClr val="C54F71"/>
       </a:accent5>
       <a:accent6>
-        <a:srgbClr val="A0988C"/>
+        <a:srgbClr val="DE9C3C"/>
       </a:accent6>
       <a:hlink>
-        <a:srgbClr val="00B0F0"/>
+        <a:srgbClr val="6BA9DA"/>
       </a:hlink>
       <a:folHlink>
-        <a:srgbClr val="738F97"/>
+        <a:srgbClr val="A0BCD3"/>
       </a:folHlink>
     </a:clrScheme>
-    <a:fontScheme name="Parcel">
+    <a:fontScheme name="Damask">
       <a:majorFont>
-        <a:latin typeface="Gill Sans MT" panose="020B0502020104020203"/>
+        <a:latin typeface="Bookman Old Style" panose="02050604050505020204"/>
         <a:ea typeface=""/>
         <a:cs typeface=""/>
-        <a:font script="Grek" typeface="Corbel"/>
-        <a:font script="Cyrl" typeface="Corbel"/>
-        <a:font script="Jpan" typeface="HGｺﾞｼｯｸE"/>
-        <a:font script="Hang" typeface="휴먼매직체"/>
-        <a:font script="Hans" typeface="华文中宋"/>
-        <a:font script="Hant" typeface="微軟正黑體"/>
-        <a:font script="Arab" typeface="Majalla UI"/>
+        <a:font script="Jpan" typeface="ＭＳ Ｐゴシック"/>
+        <a:font script="Hang" typeface="맑은 고딕"/>
+        <a:font script="Hans" typeface="宋体"/>
+        <a:font script="Hant" typeface="新細明體"/>
+        <a:font script="Arab" typeface="Times New Roman"/>
+        <a:font script="Hebr" typeface="Times New Roman"/>
+        <a:font script="Thai" typeface="Angsana New"/>
+        <a:font script="Ethi" typeface="Nyala"/>
+        <a:font script="Beng" typeface="Vrinda"/>
+        <a:font script="Gujr" typeface="Shruti"/>
+        <a:font script="Khmr" typeface="MoolBoran"/>
+        <a:font script="Knda" typeface="Tunga"/>
+        <a:font script="Guru" typeface="Raavi"/>
+        <a:font script="Cans" typeface="Euphemia"/>
+        <a:font script="Cher" typeface="Plantagenet Cherokee"/>
+        <a:font script="Yiii" typeface="Microsoft Yi Baiti"/>
+        <a:font script="Tibt" typeface="Microsoft Himalaya"/>
+        <a:font script="Thaa" typeface="MV Boli"/>
+        <a:font script="Deva" typeface="Mangal"/>
+        <a:font script="Telu" typeface="Gautami"/>
+        <a:font script="Taml" typeface="Latha"/>
+        <a:font script="Syrc" typeface="Estrangelo Edessa"/>
+        <a:font script="Orya" typeface="Kalinga"/>
+        <a:font script="Mlym" typeface="Kartika"/>
+        <a:font script="Laoo" typeface="DokChampa"/>
+        <a:font script="Sinh" typeface="Iskoola Pota"/>
+        <a:font script="Mong" typeface="Mongolian Baiti"/>
+        <a:font script="Viet" typeface="Times New Roman"/>
+        <a:font script="Uigh" typeface="Microsoft Uighur"/>
+        <a:font script="Geor" typeface="Sylfaen"/>
+      </a:majorFont>
+      <a:minorFont>
+        <a:latin typeface="Rockwell" panose="02060603020205020403"/>
+        <a:ea typeface=""/>
+        <a:cs typeface=""/>
+        <a:font script="Jpan" typeface="ＭＳ Ｐゴシック"/>
+        <a:font script="Hang" typeface="맑은 고딕"/>
+        <a:font script="Hans" typeface="宋体"/>
+        <a:font script="Hant" typeface="新細明體"/>
+        <a:font script="Arab" typeface="Arial"/>
         <a:font script="Hebr" typeface="Arial"/>
         <a:font script="Thai" typeface="Cordia New"/>
         <a:font script="Ethi" typeface="Nyala"/>
@@ -4118,49 +6596,12 @@
         <a:font script="Laoo" typeface="DokChampa"/>
         <a:font script="Sinh" typeface="Iskoola Pota"/>
         <a:font script="Mong" typeface="Mongolian Baiti"/>
-        <a:font script="Viet" typeface="Tahoma"/>
-        <a:font script="Uigh" typeface="Microsoft Uighur"/>
-        <a:font script="Geor" typeface="Sylfaen"/>
-      </a:majorFont>
-      <a:minorFont>
-        <a:latin typeface="Gill Sans MT" panose="020B0502020104020203"/>
-        <a:ea typeface=""/>
-        <a:cs typeface=""/>
-        <a:font script="Grek" typeface="Corbel"/>
-        <a:font script="Cyrl" typeface="Corbel"/>
-        <a:font script="Jpan" typeface="HGｺﾞｼｯｸE"/>
-        <a:font script="Hang" typeface="휴먼매직체"/>
-        <a:font script="Hans" typeface="华文中宋"/>
-        <a:font script="Hant" typeface="微軟正黑體"/>
-        <a:font script="Arab" typeface="Majalla UI"/>
-        <a:font script="Hebr" typeface="Arial"/>
-        <a:font script="Thai" typeface="Cordia New"/>
-        <a:font script="Ethi" typeface="Nyala"/>
-        <a:font script="Beng" typeface="Vrinda"/>
-        <a:font script="Gujr" typeface="Shruti"/>
-        <a:font script="Khmr" typeface="DaunPenh"/>
-        <a:font script="Knda" typeface="Tunga"/>
-        <a:font script="Guru" typeface="Raavi"/>
-        <a:font script="Cans" typeface="Euphemia"/>
-        <a:font script="Cher" typeface="Plantagenet Cherokee"/>
-        <a:font script="Yiii" typeface="Microsoft Yi Baiti"/>
-        <a:font script="Tibt" typeface="Microsoft Himalaya"/>
-        <a:font script="Thaa" typeface="MV Boli"/>
-        <a:font script="Deva" typeface="Mangal"/>
-        <a:font script="Telu" typeface="Gautami"/>
-        <a:font script="Taml" typeface="Latha"/>
-        <a:font script="Syrc" typeface="Estrangelo Edessa"/>
-        <a:font script="Orya" typeface="Kalinga"/>
-        <a:font script="Mlym" typeface="Kartika"/>
-        <a:font script="Laoo" typeface="DokChampa"/>
-        <a:font script="Sinh" typeface="Iskoola Pota"/>
-        <a:font script="Mong" typeface="Mongolian Baiti"/>
-        <a:font script="Viet" typeface="Tahoma"/>
+        <a:font script="Viet" typeface="Arial"/>
         <a:font script="Uigh" typeface="Microsoft Uighur"/>
         <a:font script="Geor" typeface="Sylfaen"/>
       </a:minorFont>
     </a:fontScheme>
-    <a:fmtScheme name="Parcel">
+    <a:fmtScheme name="Damask">
       <a:fillStyleLst>
         <a:solidFill>
           <a:schemeClr val="phClr"/>
@@ -4169,16 +6610,16 @@
           <a:gsLst>
             <a:gs pos="0">
               <a:schemeClr val="phClr">
-                <a:tint val="80000"/>
-                <a:satMod val="107000"/>
-                <a:lumMod val="103000"/>
+                <a:tint val="48000"/>
+                <a:satMod val="105000"/>
+                <a:lumMod val="110000"/>
               </a:schemeClr>
             </a:gs>
             <a:gs pos="100000">
               <a:schemeClr val="phClr">
-                <a:tint val="82000"/>
+                <a:tint val="78000"/>
                 <a:satMod val="109000"/>
-                <a:lumMod val="103000"/>
+                <a:lumMod val="100000"/>
               </a:schemeClr>
             </a:gs>
           </a:gsLst>
@@ -4188,23 +6629,23 @@
           <a:gsLst>
             <a:gs pos="0">
               <a:schemeClr val="phClr">
-                <a:tint val="97000"/>
+                <a:tint val="94000"/>
                 <a:satMod val="100000"/>
-                <a:lumMod val="102000"/>
+                <a:lumMod val="104000"/>
               </a:schemeClr>
             </a:gs>
-            <a:gs pos="50000">
+            <a:gs pos="69000">
               <a:schemeClr val="phClr">
-                <a:shade val="100000"/>
-                <a:satMod val="103000"/>
-                <a:lumMod val="100000"/>
+                <a:shade val="86000"/>
+                <a:satMod val="130000"/>
+                <a:lumMod val="102000"/>
               </a:schemeClr>
             </a:gs>
             <a:gs pos="100000">
               <a:schemeClr val="phClr">
-                <a:shade val="93000"/>
-                <a:satMod val="110000"/>
-                <a:lumMod val="99000"/>
+                <a:shade val="72000"/>
+                <a:satMod val="130000"/>
+                <a:lumMod val="100000"/>
               </a:schemeClr>
             </a:gs>
           </a:gsLst>
@@ -4212,19 +6653,19 @@
         </a:gradFill>
       </a:fillStyleLst>
       <a:lnStyleLst>
-        <a:ln w="6350" cap="flat" cmpd="sng" algn="ctr">
-          <a:solidFill>
-            <a:schemeClr val="phClr"/>
-          </a:solidFill>
-          <a:prstDash val="solid"/>
-        </a:ln>
         <a:ln w="12700" cap="flat" cmpd="sng" algn="ctr">
           <a:solidFill>
             <a:schemeClr val="phClr"/>
           </a:solidFill>
           <a:prstDash val="solid"/>
         </a:ln>
-        <a:ln w="31750" cap="flat" cmpd="sng" algn="ctr">
+        <a:ln w="19050" cap="flat" cmpd="sng" algn="ctr">
+          <a:solidFill>
+            <a:schemeClr val="phClr"/>
+          </a:solidFill>
+          <a:prstDash val="solid"/>
+        </a:ln>
+        <a:ln w="25400" cap="flat" cmpd="sng" algn="ctr">
           <a:solidFill>
             <a:schemeClr val="phClr"/>
           </a:solidFill>
@@ -4236,13 +6677,19 @@
           <a:effectLst/>
         </a:effectStyle>
         <a:effectStyle>
-          <a:effectLst/>
+          <a:effectLst>
+            <a:outerShdw blurRad="50800" dist="38100" dir="5400000" sy="96000" rotWithShape="0">
+              <a:srgbClr val="000000">
+                <a:alpha val="54000"/>
+              </a:srgbClr>
+            </a:outerShdw>
+          </a:effectLst>
         </a:effectStyle>
         <a:effectStyle>
           <a:effectLst>
-            <a:outerShdw blurRad="55880" dist="15240" dir="5400000" algn="ctr" rotWithShape="0">
+            <a:outerShdw blurRad="76200" dist="38100" dir="5400000" algn="ctr" rotWithShape="0">
               <a:srgbClr val="000000">
-                <a:alpha val="45000"/>
+                <a:alpha val="76000"/>
               </a:srgbClr>
             </a:outerShdw>
           </a:effectLst>
@@ -4250,10 +6697,10 @@
             <a:camera prst="orthographicFront">
               <a:rot lat="0" lon="0" rev="0"/>
             </a:camera>
-            <a:lightRig rig="brightRoom" dir="tl"/>
+            <a:lightRig rig="balanced" dir="t"/>
           </a:scene3d>
-          <a:sp3d prstMaterial="dkEdge">
-            <a:bevelT w="0" h="0"/>
+          <a:sp3d prstMaterial="matte">
+            <a:bevelT w="25400" h="25400" prst="relaxedInset"/>
           </a:sp3d>
         </a:effectStyle>
       </a:effectStyleLst>
@@ -4267,29 +6714,23 @@
             <a:satMod val="170000"/>
           </a:schemeClr>
         </a:solidFill>
-        <a:gradFill rotWithShape="1">
-          <a:gsLst>
-            <a:gs pos="0">
+        <a:blipFill rotWithShape="1">
+          <a:blip xmlns:r="http://schemas.openxmlformats.org/officeDocument/2006/relationships" r:embed="rId1">
+            <a:duotone>
               <a:schemeClr val="phClr">
-                <a:tint val="97000"/>
-                <a:shade val="100000"/>
-                <a:satMod val="185000"/>
-                <a:lumMod val="120000"/>
+                <a:shade val="18000"/>
+                <a:satMod val="160000"/>
+                <a:lumMod val="28000"/>
               </a:schemeClr>
-            </a:gs>
-            <a:gs pos="100000">
               <a:schemeClr val="phClr">
-                <a:tint val="96000"/>
-                <a:shade val="95000"/>
-                <a:satMod val="215000"/>
-                <a:lumMod val="80000"/>
+                <a:tint val="95000"/>
+                <a:satMod val="160000"/>
+                <a:lumMod val="116000"/>
               </a:schemeClr>
-            </a:gs>
-          </a:gsLst>
-          <a:path path="circle">
-            <a:fillToRect l="50000" t="55000" r="125000" b="100000"/>
-          </a:path>
-        </a:gradFill>
+            </a:duotone>
+          </a:blip>
+          <a:stretch/>
+        </a:blipFill>
       </a:bgFillStyleLst>
     </a:fmtScheme>
   </a:themeElements>
@@ -4297,7 +6738,7 @@
   <a:extraClrSchemeLst/>
   <a:extLst>
     <a:ext uri="{05A4C25C-085E-4340-85A3-A5531E510DB2}">
-      <thm15:themeFamily xmlns:thm15="http://schemas.microsoft.com/office/thememl/2012/main" name="Parcel" id="{8BEC4385-4EB9-4D53-BFB5-0EA123736B6D}" vid="{4DB32801-28C0-48B0-8C1D-A9A58613615A}"/>
+      <thm15:themeFamily xmlns:thm15="http://schemas.microsoft.com/office/thememl/2012/main" name="Damask" id="{F9A299A0-33D0-4E0F-9F3F-7163E3744208}" vid="{746EEEEA-FB6A-406B-B510-531588D54811}"/>
     </a:ext>
   </a:extLst>
 </a:theme>
